--- a/Ch05_RegressionAnalysis.pptx
+++ b/Ch05_RegressionAnalysis.pptx
@@ -5,27 +5,32 @@
     <p:sldMasterId id="2147483684" r:id="rId4"/>
   </p:sldMasterIdLst>
   <p:notesMasterIdLst>
-    <p:notesMasterId r:id="rId20"/>
+    <p:notesMasterId r:id="rId25"/>
   </p:notesMasterIdLst>
   <p:handoutMasterIdLst>
-    <p:handoutMasterId r:id="rId21"/>
+    <p:handoutMasterId r:id="rId26"/>
   </p:handoutMasterIdLst>
   <p:sldIdLst>
     <p:sldId id="257" r:id="rId5"/>
     <p:sldId id="258" r:id="rId6"/>
-    <p:sldId id="256" r:id="rId7"/>
+    <p:sldId id="378" r:id="rId7"/>
     <p:sldId id="281" r:id="rId8"/>
     <p:sldId id="331" r:id="rId9"/>
     <p:sldId id="364" r:id="rId10"/>
-    <p:sldId id="332" r:id="rId11"/>
-    <p:sldId id="359" r:id="rId12"/>
-    <p:sldId id="352" r:id="rId13"/>
-    <p:sldId id="365" r:id="rId14"/>
-    <p:sldId id="366" r:id="rId15"/>
-    <p:sldId id="367" r:id="rId16"/>
-    <p:sldId id="369" r:id="rId17"/>
-    <p:sldId id="370" r:id="rId18"/>
-    <p:sldId id="368" r:id="rId19"/>
+    <p:sldId id="372" r:id="rId11"/>
+    <p:sldId id="332" r:id="rId12"/>
+    <p:sldId id="374" r:id="rId13"/>
+    <p:sldId id="375" r:id="rId14"/>
+    <p:sldId id="376" r:id="rId15"/>
+    <p:sldId id="377" r:id="rId16"/>
+    <p:sldId id="373" r:id="rId17"/>
+    <p:sldId id="352" r:id="rId18"/>
+    <p:sldId id="379" r:id="rId19"/>
+    <p:sldId id="365" r:id="rId20"/>
+    <p:sldId id="371" r:id="rId21"/>
+    <p:sldId id="380" r:id="rId22"/>
+    <p:sldId id="370" r:id="rId23"/>
+    <p:sldId id="368" r:id="rId24"/>
   </p:sldIdLst>
   <p:sldSz cx="9144000" cy="6858000" type="screen4x3"/>
   <p:notesSz cx="7053263" cy="9356725"/>
@@ -1271,7 +1276,7 @@
     </p:spTree>
     <p:extLst>
       <p:ext uri="{BB962C8B-B14F-4D97-AF65-F5344CB8AC3E}">
-        <p14:creationId xmlns:p14="http://schemas.microsoft.com/office/powerpoint/2010/main" val="128948199"/>
+        <p14:creationId xmlns:p14="http://schemas.microsoft.com/office/powerpoint/2010/main" val="2163310754"/>
       </p:ext>
     </p:extLst>
   </p:cSld>
@@ -1337,7 +1342,7 @@
     </p:spTree>
     <p:extLst>
       <p:ext uri="{BB962C8B-B14F-4D97-AF65-F5344CB8AC3E}">
-        <p14:creationId xmlns:p14="http://schemas.microsoft.com/office/powerpoint/2010/main" val="1011550999"/>
+        <p14:creationId xmlns:p14="http://schemas.microsoft.com/office/powerpoint/2010/main" val="295130177"/>
       </p:ext>
     </p:extLst>
   </p:cSld>
@@ -1403,7 +1408,7 @@
     </p:spTree>
     <p:extLst>
       <p:ext uri="{BB962C8B-B14F-4D97-AF65-F5344CB8AC3E}">
-        <p14:creationId xmlns:p14="http://schemas.microsoft.com/office/powerpoint/2010/main" val="2062949920"/>
+        <p14:creationId xmlns:p14="http://schemas.microsoft.com/office/powerpoint/2010/main" val="1350223621"/>
       </p:ext>
     </p:extLst>
   </p:cSld>
@@ -1414,6 +1419,138 @@
 </file>
 
 <file path=ppt/notesSlides/notesSlide13.xml><?xml version="1.0" encoding="utf-8"?>
+<p:notes xmlns:a="http://schemas.openxmlformats.org/drawingml/2006/main" xmlns:r="http://schemas.openxmlformats.org/officeDocument/2006/relationships" xmlns:p="http://schemas.openxmlformats.org/presentationml/2006/main">
+  <p:cSld>
+    <p:spTree>
+      <p:nvGrpSpPr>
+        <p:cNvPr id="1" name=""/>
+        <p:cNvGrpSpPr/>
+        <p:nvPr/>
+      </p:nvGrpSpPr>
+      <p:grpSpPr>
+        <a:xfrm>
+          <a:off x="0" y="0"/>
+          <a:ext cx="0" cy="0"/>
+          <a:chOff x="0" y="0"/>
+          <a:chExt cx="0" cy="0"/>
+        </a:xfrm>
+      </p:grpSpPr>
+      <p:sp>
+        <p:nvSpPr>
+          <p:cNvPr id="4" name="Slide Image Placeholder 3"/>
+          <p:cNvSpPr>
+            <a:spLocks noGrp="1" noRot="1" noChangeAspect="1"/>
+          </p:cNvSpPr>
+          <p:nvPr>
+            <p:ph type="sldImg"/>
+          </p:nvPr>
+        </p:nvSpPr>
+        <p:spPr>
+          <a:xfrm>
+            <a:off x="1189038" y="701675"/>
+            <a:ext cx="4676775" cy="3508375"/>
+          </a:xfrm>
+        </p:spPr>
+      </p:sp>
+      <p:sp>
+        <p:nvSpPr>
+          <p:cNvPr id="5" name="Notes Placeholder 4"/>
+          <p:cNvSpPr>
+            <a:spLocks noGrp="1"/>
+          </p:cNvSpPr>
+          <p:nvPr>
+            <p:ph type="body" idx="1"/>
+          </p:nvPr>
+        </p:nvSpPr>
+        <p:spPr/>
+        <p:txBody>
+          <a:bodyPr/>
+          <a:lstStyle/>
+          <a:p>
+            <a:endParaRPr lang="en-US" dirty="0"/>
+          </a:p>
+        </p:txBody>
+      </p:sp>
+    </p:spTree>
+    <p:extLst>
+      <p:ext uri="{BB962C8B-B14F-4D97-AF65-F5344CB8AC3E}">
+        <p14:creationId xmlns:p14="http://schemas.microsoft.com/office/powerpoint/2010/main" val="3800435449"/>
+      </p:ext>
+    </p:extLst>
+  </p:cSld>
+  <p:clrMapOvr>
+    <a:masterClrMapping/>
+  </p:clrMapOvr>
+</p:notes>
+</file>
+
+<file path=ppt/notesSlides/notesSlide14.xml><?xml version="1.0" encoding="utf-8"?>
+<p:notes xmlns:a="http://schemas.openxmlformats.org/drawingml/2006/main" xmlns:r="http://schemas.openxmlformats.org/officeDocument/2006/relationships" xmlns:p="http://schemas.openxmlformats.org/presentationml/2006/main">
+  <p:cSld>
+    <p:spTree>
+      <p:nvGrpSpPr>
+        <p:cNvPr id="1" name=""/>
+        <p:cNvGrpSpPr/>
+        <p:nvPr/>
+      </p:nvGrpSpPr>
+      <p:grpSpPr>
+        <a:xfrm>
+          <a:off x="0" y="0"/>
+          <a:ext cx="0" cy="0"/>
+          <a:chOff x="0" y="0"/>
+          <a:chExt cx="0" cy="0"/>
+        </a:xfrm>
+      </p:grpSpPr>
+      <p:sp>
+        <p:nvSpPr>
+          <p:cNvPr id="4" name="Slide Image Placeholder 3"/>
+          <p:cNvSpPr>
+            <a:spLocks noGrp="1" noRot="1" noChangeAspect="1"/>
+          </p:cNvSpPr>
+          <p:nvPr>
+            <p:ph type="sldImg"/>
+          </p:nvPr>
+        </p:nvSpPr>
+        <p:spPr>
+          <a:xfrm>
+            <a:off x="1189038" y="701675"/>
+            <a:ext cx="4676775" cy="3508375"/>
+          </a:xfrm>
+        </p:spPr>
+      </p:sp>
+      <p:sp>
+        <p:nvSpPr>
+          <p:cNvPr id="5" name="Notes Placeholder 4"/>
+          <p:cNvSpPr>
+            <a:spLocks noGrp="1"/>
+          </p:cNvSpPr>
+          <p:nvPr>
+            <p:ph type="body" idx="1"/>
+          </p:nvPr>
+        </p:nvSpPr>
+        <p:spPr/>
+        <p:txBody>
+          <a:bodyPr/>
+          <a:lstStyle/>
+          <a:p>
+            <a:endParaRPr lang="en-US" dirty="0"/>
+          </a:p>
+        </p:txBody>
+      </p:sp>
+    </p:spTree>
+    <p:extLst>
+      <p:ext uri="{BB962C8B-B14F-4D97-AF65-F5344CB8AC3E}">
+        <p14:creationId xmlns:p14="http://schemas.microsoft.com/office/powerpoint/2010/main" val="616098107"/>
+      </p:ext>
+    </p:extLst>
+  </p:cSld>
+  <p:clrMapOvr>
+    <a:masterClrMapping/>
+  </p:clrMapOvr>
+</p:notes>
+</file>
+
+<file path=ppt/notesSlides/notesSlide15.xml><?xml version="1.0" encoding="utf-8"?>
 <p:notes xmlns:a="http://schemas.openxmlformats.org/drawingml/2006/main" xmlns:r="http://schemas.openxmlformats.org/officeDocument/2006/relationships" xmlns:p="http://schemas.openxmlformats.org/presentationml/2006/main">
   <p:cSld>
     <p:spTree>
@@ -1481,7 +1618,7 @@
     </p:spTree>
     <p:extLst>
       <p:ext uri="{BB962C8B-B14F-4D97-AF65-F5344CB8AC3E}">
-        <p14:creationId xmlns:p14="http://schemas.microsoft.com/office/powerpoint/2010/main" val="1939166893"/>
+        <p14:creationId xmlns:p14="http://schemas.microsoft.com/office/powerpoint/2010/main" val="1809426428"/>
       </p:ext>
     </p:extLst>
   </p:cSld>
@@ -1491,7 +1628,139 @@
 </p:notes>
 </file>
 
-<file path=ppt/notesSlides/notesSlide14.xml><?xml version="1.0" encoding="utf-8"?>
+<file path=ppt/notesSlides/notesSlide16.xml><?xml version="1.0" encoding="utf-8"?>
+<p:notes xmlns:a="http://schemas.openxmlformats.org/drawingml/2006/main" xmlns:r="http://schemas.openxmlformats.org/officeDocument/2006/relationships" xmlns:p="http://schemas.openxmlformats.org/presentationml/2006/main">
+  <p:cSld>
+    <p:spTree>
+      <p:nvGrpSpPr>
+        <p:cNvPr id="1" name=""/>
+        <p:cNvGrpSpPr/>
+        <p:nvPr/>
+      </p:nvGrpSpPr>
+      <p:grpSpPr>
+        <a:xfrm>
+          <a:off x="0" y="0"/>
+          <a:ext cx="0" cy="0"/>
+          <a:chOff x="0" y="0"/>
+          <a:chExt cx="0" cy="0"/>
+        </a:xfrm>
+      </p:grpSpPr>
+      <p:sp>
+        <p:nvSpPr>
+          <p:cNvPr id="4" name="Slide Image Placeholder 3"/>
+          <p:cNvSpPr>
+            <a:spLocks noGrp="1" noRot="1" noChangeAspect="1"/>
+          </p:cNvSpPr>
+          <p:nvPr>
+            <p:ph type="sldImg"/>
+          </p:nvPr>
+        </p:nvSpPr>
+        <p:spPr>
+          <a:xfrm>
+            <a:off x="1189038" y="701675"/>
+            <a:ext cx="4676775" cy="3508375"/>
+          </a:xfrm>
+        </p:spPr>
+      </p:sp>
+      <p:sp>
+        <p:nvSpPr>
+          <p:cNvPr id="5" name="Notes Placeholder 4"/>
+          <p:cNvSpPr>
+            <a:spLocks noGrp="1"/>
+          </p:cNvSpPr>
+          <p:nvPr>
+            <p:ph type="body" idx="1"/>
+          </p:nvPr>
+        </p:nvSpPr>
+        <p:spPr/>
+        <p:txBody>
+          <a:bodyPr/>
+          <a:lstStyle/>
+          <a:p>
+            <a:endParaRPr lang="en-US" dirty="0"/>
+          </a:p>
+        </p:txBody>
+      </p:sp>
+    </p:spTree>
+    <p:extLst>
+      <p:ext uri="{BB962C8B-B14F-4D97-AF65-F5344CB8AC3E}">
+        <p14:creationId xmlns:p14="http://schemas.microsoft.com/office/powerpoint/2010/main" val="128948199"/>
+      </p:ext>
+    </p:extLst>
+  </p:cSld>
+  <p:clrMapOvr>
+    <a:masterClrMapping/>
+  </p:clrMapOvr>
+</p:notes>
+</file>
+
+<file path=ppt/notesSlides/notesSlide17.xml><?xml version="1.0" encoding="utf-8"?>
+<p:notes xmlns:a="http://schemas.openxmlformats.org/drawingml/2006/main" xmlns:r="http://schemas.openxmlformats.org/officeDocument/2006/relationships" xmlns:p="http://schemas.openxmlformats.org/presentationml/2006/main">
+  <p:cSld>
+    <p:spTree>
+      <p:nvGrpSpPr>
+        <p:cNvPr id="1" name=""/>
+        <p:cNvGrpSpPr/>
+        <p:nvPr/>
+      </p:nvGrpSpPr>
+      <p:grpSpPr>
+        <a:xfrm>
+          <a:off x="0" y="0"/>
+          <a:ext cx="0" cy="0"/>
+          <a:chOff x="0" y="0"/>
+          <a:chExt cx="0" cy="0"/>
+        </a:xfrm>
+      </p:grpSpPr>
+      <p:sp>
+        <p:nvSpPr>
+          <p:cNvPr id="4" name="Slide Image Placeholder 3"/>
+          <p:cNvSpPr>
+            <a:spLocks noGrp="1" noRot="1" noChangeAspect="1"/>
+          </p:cNvSpPr>
+          <p:nvPr>
+            <p:ph type="sldImg"/>
+          </p:nvPr>
+        </p:nvSpPr>
+        <p:spPr>
+          <a:xfrm>
+            <a:off x="1189038" y="701675"/>
+            <a:ext cx="4676775" cy="3508375"/>
+          </a:xfrm>
+        </p:spPr>
+      </p:sp>
+      <p:sp>
+        <p:nvSpPr>
+          <p:cNvPr id="5" name="Notes Placeholder 4"/>
+          <p:cNvSpPr>
+            <a:spLocks noGrp="1"/>
+          </p:cNvSpPr>
+          <p:nvPr>
+            <p:ph type="body" idx="1"/>
+          </p:nvPr>
+        </p:nvSpPr>
+        <p:spPr/>
+        <p:txBody>
+          <a:bodyPr/>
+          <a:lstStyle/>
+          <a:p>
+            <a:endParaRPr lang="en-US" dirty="0"/>
+          </a:p>
+        </p:txBody>
+      </p:sp>
+    </p:spTree>
+    <p:extLst>
+      <p:ext uri="{BB962C8B-B14F-4D97-AF65-F5344CB8AC3E}">
+        <p14:creationId xmlns:p14="http://schemas.microsoft.com/office/powerpoint/2010/main" val="3617824496"/>
+      </p:ext>
+    </p:extLst>
+  </p:cSld>
+  <p:clrMapOvr>
+    <a:masterClrMapping/>
+  </p:clrMapOvr>
+</p:notes>
+</file>
+
+<file path=ppt/notesSlides/notesSlide18.xml><?xml version="1.0" encoding="utf-8"?>
 <p:notes xmlns:a="http://schemas.openxmlformats.org/drawingml/2006/main" xmlns:r="http://schemas.openxmlformats.org/officeDocument/2006/relationships" xmlns:p="http://schemas.openxmlformats.org/presentationml/2006/main">
   <p:cSld>
     <p:spTree>
@@ -1559,7 +1828,7 @@
     </p:spTree>
     <p:extLst>
       <p:ext uri="{BB962C8B-B14F-4D97-AF65-F5344CB8AC3E}">
-        <p14:creationId xmlns:p14="http://schemas.microsoft.com/office/powerpoint/2010/main" val="1879536902"/>
+        <p14:creationId xmlns:p14="http://schemas.microsoft.com/office/powerpoint/2010/main" val="3841762118"/>
       </p:ext>
     </p:extLst>
   </p:cSld>
@@ -1569,7 +1838,7 @@
 </p:notes>
 </file>
 
-<file path=ppt/notesSlides/notesSlide15.xml><?xml version="1.0" encoding="utf-8"?>
+<file path=ppt/notesSlides/notesSlide19.xml><?xml version="1.0" encoding="utf-8"?>
 <p:notes xmlns:a="http://schemas.openxmlformats.org/drawingml/2006/main" xmlns:r="http://schemas.openxmlformats.org/officeDocument/2006/relationships" xmlns:p="http://schemas.openxmlformats.org/presentationml/2006/main">
   <p:cSld>
     <p:spTree>
@@ -1588,7 +1857,38 @@
       </p:grpSpPr>
       <p:sp>
         <p:nvSpPr>
-          <p:cNvPr id="2" name="Slide Image Placeholder 1"/>
+          <p:cNvPr id="3" name="Notes Placeholder 2"/>
+          <p:cNvSpPr>
+            <a:spLocks noGrp="1"/>
+          </p:cNvSpPr>
+          <p:nvPr>
+            <p:ph type="body" idx="1"/>
+          </p:nvPr>
+        </p:nvSpPr>
+        <p:spPr/>
+        <p:txBody>
+          <a:bodyPr/>
+          <a:lstStyle/>
+          <a:p>
+            <a:r>
+              <a:rPr lang="en-US" dirty="0"/>
+              <a:t>Highlight the topic that follows this page, and place the delta arrow next to it by moving vertically, but maintain the horizontal placement.</a:t>
+            </a:r>
+          </a:p>
+          <a:p>
+            <a:endParaRPr lang="en-US" dirty="0"/>
+          </a:p>
+          <a:p>
+            <a:r>
+              <a:rPr lang="en-US" dirty="0"/>
+              <a:t>If there are too many topics to fit on the page, reduce the line spacing to fit.</a:t>
+            </a:r>
+          </a:p>
+        </p:txBody>
+      </p:sp>
+      <p:sp>
+        <p:nvSpPr>
+          <p:cNvPr id="4" name="Slide Image Placeholder 3"/>
           <p:cNvSpPr>
             <a:spLocks noGrp="1" noRot="1" noChangeAspect="1"/>
           </p:cNvSpPr>
@@ -1603,29 +1903,10 @@
           </a:xfrm>
         </p:spPr>
       </p:sp>
-      <p:sp>
-        <p:nvSpPr>
-          <p:cNvPr id="3" name="Notes Placeholder 2"/>
-          <p:cNvSpPr>
-            <a:spLocks noGrp="1"/>
-          </p:cNvSpPr>
-          <p:nvPr>
-            <p:ph type="body" idx="1"/>
-          </p:nvPr>
-        </p:nvSpPr>
-        <p:spPr/>
-        <p:txBody>
-          <a:bodyPr/>
-          <a:lstStyle/>
-          <a:p>
-            <a:endParaRPr lang="en-US" dirty="0"/>
-          </a:p>
-        </p:txBody>
-      </p:sp>
     </p:spTree>
     <p:extLst>
       <p:ext uri="{BB962C8B-B14F-4D97-AF65-F5344CB8AC3E}">
-        <p14:creationId xmlns:p14="http://schemas.microsoft.com/office/powerpoint/2010/main" val="1436133630"/>
+        <p14:creationId xmlns:p14="http://schemas.microsoft.com/office/powerpoint/2010/main" val="1879536902"/>
       </p:ext>
     </p:extLst>
   </p:cSld>
@@ -1701,6 +1982,72 @@
 </p:notes>
 </file>
 
+<file path=ppt/notesSlides/notesSlide20.xml><?xml version="1.0" encoding="utf-8"?>
+<p:notes xmlns:a="http://schemas.openxmlformats.org/drawingml/2006/main" xmlns:r="http://schemas.openxmlformats.org/officeDocument/2006/relationships" xmlns:p="http://schemas.openxmlformats.org/presentationml/2006/main">
+  <p:cSld>
+    <p:spTree>
+      <p:nvGrpSpPr>
+        <p:cNvPr id="1" name=""/>
+        <p:cNvGrpSpPr/>
+        <p:nvPr/>
+      </p:nvGrpSpPr>
+      <p:grpSpPr>
+        <a:xfrm>
+          <a:off x="0" y="0"/>
+          <a:ext cx="0" cy="0"/>
+          <a:chOff x="0" y="0"/>
+          <a:chExt cx="0" cy="0"/>
+        </a:xfrm>
+      </p:grpSpPr>
+      <p:sp>
+        <p:nvSpPr>
+          <p:cNvPr id="2" name="Slide Image Placeholder 1"/>
+          <p:cNvSpPr>
+            <a:spLocks noGrp="1" noRot="1" noChangeAspect="1"/>
+          </p:cNvSpPr>
+          <p:nvPr>
+            <p:ph type="sldImg"/>
+          </p:nvPr>
+        </p:nvSpPr>
+        <p:spPr>
+          <a:xfrm>
+            <a:off x="1189038" y="701675"/>
+            <a:ext cx="4676775" cy="3508375"/>
+          </a:xfrm>
+        </p:spPr>
+      </p:sp>
+      <p:sp>
+        <p:nvSpPr>
+          <p:cNvPr id="3" name="Notes Placeholder 2"/>
+          <p:cNvSpPr>
+            <a:spLocks noGrp="1"/>
+          </p:cNvSpPr>
+          <p:nvPr>
+            <p:ph type="body" idx="1"/>
+          </p:nvPr>
+        </p:nvSpPr>
+        <p:spPr/>
+        <p:txBody>
+          <a:bodyPr/>
+          <a:lstStyle/>
+          <a:p>
+            <a:endParaRPr lang="en-US" dirty="0"/>
+          </a:p>
+        </p:txBody>
+      </p:sp>
+    </p:spTree>
+    <p:extLst>
+      <p:ext uri="{BB962C8B-B14F-4D97-AF65-F5344CB8AC3E}">
+        <p14:creationId xmlns:p14="http://schemas.microsoft.com/office/powerpoint/2010/main" val="1436133630"/>
+      </p:ext>
+    </p:extLst>
+  </p:cSld>
+  <p:clrMapOvr>
+    <a:masterClrMapping/>
+  </p:clrMapOvr>
+</p:notes>
+</file>
+
 <file path=ppt/notesSlides/notesSlide3.xml><?xml version="1.0" encoding="utf-8"?>
 <p:notes xmlns:a="http://schemas.openxmlformats.org/drawingml/2006/main" xmlns:r="http://schemas.openxmlformats.org/officeDocument/2006/relationships" xmlns:p="http://schemas.openxmlformats.org/presentationml/2006/main">
   <p:cSld>
@@ -1769,7 +2116,7 @@
     </p:spTree>
     <p:extLst>
       <p:ext uri="{BB962C8B-B14F-4D97-AF65-F5344CB8AC3E}">
-        <p14:creationId xmlns:p14="http://schemas.microsoft.com/office/powerpoint/2010/main" val="176521003"/>
+        <p14:creationId xmlns:p14="http://schemas.microsoft.com/office/powerpoint/2010/main" val="3376689741"/>
       </p:ext>
     </p:extLst>
   </p:cSld>
@@ -1996,6 +2343,84 @@
       </p:grpSpPr>
       <p:sp>
         <p:nvSpPr>
+          <p:cNvPr id="3" name="Notes Placeholder 2"/>
+          <p:cNvSpPr>
+            <a:spLocks noGrp="1"/>
+          </p:cNvSpPr>
+          <p:nvPr>
+            <p:ph type="body" idx="1"/>
+          </p:nvPr>
+        </p:nvSpPr>
+        <p:spPr/>
+        <p:txBody>
+          <a:bodyPr/>
+          <a:lstStyle/>
+          <a:p>
+            <a:r>
+              <a:rPr lang="en-US" dirty="0"/>
+              <a:t>Highlight the topic that follows this page, and place the delta arrow next to it by moving vertically, but maintain the horizontal placement.</a:t>
+            </a:r>
+          </a:p>
+          <a:p>
+            <a:endParaRPr lang="en-US" dirty="0"/>
+          </a:p>
+          <a:p>
+            <a:r>
+              <a:rPr lang="en-US" dirty="0"/>
+              <a:t>If there are too many topics to fit on the page, reduce the line spacing to fit.</a:t>
+            </a:r>
+          </a:p>
+        </p:txBody>
+      </p:sp>
+      <p:sp>
+        <p:nvSpPr>
+          <p:cNvPr id="4" name="Slide Image Placeholder 3"/>
+          <p:cNvSpPr>
+            <a:spLocks noGrp="1" noRot="1" noChangeAspect="1"/>
+          </p:cNvSpPr>
+          <p:nvPr>
+            <p:ph type="sldImg"/>
+          </p:nvPr>
+        </p:nvSpPr>
+        <p:spPr>
+          <a:xfrm>
+            <a:off x="1189038" y="701675"/>
+            <a:ext cx="4676775" cy="3508375"/>
+          </a:xfrm>
+        </p:spPr>
+      </p:sp>
+    </p:spTree>
+    <p:extLst>
+      <p:ext uri="{BB962C8B-B14F-4D97-AF65-F5344CB8AC3E}">
+        <p14:creationId xmlns:p14="http://schemas.microsoft.com/office/powerpoint/2010/main" val="1979152643"/>
+      </p:ext>
+    </p:extLst>
+  </p:cSld>
+  <p:clrMapOvr>
+    <a:masterClrMapping/>
+  </p:clrMapOvr>
+</p:notes>
+</file>
+
+<file path=ppt/notesSlides/notesSlide8.xml><?xml version="1.0" encoding="utf-8"?>
+<p:notes xmlns:a="http://schemas.openxmlformats.org/drawingml/2006/main" xmlns:r="http://schemas.openxmlformats.org/officeDocument/2006/relationships" xmlns:p="http://schemas.openxmlformats.org/presentationml/2006/main">
+  <p:cSld>
+    <p:spTree>
+      <p:nvGrpSpPr>
+        <p:cNvPr id="1" name=""/>
+        <p:cNvGrpSpPr/>
+        <p:nvPr/>
+      </p:nvGrpSpPr>
+      <p:grpSpPr>
+        <a:xfrm>
+          <a:off x="0" y="0"/>
+          <a:ext cx="0" cy="0"/>
+          <a:chOff x="0" y="0"/>
+          <a:chExt cx="0" cy="0"/>
+        </a:xfrm>
+      </p:grpSpPr>
+      <p:sp>
+        <p:nvSpPr>
           <p:cNvPr id="4" name="Slide Image Placeholder 3"/>
           <p:cNvSpPr>
             <a:spLocks noGrp="1" noRot="1" noChangeAspect="1"/>
@@ -2034,84 +2459,6 @@
     <p:extLst>
       <p:ext uri="{BB962C8B-B14F-4D97-AF65-F5344CB8AC3E}">
         <p14:creationId xmlns:p14="http://schemas.microsoft.com/office/powerpoint/2010/main" val="1372303649"/>
-      </p:ext>
-    </p:extLst>
-  </p:cSld>
-  <p:clrMapOvr>
-    <a:masterClrMapping/>
-  </p:clrMapOvr>
-</p:notes>
-</file>
-
-<file path=ppt/notesSlides/notesSlide8.xml><?xml version="1.0" encoding="utf-8"?>
-<p:notes xmlns:a="http://schemas.openxmlformats.org/drawingml/2006/main" xmlns:r="http://schemas.openxmlformats.org/officeDocument/2006/relationships" xmlns:p="http://schemas.openxmlformats.org/presentationml/2006/main">
-  <p:cSld>
-    <p:spTree>
-      <p:nvGrpSpPr>
-        <p:cNvPr id="1" name=""/>
-        <p:cNvGrpSpPr/>
-        <p:nvPr/>
-      </p:nvGrpSpPr>
-      <p:grpSpPr>
-        <a:xfrm>
-          <a:off x="0" y="0"/>
-          <a:ext cx="0" cy="0"/>
-          <a:chOff x="0" y="0"/>
-          <a:chExt cx="0" cy="0"/>
-        </a:xfrm>
-      </p:grpSpPr>
-      <p:sp>
-        <p:nvSpPr>
-          <p:cNvPr id="3" name="Notes Placeholder 2"/>
-          <p:cNvSpPr>
-            <a:spLocks noGrp="1"/>
-          </p:cNvSpPr>
-          <p:nvPr>
-            <p:ph type="body" idx="1"/>
-          </p:nvPr>
-        </p:nvSpPr>
-        <p:spPr/>
-        <p:txBody>
-          <a:bodyPr/>
-          <a:lstStyle/>
-          <a:p>
-            <a:r>
-              <a:rPr lang="en-US" dirty="0"/>
-              <a:t>Highlight the topic that follows this page, and place the delta arrow next to it by moving vertically, but maintain the horizontal placement.</a:t>
-            </a:r>
-          </a:p>
-          <a:p>
-            <a:endParaRPr lang="en-US" dirty="0"/>
-          </a:p>
-          <a:p>
-            <a:r>
-              <a:rPr lang="en-US" dirty="0"/>
-              <a:t>If there are too many topics to fit on the page, reduce the line spacing to fit.</a:t>
-            </a:r>
-          </a:p>
-        </p:txBody>
-      </p:sp>
-      <p:sp>
-        <p:nvSpPr>
-          <p:cNvPr id="4" name="Slide Image Placeholder 3"/>
-          <p:cNvSpPr>
-            <a:spLocks noGrp="1" noRot="1" noChangeAspect="1"/>
-          </p:cNvSpPr>
-          <p:nvPr>
-            <p:ph type="sldImg"/>
-          </p:nvPr>
-        </p:nvSpPr>
-        <p:spPr>
-          <a:xfrm>
-            <a:off x="1189038" y="701675"/>
-            <a:ext cx="4676775" cy="3508375"/>
-          </a:xfrm>
-        </p:spPr>
-      </p:sp>
-    </p:spTree>
-    <p:extLst>
-      <p:ext uri="{BB962C8B-B14F-4D97-AF65-F5344CB8AC3E}">
-        <p14:creationId xmlns:p14="http://schemas.microsoft.com/office/powerpoint/2010/main" val="1441801308"/>
       </p:ext>
     </p:extLst>
   </p:cSld>
@@ -2177,7 +2524,7 @@
     </p:spTree>
     <p:extLst>
       <p:ext uri="{BB962C8B-B14F-4D97-AF65-F5344CB8AC3E}">
-        <p14:creationId xmlns:p14="http://schemas.microsoft.com/office/powerpoint/2010/main" val="616098107"/>
+        <p14:creationId xmlns:p14="http://schemas.microsoft.com/office/powerpoint/2010/main" val="1049151684"/>
       </p:ext>
     </p:extLst>
   </p:cSld>
@@ -6649,7 +6996,7 @@
                 </a:solidFill>
                 <a:latin typeface="Calibri" pitchFamily="34" charset="0"/>
               </a:rPr>
-              <a:t>8-</a:t>
+              <a:t>5-</a:t>
             </a:r>
             <a:fld id="{B722F7F8-9603-472A-A081-A1C5DB32BB89}" type="slidenum">
               <a:rPr lang="en-US" sz="1100" b="0" smtClean="0">
@@ -7230,7 +7577,7 @@
               <a:rPr lang="en-US" sz="3600" dirty="0">
                 <a:effectLst/>
               </a:rPr>
-              <a:t>Chapter 8: </a:t>
+              <a:t>Chapter 5: </a:t>
             </a:r>
             <a:br>
               <a:rPr lang="en-US" sz="3600" dirty="0">
@@ -7315,79 +7662,41 @@
           <a:p>
             <a:r>
               <a:rPr lang="en-US" dirty="0"/>
-              <a:t>Run predictions on the test set and compare them to the real values to see how well the model did at predicting</a:t>
-            </a:r>
-          </a:p>
-          <a:p>
+              <a:t>Numerical indexes are good for some algorithms such as Naïve Bayes and Decision Trees, but ones that use distance calculations would get </a:t>
+            </a:r>
+            <a:r>
+              <a:rPr lang="en-US" dirty="0" err="1"/>
+              <a:t>distored</a:t>
+            </a:r>
             <a:endParaRPr lang="en-US" dirty="0"/>
           </a:p>
           <a:p>
-            <a:endParaRPr lang="en-US" dirty="0"/>
-          </a:p>
-          <a:p>
-            <a:endParaRPr lang="en-US" dirty="0"/>
-          </a:p>
-          <a:p>
-            <a:endParaRPr lang="en-US" dirty="0"/>
-          </a:p>
-          <a:p>
             <a:r>
               <a:rPr lang="en-US" dirty="0"/>
-              <a:t>The variance score, also called </a:t>
-            </a:r>
-            <a:br>
+              <a:t>Need to re-encode this as One Hot Encoding which creates a separate column for each unique value and fills the columns with zeros and ones</a:t>
+            </a:r>
+          </a:p>
+          <a:p>
+            <a:r>
               <a:rPr lang="en-US" dirty="0"/>
-            </a:br>
+              <a:t>In Spark this column needs to be a single Vector column unlike Pandas which makes a lot of unique columns.</a:t>
+            </a:r>
+          </a:p>
+          <a:p>
             <a:r>
               <a:rPr lang="en-US" dirty="0"/>
-              <a:t>R-Squared, indicates how well in</a:t>
-            </a:r>
-            <a:br>
+              <a:t>Sparse vectors are hard to interpret visually, but they are not meant for human eyes</a:t>
+            </a:r>
+          </a:p>
+          <a:p>
+            <a:r>
               <a:rPr lang="en-US" dirty="0"/>
-            </a:br>
-            <a:r>
-              <a:rPr lang="en-US" dirty="0"/>
-              <a:t>general the model fits</a:t>
-            </a:r>
-          </a:p>
-          <a:p>
-            <a:pPr lvl="1"/>
-            <a:r>
-              <a:rPr lang="en-US" dirty="0"/>
-              <a:t>Ranges from 0 </a:t>
-            </a:r>
-            <a:r>
-              <a:rPr lang="mr-IN" dirty="0"/>
-              <a:t>–</a:t>
-            </a:r>
-            <a:r>
-              <a:rPr lang="en-US" dirty="0"/>
-              <a:t> 1, the closer</a:t>
-            </a:r>
-            <a:br>
-              <a:rPr lang="en-US" dirty="0"/>
-            </a:br>
-            <a:r>
-              <a:rPr lang="en-US" dirty="0"/>
-              <a:t>to 1 the better</a:t>
-            </a:r>
-          </a:p>
-          <a:p>
-            <a:pPr lvl="1"/>
-            <a:r>
-              <a:rPr lang="en-US" dirty="0"/>
-              <a:t>.92 means this model fit</a:t>
-            </a:r>
-            <a:br>
-              <a:rPr lang="en-US" dirty="0"/>
-            </a:br>
-            <a:r>
-              <a:rPr lang="en-US" dirty="0"/>
-              <a:t>reasonably well</a:t>
-            </a:r>
-          </a:p>
-          <a:p>
-            <a:pPr lvl="1"/>
+              <a:t>Must first re-encode data with </a:t>
+            </a:r>
+            <a:r>
+              <a:rPr lang="en-US" dirty="0" err="1"/>
+              <a:t>StringIndexer</a:t>
+            </a:r>
             <a:endParaRPr lang="en-US" dirty="0"/>
           </a:p>
           <a:p>
@@ -7412,7 +7721,7 @@
           <a:p>
             <a:r>
               <a:rPr lang="en-US" dirty="0"/>
-              <a:t>View the Model</a:t>
+              <a:t>One Hot Encoding</a:t>
             </a:r>
           </a:p>
         </p:txBody>
@@ -7431,8 +7740,8 @@
         </p:nvSpPr>
         <p:spPr>
           <a:xfrm>
-            <a:off x="708265" y="1867923"/>
-            <a:ext cx="7727470" cy="1323439"/>
+            <a:off x="581026" y="4744576"/>
+            <a:ext cx="8020050" cy="1077218"/>
           </a:xfrm>
           <a:prstGeom prst="rect">
             <a:avLst/>
@@ -7568,68 +7877,96 @@
           <a:p>
             <a:r>
               <a:rPr lang="en-US" sz="1600" b="1" dirty="0"/>
-              <a:t>predictions = lm.predict(testX)</a:t>
-            </a:r>
-          </a:p>
-          <a:p>
+              <a:t>from </a:t>
+            </a:r>
+            <a:r>
+              <a:rPr lang="en-US" sz="1600" b="1" dirty="0" err="1"/>
+              <a:t>pyspark.ml.feature</a:t>
+            </a:r>
             <a:r>
               <a:rPr lang="en-US" sz="1600" b="1" dirty="0"/>
-              <a:t>plt.scatter(testY, predictions)</a:t>
-            </a:r>
+              <a:t> import </a:t>
+            </a:r>
+            <a:r>
+              <a:rPr lang="en-US" sz="1600" b="1" dirty="0" err="1"/>
+              <a:t>OneHotEncoderEstimator</a:t>
+            </a:r>
+            <a:endParaRPr lang="en-US" sz="1600" b="1" dirty="0"/>
           </a:p>
           <a:p>
             <a:r>
               <a:rPr lang="en-US" sz="1600" b="1" dirty="0"/>
-              <a:t>print ("Mean squared error: %.2f" % mean_squared_error(testY, predictions))</a:t>
-            </a:r>
-          </a:p>
-          <a:p>
+              <a:t>encoder = </a:t>
+            </a:r>
+            <a:r>
+              <a:rPr lang="en-US" sz="1600" b="1" dirty="0" err="1"/>
+              <a:t>OneHotEncoderEstimator</a:t>
+            </a:r>
             <a:r>
               <a:rPr lang="en-US" sz="1600" b="1" dirty="0"/>
-              <a:t>print ('Variance score: %.2f' % r2_score(testY, predictions))</a:t>
-            </a:r>
-            <a:endParaRPr lang="en-US" sz="1600" dirty="0">
-              <a:latin typeface="Courier New" charset="0"/>
-              <a:ea typeface="Courier New" charset="0"/>
-              <a:cs typeface="Courier New" charset="0"/>
-            </a:endParaRPr>
+              <a:t>(</a:t>
+            </a:r>
+            <a:r>
+              <a:rPr lang="en-US" sz="1600" b="1" dirty="0" err="1"/>
+              <a:t>inputCols</a:t>
+            </a:r>
+            <a:r>
+              <a:rPr lang="en-US" sz="1600" b="1" dirty="0"/>
+              <a:t>=[col + '_Index'], </a:t>
+            </a:r>
+            <a:r>
+              <a:rPr lang="en-US" sz="1600" b="1" dirty="0" err="1"/>
+              <a:t>outputCols</a:t>
+            </a:r>
+            <a:r>
+              <a:rPr lang="en-US" sz="1600" b="1" dirty="0"/>
+              <a:t>=[</a:t>
+            </a:r>
+            <a:r>
+              <a:rPr lang="en-US" sz="1600" b="1" dirty="0" err="1"/>
+              <a:t>col+'_Vector</a:t>
+            </a:r>
+            <a:r>
+              <a:rPr lang="en-US" sz="1600" b="1" dirty="0"/>
+              <a:t>'])</a:t>
+            </a:r>
+          </a:p>
+          <a:p>
+            <a:r>
+              <a:rPr lang="en-US" sz="1600" b="1" dirty="0"/>
+              <a:t>display(</a:t>
+            </a:r>
+            <a:r>
+              <a:rPr lang="en-US" sz="1600" b="1" dirty="0" err="1"/>
+              <a:t>encoder.fit</a:t>
+            </a:r>
+            <a:r>
+              <a:rPr lang="en-US" sz="1600" b="1" dirty="0"/>
+              <a:t>(</a:t>
+            </a:r>
+            <a:r>
+              <a:rPr lang="en-US" sz="1600" b="1" dirty="0" err="1"/>
+              <a:t>df</a:t>
+            </a:r>
+            <a:r>
+              <a:rPr lang="en-US" sz="1600" b="1" dirty="0"/>
+              <a:t>).transform(</a:t>
+            </a:r>
+            <a:r>
+              <a:rPr lang="en-US" sz="1600" b="1" dirty="0" err="1"/>
+              <a:t>df</a:t>
+            </a:r>
+            <a:r>
+              <a:rPr lang="en-US" sz="1600" b="1" dirty="0"/>
+              <a:t>))</a:t>
+            </a:r>
           </a:p>
         </p:txBody>
       </p:sp>
-      <p:pic>
-        <p:nvPicPr>
-          <p:cNvPr id="5" name="Picture 4"/>
-          <p:cNvPicPr>
-            <a:picLocks noChangeAspect="1"/>
-          </p:cNvPicPr>
-          <p:nvPr/>
-        </p:nvPicPr>
-        <p:blipFill>
-          <a:blip r:embed="rId3">
-            <a:extLst>
-              <a:ext uri="{28A0092B-C50C-407E-A947-70E740481C1C}">
-                <a14:useLocalDpi xmlns:a14="http://schemas.microsoft.com/office/drawing/2010/main" val="0"/>
-              </a:ext>
-            </a:extLst>
-          </a:blip>
-          <a:stretch>
-            <a:fillRect/>
-          </a:stretch>
-        </p:blipFill>
-        <p:spPr>
-          <a:xfrm>
-            <a:off x="4608483" y="3474910"/>
-            <a:ext cx="3944554" cy="2873077"/>
-          </a:xfrm>
-          <a:prstGeom prst="rect">
-            <a:avLst/>
-          </a:prstGeom>
-        </p:spPr>
-      </p:pic>
     </p:spTree>
     <p:extLst>
       <p:ext uri="{BB962C8B-B14F-4D97-AF65-F5344CB8AC3E}">
-        <p14:creationId xmlns:p14="http://schemas.microsoft.com/office/powerpoint/2010/main" val="1451383096"/>
+        <p14:creationId xmlns:p14="http://schemas.microsoft.com/office/powerpoint/2010/main" val="1502791899"/>
       </p:ext>
     </p:extLst>
   </p:cSld>
@@ -7672,21 +8009,52 @@
           <a:lstStyle/>
           <a:p>
             <a:r>
+              <a:rPr lang="en-US" dirty="0" err="1"/>
+              <a:t>SparseVector</a:t>
+            </a:r>
+            <a:r>
               <a:rPr lang="en-US" dirty="0"/>
-              <a:t>The stats library offers a different version of the algorithm</a:t>
-            </a:r>
+              <a:t> version</a:t>
+            </a:r>
+          </a:p>
+          <a:p>
+            <a:endParaRPr lang="en-US" dirty="0"/>
+          </a:p>
+          <a:p>
+            <a:endParaRPr lang="en-US" dirty="0"/>
+          </a:p>
+          <a:p>
+            <a:endParaRPr lang="en-US" dirty="0"/>
+          </a:p>
+          <a:p>
+            <a:endParaRPr lang="en-US" dirty="0"/>
+          </a:p>
+          <a:p>
+            <a:endParaRPr lang="en-US" dirty="0"/>
+          </a:p>
+          <a:p>
+            <a:endParaRPr lang="en-US" dirty="0"/>
+          </a:p>
+          <a:p>
+            <a:endParaRPr lang="en-US" dirty="0"/>
           </a:p>
           <a:p>
             <a:r>
               <a:rPr lang="en-US" dirty="0"/>
-              <a:t>Provides a little more information about the accuracy of the model</a:t>
-            </a:r>
-          </a:p>
-          <a:p>
-            <a:endParaRPr lang="en-US" dirty="0"/>
-          </a:p>
-          <a:p>
-            <a:pPr lvl="1"/>
+              <a:t>Helper Function to call </a:t>
+            </a:r>
+            <a:r>
+              <a:rPr lang="en-US" dirty="0" err="1"/>
+              <a:t>StringIndexer</a:t>
+            </a:r>
+            <a:r>
+              <a:rPr lang="en-US" dirty="0"/>
+              <a:t> then </a:t>
+            </a:r>
+            <a:r>
+              <a:rPr lang="en-US" dirty="0" err="1"/>
+              <a:t>OneHotEncoder</a:t>
+            </a:r>
             <a:endParaRPr lang="en-US" dirty="0"/>
           </a:p>
           <a:p>
@@ -7711,7 +8079,7 @@
           <a:p>
             <a:r>
               <a:rPr lang="en-US" dirty="0"/>
-              <a:t>Create a Stats Model</a:t>
+              <a:t>One Hot Encoding cont'd</a:t>
             </a:r>
           </a:p>
         </p:txBody>
@@ -7730,8 +8098,8 @@
         </p:nvSpPr>
         <p:spPr>
           <a:xfrm>
-            <a:off x="2175877" y="2050441"/>
-            <a:ext cx="4792246" cy="1569660"/>
+            <a:off x="581025" y="5037099"/>
+            <a:ext cx="8020050" cy="584775"/>
           </a:xfrm>
           <a:prstGeom prst="rect">
             <a:avLst/>
@@ -7867,45 +8235,70 @@
           <a:p>
             <a:r>
               <a:rPr lang="en-US" sz="1600" b="1" dirty="0"/>
-              <a:t>import statsmodels.api as sm</a:t>
-            </a:r>
-          </a:p>
-          <a:p>
+              <a:t>display(</a:t>
+            </a:r>
+            <a:r>
+              <a:rPr lang="en-US" sz="1600" b="1" dirty="0" err="1"/>
+              <a:t>pyh.OneHotEncode</a:t>
+            </a:r>
             <a:r>
               <a:rPr lang="en-US" sz="1600" b="1" dirty="0"/>
-              <a:t>model = sm.OLS(trainY, trainX).fit()</a:t>
-            </a:r>
-          </a:p>
-          <a:p>
+              <a:t>(</a:t>
+            </a:r>
+            <a:r>
+              <a:rPr lang="en-US" sz="1600" b="1" dirty="0" err="1"/>
+              <a:t>df</a:t>
+            </a:r>
             <a:r>
               <a:rPr lang="en-US" sz="1600" b="1" dirty="0"/>
-              <a:t>print (model.summary())</a:t>
-            </a:r>
-          </a:p>
-          <a:p>
-            <a:r>
-              <a:rPr lang="en-US" sz="1600" b="1" dirty="0"/>
-              <a:t>predictions = model.predict(testX) </a:t>
-            </a:r>
-          </a:p>
-          <a:p>
-            <a:r>
-              <a:rPr lang="en-US" sz="1600" b="1" dirty="0"/>
-              <a:t>plt.scatter(testY, predictions)</a:t>
-            </a:r>
-          </a:p>
-          <a:p>
-            <a:r>
-              <a:rPr lang="en-US" sz="1600" b="1" dirty="0"/>
-              <a:t>plt.show()</a:t>
-            </a:r>
+              <a:t>, ['TOWN', 'TRACT']))</a:t>
+            </a:r>
+          </a:p>
+          <a:p>
+            <a:endParaRPr lang="en-US" sz="1600" b="1" dirty="0"/>
           </a:p>
         </p:txBody>
       </p:sp>
+      <p:pic>
+        <p:nvPicPr>
+          <p:cNvPr id="6" name="Picture 5">
+            <a:extLst>
+              <a:ext uri="{FF2B5EF4-FFF2-40B4-BE49-F238E27FC236}">
+                <a16:creationId xmlns:a16="http://schemas.microsoft.com/office/drawing/2014/main" id="{FC6D395E-C655-9948-B8AB-77F6DCE964C0}"/>
+              </a:ext>
+            </a:extLst>
+          </p:cNvPr>
+          <p:cNvPicPr>
+            <a:picLocks noChangeAspect="1"/>
+          </p:cNvPicPr>
+          <p:nvPr/>
+        </p:nvPicPr>
+        <p:blipFill>
+          <a:blip r:embed="rId3">
+            <a:extLst>
+              <a:ext uri="{28A0092B-C50C-407E-A947-70E740481C1C}">
+                <a14:useLocalDpi xmlns:a14="http://schemas.microsoft.com/office/drawing/2010/main" val="0"/>
+              </a:ext>
+            </a:extLst>
+          </a:blip>
+          <a:stretch>
+            <a:fillRect/>
+          </a:stretch>
+        </p:blipFill>
+        <p:spPr>
+          <a:xfrm>
+            <a:off x="3223967" y="1079059"/>
+            <a:ext cx="5377108" cy="3364750"/>
+          </a:xfrm>
+          <a:prstGeom prst="rect">
+            <a:avLst/>
+          </a:prstGeom>
+        </p:spPr>
+      </p:pic>
     </p:spTree>
     <p:extLst>
       <p:ext uri="{BB962C8B-B14F-4D97-AF65-F5344CB8AC3E}">
-        <p14:creationId xmlns:p14="http://schemas.microsoft.com/office/powerpoint/2010/main" val="2119305963"/>
+        <p14:creationId xmlns:p14="http://schemas.microsoft.com/office/powerpoint/2010/main" val="2013784597"/>
       </p:ext>
     </p:extLst>
   </p:cSld>
@@ -7942,39 +8335,65 @@
             <p:ph idx="1"/>
           </p:nvPr>
         </p:nvSpPr>
-        <p:spPr>
-          <a:xfrm>
-            <a:off x="581024" y="1155614"/>
-            <a:ext cx="8032623" cy="5072616"/>
-          </a:xfrm>
-        </p:spPr>
+        <p:spPr/>
         <p:txBody>
           <a:bodyPr/>
           <a:lstStyle/>
           <a:p>
             <a:r>
               <a:rPr lang="en-US" dirty="0"/>
-              <a:t>You automatically get the R-squared from the summary function </a:t>
-            </a:r>
-          </a:p>
-          <a:p>
-            <a:pPr lvl="1"/>
+              <a:t>You have to </a:t>
+            </a:r>
+            <a:r>
+              <a:rPr lang="en-US" dirty="0" err="1"/>
+              <a:t>OneHotEncode</a:t>
+            </a:r>
             <a:r>
               <a:rPr lang="en-US" dirty="0"/>
-              <a:t>Additionally, the Adjusted R-squared is helpful because it helps to compare models with different numbers of predictor variable</a:t>
+              <a:t> all categorical data then assemble all the features into one vector and the target variable into another</a:t>
             </a:r>
           </a:p>
           <a:p>
             <a:r>
               <a:rPr lang="en-US" dirty="0"/>
-              <a:t>The P factors also identify which features are most significant in influencing the value you are trying to predict</a:t>
-            </a:r>
-          </a:p>
-          <a:p>
-            <a:endParaRPr lang="en-US" dirty="0"/>
-          </a:p>
-          <a:p>
-            <a:endParaRPr lang="en-US" dirty="0"/>
+              <a:t>Spark provides the </a:t>
+            </a:r>
+            <a:r>
+              <a:rPr lang="en-US" dirty="0" err="1"/>
+              <a:t>VectorAssembler</a:t>
+            </a:r>
+            <a:r>
+              <a:rPr lang="en-US" dirty="0"/>
+              <a:t> class to do this</a:t>
+            </a:r>
+          </a:p>
+          <a:p>
+            <a:r>
+              <a:rPr lang="en-US" dirty="0"/>
+              <a:t>Our helper function makes the whole process more convenient</a:t>
+            </a:r>
+          </a:p>
+          <a:p>
+            <a:r>
+              <a:rPr lang="en-US" dirty="0"/>
+              <a:t>Just pass in a </a:t>
+            </a:r>
+            <a:r>
+              <a:rPr lang="en-US" dirty="0" err="1"/>
+              <a:t>DataFrame</a:t>
+            </a:r>
+            <a:r>
+              <a:rPr lang="en-US" dirty="0"/>
+              <a:t>, list of categorical, numeric and target columns and it returns a </a:t>
+            </a:r>
+            <a:r>
+              <a:rPr lang="en-US" dirty="0" err="1"/>
+              <a:t>DataFrame</a:t>
+            </a:r>
+            <a:r>
+              <a:rPr lang="en-US" dirty="0"/>
+              <a:t> with the two columns needed for machine learning algorithms</a:t>
+            </a:r>
           </a:p>
         </p:txBody>
       </p:sp>
@@ -7995,21 +8414,553 @@
           <a:p>
             <a:r>
               <a:rPr lang="en-US" dirty="0"/>
-              <a:t>Interpret the Model</a:t>
+              <a:t>Put it All Together</a:t>
+            </a:r>
+          </a:p>
+        </p:txBody>
+      </p:sp>
+      <p:sp>
+        <p:nvSpPr>
+          <p:cNvPr id="4" name="TextBox 3">
+            <a:extLst>
+              <a:ext uri="{FF2B5EF4-FFF2-40B4-BE49-F238E27FC236}">
+                <a16:creationId xmlns:a16="http://schemas.microsoft.com/office/drawing/2014/main" id="{B25BD5BC-E8B9-4540-A404-A5C6B4AFC25D}"/>
+              </a:ext>
+            </a:extLst>
+          </p:cNvPr>
+          <p:cNvSpPr txBox="1"/>
+          <p:nvPr/>
+        </p:nvSpPr>
+        <p:spPr>
+          <a:xfrm>
+            <a:off x="581025" y="3830468"/>
+            <a:ext cx="8020050" cy="1077218"/>
+          </a:xfrm>
+          <a:prstGeom prst="rect">
+            <a:avLst/>
+          </a:prstGeom>
+          <a:noFill/>
+          <a:ln w="28575" algn="ctr">
+            <a:solidFill>
+              <a:schemeClr val="accent2">
+                <a:lumMod val="20000"/>
+                <a:lumOff val="80000"/>
+              </a:schemeClr>
+            </a:solidFill>
+            <a:miter lim="800000"/>
+            <a:headEnd/>
+            <a:tailEnd/>
+          </a:ln>
+          <a:effectLst/>
+        </p:spPr>
+        <p:txBody>
+          <a:bodyPr wrap="square">
+            <a:spAutoFit/>
+          </a:bodyPr>
+          <a:lstStyle>
+            <a:defPPr>
+              <a:defRPr lang="en-US"/>
+            </a:defPPr>
+            <a:lvl1pPr marL="0" defTabSz="914400" eaLnBrk="1" latinLnBrk="0" hangingPunct="1">
+              <a:defRPr sz="1400">
+                <a:solidFill>
+                  <a:schemeClr val="tx1"/>
+                </a:solidFill>
+                <a:latin typeface="Courier New" pitchFamily="49" charset="0"/>
+                <a:cs typeface="+mn-cs"/>
+              </a:defRPr>
+            </a:lvl1pPr>
+            <a:lvl2pPr marL="742950" indent="-285750" defTabSz="914400" latinLnBrk="0">
+              <a:defRPr sz="1400">
+                <a:solidFill>
+                  <a:schemeClr val="tx1"/>
+                </a:solidFill>
+                <a:latin typeface="Arial" charset="0"/>
+                <a:cs typeface="+mn-cs"/>
+              </a:defRPr>
+            </a:lvl2pPr>
+            <a:lvl3pPr marL="1143000" indent="-228600" defTabSz="914400" latinLnBrk="0">
+              <a:defRPr sz="1400">
+                <a:solidFill>
+                  <a:schemeClr val="tx1"/>
+                </a:solidFill>
+                <a:latin typeface="Arial" charset="0"/>
+                <a:cs typeface="+mn-cs"/>
+              </a:defRPr>
+            </a:lvl3pPr>
+            <a:lvl4pPr marL="1600200" indent="-228600" defTabSz="914400" latinLnBrk="0">
+              <a:defRPr sz="1400">
+                <a:solidFill>
+                  <a:schemeClr val="tx1"/>
+                </a:solidFill>
+                <a:latin typeface="Arial" charset="0"/>
+                <a:cs typeface="+mn-cs"/>
+              </a:defRPr>
+            </a:lvl4pPr>
+            <a:lvl5pPr marL="2057400" indent="-228600" defTabSz="914400" latinLnBrk="0">
+              <a:defRPr sz="1400">
+                <a:solidFill>
+                  <a:schemeClr val="tx1"/>
+                </a:solidFill>
+                <a:latin typeface="Arial" charset="0"/>
+                <a:cs typeface="+mn-cs"/>
+              </a:defRPr>
+            </a:lvl5pPr>
+            <a:lvl6pPr marL="2514600" indent="-228600" eaLnBrk="0" fontAlgn="base" hangingPunct="0">
+              <a:spcBef>
+                <a:spcPct val="0"/>
+              </a:spcBef>
+              <a:spcAft>
+                <a:spcPct val="0"/>
+              </a:spcAft>
+              <a:defRPr sz="1400">
+                <a:solidFill>
+                  <a:schemeClr val="tx1"/>
+                </a:solidFill>
+                <a:latin typeface="Arial" charset="0"/>
+                <a:cs typeface="+mn-cs"/>
+              </a:defRPr>
+            </a:lvl6pPr>
+            <a:lvl7pPr marL="2971800" indent="-228600" eaLnBrk="0" fontAlgn="base" hangingPunct="0">
+              <a:spcBef>
+                <a:spcPct val="0"/>
+              </a:spcBef>
+              <a:spcAft>
+                <a:spcPct val="0"/>
+              </a:spcAft>
+              <a:defRPr sz="1400">
+                <a:solidFill>
+                  <a:schemeClr val="tx1"/>
+                </a:solidFill>
+                <a:latin typeface="Arial" charset="0"/>
+                <a:cs typeface="+mn-cs"/>
+              </a:defRPr>
+            </a:lvl7pPr>
+            <a:lvl8pPr marL="3429000" indent="-228600" eaLnBrk="0" fontAlgn="base" hangingPunct="0">
+              <a:spcBef>
+                <a:spcPct val="0"/>
+              </a:spcBef>
+              <a:spcAft>
+                <a:spcPct val="0"/>
+              </a:spcAft>
+              <a:defRPr sz="1400">
+                <a:solidFill>
+                  <a:schemeClr val="tx1"/>
+                </a:solidFill>
+                <a:latin typeface="Arial" charset="0"/>
+                <a:cs typeface="+mn-cs"/>
+              </a:defRPr>
+            </a:lvl8pPr>
+            <a:lvl9pPr marL="3886200" indent="-228600" eaLnBrk="0" fontAlgn="base" hangingPunct="0">
+              <a:spcBef>
+                <a:spcPct val="0"/>
+              </a:spcBef>
+              <a:spcAft>
+                <a:spcPct val="0"/>
+              </a:spcAft>
+              <a:defRPr sz="1400">
+                <a:solidFill>
+                  <a:schemeClr val="tx1"/>
+                </a:solidFill>
+                <a:latin typeface="Arial" charset="0"/>
+                <a:cs typeface="+mn-cs"/>
+              </a:defRPr>
+            </a:lvl9pPr>
+          </a:lstStyle>
+          <a:p>
+            <a:r>
+              <a:rPr lang="en-US" sz="1600" b="1" dirty="0" err="1"/>
+              <a:t>dfML</a:t>
+            </a:r>
+            <a:r>
+              <a:rPr lang="en-US" sz="1600" b="1" dirty="0"/>
+              <a:t> = </a:t>
+            </a:r>
+            <a:r>
+              <a:rPr lang="en-US" sz="1600" b="1" dirty="0" err="1"/>
+              <a:t>pyh.AssembleFeatures</a:t>
+            </a:r>
+            <a:r>
+              <a:rPr lang="en-US" sz="1600" b="1" dirty="0"/>
+              <a:t>(</a:t>
+            </a:r>
+            <a:r>
+              <a:rPr lang="en-US" sz="1600" b="1" dirty="0" err="1"/>
+              <a:t>df</a:t>
+            </a:r>
+            <a:r>
+              <a:rPr lang="en-US" sz="1600" b="1" dirty="0"/>
+              <a:t>, </a:t>
+            </a:r>
+            <a:r>
+              <a:rPr lang="en-US" sz="1600" b="1" dirty="0" err="1"/>
+              <a:t>categorical_features</a:t>
+            </a:r>
+            <a:r>
+              <a:rPr lang="en-US" sz="1600" b="1" dirty="0"/>
+              <a:t>, </a:t>
+            </a:r>
+            <a:r>
+              <a:rPr lang="en-US" sz="1600" b="1" dirty="0" err="1"/>
+              <a:t>numeric_features</a:t>
+            </a:r>
+            <a:r>
+              <a:rPr lang="en-US" sz="1600" b="1" dirty="0"/>
+              <a:t>, </a:t>
+            </a:r>
+            <a:r>
+              <a:rPr lang="en-US" sz="1600" b="1" dirty="0" err="1"/>
+              <a:t>target_label</a:t>
+            </a:r>
+            <a:r>
+              <a:rPr lang="en-US" sz="1600" b="1" dirty="0"/>
+              <a:t> = 'target', </a:t>
+            </a:r>
+            <a:r>
+              <a:rPr lang="en-US" sz="1600" b="1" dirty="0" err="1"/>
+              <a:t>target_is_categorical</a:t>
+            </a:r>
+            <a:r>
+              <a:rPr lang="en-US" sz="1600" b="1" dirty="0"/>
+              <a:t> = False))</a:t>
+            </a:r>
+          </a:p>
+          <a:p>
+            <a:endParaRPr lang="en-US" sz="1600" b="1" dirty="0"/>
+          </a:p>
+        </p:txBody>
+      </p:sp>
+    </p:spTree>
+    <p:extLst>
+      <p:ext uri="{BB962C8B-B14F-4D97-AF65-F5344CB8AC3E}">
+        <p14:creationId xmlns:p14="http://schemas.microsoft.com/office/powerpoint/2010/main" val="549915576"/>
+      </p:ext>
+    </p:extLst>
+  </p:cSld>
+  <p:clrMapOvr>
+    <a:masterClrMapping/>
+  </p:clrMapOvr>
+</p:sld>
+</file>
+
+<file path=ppt/slides/slide13.xml><?xml version="1.0" encoding="utf-8"?>
+<p:sld xmlns:a="http://schemas.openxmlformats.org/drawingml/2006/main" xmlns:r="http://schemas.openxmlformats.org/officeDocument/2006/relationships" xmlns:p="http://schemas.openxmlformats.org/presentationml/2006/main">
+  <p:cSld>
+    <p:spTree>
+      <p:nvGrpSpPr>
+        <p:cNvPr id="1" name=""/>
+        <p:cNvGrpSpPr/>
+        <p:nvPr/>
+      </p:nvGrpSpPr>
+      <p:grpSpPr>
+        <a:xfrm>
+          <a:off x="0" y="0"/>
+          <a:ext cx="0" cy="0"/>
+          <a:chOff x="0" y="0"/>
+          <a:chExt cx="0" cy="0"/>
+        </a:xfrm>
+      </p:grpSpPr>
+      <p:sp>
+        <p:nvSpPr>
+          <p:cNvPr id="3" name="Content Placeholder 2"/>
+          <p:cNvSpPr>
+            <a:spLocks noGrp="1"/>
+          </p:cNvSpPr>
+          <p:nvPr>
+            <p:ph idx="1"/>
+          </p:nvPr>
+        </p:nvSpPr>
+        <p:spPr/>
+        <p:txBody>
+          <a:bodyPr/>
+          <a:lstStyle/>
+          <a:p>
+            <a:r>
+              <a:rPr lang="en-US" dirty="0"/>
+              <a:t>Generally you want to take a look at the numerical features and get standard measurements like min, max, mean, </a:t>
+            </a:r>
+            <a:r>
+              <a:rPr lang="en-US" dirty="0" err="1"/>
+              <a:t>std</a:t>
+            </a:r>
+            <a:endParaRPr lang="en-US" dirty="0"/>
+          </a:p>
+          <a:p>
+            <a:pPr lvl="1"/>
+            <a:r>
+              <a:rPr lang="en-US" dirty="0" err="1"/>
+              <a:t>DataFrames</a:t>
+            </a:r>
+            <a:r>
+              <a:rPr lang="en-US" dirty="0"/>
+              <a:t> have a</a:t>
+            </a:r>
+            <a:r>
+              <a:rPr lang="en-US" dirty="0">
+                <a:latin typeface="Courier New" panose="02070309020205020404" pitchFamily="49" charset="0"/>
+                <a:cs typeface="Courier New" panose="02070309020205020404" pitchFamily="49" charset="0"/>
+              </a:rPr>
+              <a:t> describe </a:t>
+            </a:r>
+            <a:r>
+              <a:rPr lang="en-US" dirty="0"/>
+              <a:t>method which makes that easy</a:t>
+            </a:r>
+            <a:endParaRPr lang="en-US" dirty="0">
+              <a:latin typeface="Courier New" panose="02070309020205020404" pitchFamily="49" charset="0"/>
+              <a:cs typeface="Courier New" panose="02070309020205020404" pitchFamily="49" charset="0"/>
+            </a:endParaRPr>
+          </a:p>
+          <a:p>
+            <a:r>
+              <a:rPr lang="en-US" dirty="0"/>
+              <a:t>The provided helper functions make that easier </a:t>
+            </a:r>
+          </a:p>
+          <a:p>
+            <a:endParaRPr lang="en-US" dirty="0"/>
+          </a:p>
+          <a:p>
+            <a:endParaRPr lang="en-US" dirty="0"/>
+          </a:p>
+        </p:txBody>
+      </p:sp>
+      <p:sp>
+        <p:nvSpPr>
+          <p:cNvPr id="2" name="Title 1"/>
+          <p:cNvSpPr>
+            <a:spLocks noGrp="1"/>
+          </p:cNvSpPr>
+          <p:nvPr>
+            <p:ph type="title"/>
+          </p:nvPr>
+        </p:nvSpPr>
+        <p:spPr/>
+        <p:txBody>
+          <a:bodyPr/>
+          <a:lstStyle/>
+          <a:p>
+            <a:r>
+              <a:rPr lang="en-US" dirty="0"/>
+              <a:t>Explore Numerical Features</a:t>
+            </a:r>
+          </a:p>
+        </p:txBody>
+      </p:sp>
+      <p:sp>
+        <p:nvSpPr>
+          <p:cNvPr id="4" name="TextBox 3">
+            <a:extLst>
+              <a:ext uri="{FF2B5EF4-FFF2-40B4-BE49-F238E27FC236}">
+                <a16:creationId xmlns:a16="http://schemas.microsoft.com/office/drawing/2014/main" id="{B25BD5BC-E8B9-4540-A404-A5C6B4AFC25D}"/>
+              </a:ext>
+            </a:extLst>
+          </p:cNvPr>
+          <p:cNvSpPr txBox="1"/>
+          <p:nvPr/>
+        </p:nvSpPr>
+        <p:spPr>
+          <a:xfrm>
+            <a:off x="567850" y="2511607"/>
+            <a:ext cx="7968611" cy="830997"/>
+          </a:xfrm>
+          <a:prstGeom prst="rect">
+            <a:avLst/>
+          </a:prstGeom>
+          <a:noFill/>
+          <a:ln w="28575" algn="ctr">
+            <a:solidFill>
+              <a:schemeClr val="accent2">
+                <a:lumMod val="20000"/>
+                <a:lumOff val="80000"/>
+              </a:schemeClr>
+            </a:solidFill>
+            <a:miter lim="800000"/>
+            <a:headEnd/>
+            <a:tailEnd/>
+          </a:ln>
+          <a:effectLst/>
+        </p:spPr>
+        <p:txBody>
+          <a:bodyPr wrap="square">
+            <a:spAutoFit/>
+          </a:bodyPr>
+          <a:lstStyle>
+            <a:defPPr>
+              <a:defRPr lang="en-US"/>
+            </a:defPPr>
+            <a:lvl1pPr marL="0" defTabSz="914400" eaLnBrk="1" latinLnBrk="0" hangingPunct="1">
+              <a:defRPr sz="1400">
+                <a:solidFill>
+                  <a:schemeClr val="tx1"/>
+                </a:solidFill>
+                <a:latin typeface="Courier New" pitchFamily="49" charset="0"/>
+                <a:cs typeface="+mn-cs"/>
+              </a:defRPr>
+            </a:lvl1pPr>
+            <a:lvl2pPr marL="742950" indent="-285750" defTabSz="914400" latinLnBrk="0">
+              <a:defRPr sz="1400">
+                <a:solidFill>
+                  <a:schemeClr val="tx1"/>
+                </a:solidFill>
+                <a:latin typeface="Arial" charset="0"/>
+                <a:cs typeface="+mn-cs"/>
+              </a:defRPr>
+            </a:lvl2pPr>
+            <a:lvl3pPr marL="1143000" indent="-228600" defTabSz="914400" latinLnBrk="0">
+              <a:defRPr sz="1400">
+                <a:solidFill>
+                  <a:schemeClr val="tx1"/>
+                </a:solidFill>
+                <a:latin typeface="Arial" charset="0"/>
+                <a:cs typeface="+mn-cs"/>
+              </a:defRPr>
+            </a:lvl3pPr>
+            <a:lvl4pPr marL="1600200" indent="-228600" defTabSz="914400" latinLnBrk="0">
+              <a:defRPr sz="1400">
+                <a:solidFill>
+                  <a:schemeClr val="tx1"/>
+                </a:solidFill>
+                <a:latin typeface="Arial" charset="0"/>
+                <a:cs typeface="+mn-cs"/>
+              </a:defRPr>
+            </a:lvl4pPr>
+            <a:lvl5pPr marL="2057400" indent="-228600" defTabSz="914400" latinLnBrk="0">
+              <a:defRPr sz="1400">
+                <a:solidFill>
+                  <a:schemeClr val="tx1"/>
+                </a:solidFill>
+                <a:latin typeface="Arial" charset="0"/>
+                <a:cs typeface="+mn-cs"/>
+              </a:defRPr>
+            </a:lvl5pPr>
+            <a:lvl6pPr marL="2514600" indent="-228600" eaLnBrk="0" fontAlgn="base" hangingPunct="0">
+              <a:spcBef>
+                <a:spcPct val="0"/>
+              </a:spcBef>
+              <a:spcAft>
+                <a:spcPct val="0"/>
+              </a:spcAft>
+              <a:defRPr sz="1400">
+                <a:solidFill>
+                  <a:schemeClr val="tx1"/>
+                </a:solidFill>
+                <a:latin typeface="Arial" charset="0"/>
+                <a:cs typeface="+mn-cs"/>
+              </a:defRPr>
+            </a:lvl6pPr>
+            <a:lvl7pPr marL="2971800" indent="-228600" eaLnBrk="0" fontAlgn="base" hangingPunct="0">
+              <a:spcBef>
+                <a:spcPct val="0"/>
+              </a:spcBef>
+              <a:spcAft>
+                <a:spcPct val="0"/>
+              </a:spcAft>
+              <a:defRPr sz="1400">
+                <a:solidFill>
+                  <a:schemeClr val="tx1"/>
+                </a:solidFill>
+                <a:latin typeface="Arial" charset="0"/>
+                <a:cs typeface="+mn-cs"/>
+              </a:defRPr>
+            </a:lvl7pPr>
+            <a:lvl8pPr marL="3429000" indent="-228600" eaLnBrk="0" fontAlgn="base" hangingPunct="0">
+              <a:spcBef>
+                <a:spcPct val="0"/>
+              </a:spcBef>
+              <a:spcAft>
+                <a:spcPct val="0"/>
+              </a:spcAft>
+              <a:defRPr sz="1400">
+                <a:solidFill>
+                  <a:schemeClr val="tx1"/>
+                </a:solidFill>
+                <a:latin typeface="Arial" charset="0"/>
+                <a:cs typeface="+mn-cs"/>
+              </a:defRPr>
+            </a:lvl8pPr>
+            <a:lvl9pPr marL="3886200" indent="-228600" eaLnBrk="0" fontAlgn="base" hangingPunct="0">
+              <a:spcBef>
+                <a:spcPct val="0"/>
+              </a:spcBef>
+              <a:spcAft>
+                <a:spcPct val="0"/>
+              </a:spcAft>
+              <a:defRPr sz="1400">
+                <a:solidFill>
+                  <a:schemeClr val="tx1"/>
+                </a:solidFill>
+                <a:latin typeface="Arial" charset="0"/>
+                <a:cs typeface="+mn-cs"/>
+              </a:defRPr>
+            </a:lvl9pPr>
+          </a:lstStyle>
+          <a:p>
+            <a:r>
+              <a:rPr lang="en-US" sz="1600" b="1" dirty="0" err="1"/>
+              <a:t>numeric_features</a:t>
+            </a:r>
+            <a:r>
+              <a:rPr lang="en-US" sz="1600" b="1" dirty="0"/>
+              <a:t> = ['totalvolume','PLU4046', 'PLU4225', 'PLU4770', '</a:t>
+            </a:r>
+            <a:r>
+              <a:rPr lang="en-US" sz="1600" b="1" dirty="0" err="1"/>
+              <a:t>smallbags</a:t>
+            </a:r>
+            <a:r>
+              <a:rPr lang="en-US" sz="1600" b="1" dirty="0"/>
+              <a:t>', '</a:t>
+            </a:r>
+            <a:r>
+              <a:rPr lang="en-US" sz="1600" b="1" dirty="0" err="1"/>
+              <a:t>largebags</a:t>
+            </a:r>
+            <a:r>
+              <a:rPr lang="en-US" sz="1600" b="1" dirty="0"/>
+              <a:t>', '</a:t>
+            </a:r>
+            <a:r>
+              <a:rPr lang="en-US" sz="1600" b="1" dirty="0" err="1"/>
+              <a:t>xlargebags</a:t>
+            </a:r>
+            <a:r>
+              <a:rPr lang="en-US" sz="1600" b="1" dirty="0"/>
+              <a:t>']</a:t>
+            </a:r>
+          </a:p>
+          <a:p>
+            <a:r>
+              <a:rPr lang="en-US" sz="1600" b="1" dirty="0"/>
+              <a:t>display(</a:t>
+            </a:r>
+            <a:r>
+              <a:rPr lang="en-US" sz="1600" b="1" dirty="0" err="1"/>
+              <a:t>df.select</a:t>
+            </a:r>
+            <a:r>
+              <a:rPr lang="en-US" sz="1600" b="1" dirty="0"/>
+              <a:t>(numeric)describe())</a:t>
             </a:r>
           </a:p>
         </p:txBody>
       </p:sp>
       <p:pic>
         <p:nvPicPr>
-          <p:cNvPr id="6" name="Picture 5"/>
+          <p:cNvPr id="6" name="Picture 5">
+            <a:extLst>
+              <a:ext uri="{FF2B5EF4-FFF2-40B4-BE49-F238E27FC236}">
+                <a16:creationId xmlns:a16="http://schemas.microsoft.com/office/drawing/2014/main" id="{64190E70-2AC7-3249-9B37-0B05DC62A57A}"/>
+              </a:ext>
+            </a:extLst>
+          </p:cNvPr>
           <p:cNvPicPr>
             <a:picLocks noChangeAspect="1"/>
           </p:cNvPicPr>
           <p:nvPr/>
         </p:nvPicPr>
         <p:blipFill>
-          <a:blip r:embed="rId3" cstate="print">
+          <a:blip r:embed="rId3">
             <a:extLst>
               <a:ext uri="{28A0092B-C50C-407E-A947-70E740481C1C}">
                 <a14:useLocalDpi xmlns:a14="http://schemas.microsoft.com/office/drawing/2010/main" val="0"/>
@@ -8022,30 +8973,18 @@
         </p:blipFill>
         <p:spPr>
           <a:xfrm>
-            <a:off x="2084382" y="2806136"/>
-            <a:ext cx="4975236" cy="3520303"/>
+            <a:off x="567850" y="3691922"/>
+            <a:ext cx="7968611" cy="1786068"/>
           </a:xfrm>
           <a:prstGeom prst="rect">
             <a:avLst/>
           </a:prstGeom>
-          <a:ln>
-            <a:solidFill>
-              <a:schemeClr val="bg2"/>
-            </a:solidFill>
-          </a:ln>
-          <a:effectLst>
-            <a:outerShdw blurRad="50800" dist="38100" dir="2700000" algn="tl" rotWithShape="0">
-              <a:prstClr val="black">
-                <a:alpha val="40000"/>
-              </a:prstClr>
-            </a:outerShdw>
-          </a:effectLst>
         </p:spPr>
       </p:pic>
     </p:spTree>
     <p:extLst>
       <p:ext uri="{BB962C8B-B14F-4D97-AF65-F5344CB8AC3E}">
-        <p14:creationId xmlns:p14="http://schemas.microsoft.com/office/powerpoint/2010/main" val="236758652"/>
+        <p14:creationId xmlns:p14="http://schemas.microsoft.com/office/powerpoint/2010/main" val="1595805214"/>
       </p:ext>
     </p:extLst>
   </p:cSld>
@@ -8055,7 +8994,457 @@
 </p:sld>
 </file>
 
-<file path=ppt/slides/slide13.xml><?xml version="1.0" encoding="utf-8"?>
+<file path=ppt/slides/slide14.xml><?xml version="1.0" encoding="utf-8"?>
+<p:sld xmlns:a="http://schemas.openxmlformats.org/drawingml/2006/main" xmlns:r="http://schemas.openxmlformats.org/officeDocument/2006/relationships" xmlns:p="http://schemas.openxmlformats.org/presentationml/2006/main">
+  <p:cSld>
+    <p:spTree>
+      <p:nvGrpSpPr>
+        <p:cNvPr id="1" name=""/>
+        <p:cNvGrpSpPr/>
+        <p:nvPr/>
+      </p:nvGrpSpPr>
+      <p:grpSpPr>
+        <a:xfrm>
+          <a:off x="0" y="0"/>
+          <a:ext cx="0" cy="0"/>
+          <a:chOff x="0" y="0"/>
+          <a:chExt cx="0" cy="0"/>
+        </a:xfrm>
+      </p:grpSpPr>
+      <p:sp>
+        <p:nvSpPr>
+          <p:cNvPr id="3" name="Content Placeholder 2"/>
+          <p:cNvSpPr>
+            <a:spLocks noGrp="1"/>
+          </p:cNvSpPr>
+          <p:nvPr>
+            <p:ph idx="1"/>
+          </p:nvPr>
+        </p:nvSpPr>
+        <p:spPr/>
+        <p:txBody>
+          <a:bodyPr/>
+          <a:lstStyle/>
+          <a:p>
+            <a:r>
+              <a:rPr lang="en-US" dirty="0"/>
+              <a:t>Data must be in a </a:t>
+            </a:r>
+            <a:r>
+              <a:rPr lang="en-US" dirty="0" err="1"/>
+              <a:t>DataFrame</a:t>
+            </a:r>
+            <a:r>
+              <a:rPr lang="en-US" dirty="0"/>
+              <a:t> of two vectorized objects.</a:t>
+            </a:r>
+          </a:p>
+          <a:p>
+            <a:pPr lvl="1"/>
+            <a:r>
+              <a:rPr lang="en-US" dirty="0"/>
+              <a:t>features will contain all the independent variables</a:t>
+            </a:r>
+          </a:p>
+          <a:p>
+            <a:pPr lvl="1"/>
+            <a:r>
+              <a:rPr lang="en-US" dirty="0"/>
+              <a:t>target will be the dependent variable we are trying to predict</a:t>
+            </a:r>
+          </a:p>
+          <a:p>
+            <a:r>
+              <a:rPr lang="en-US" dirty="0"/>
+              <a:t>The provided helper functions make that easier </a:t>
+            </a:r>
+          </a:p>
+          <a:p>
+            <a:r>
+              <a:rPr lang="en-US" dirty="0"/>
+              <a:t>Then split the data into a train and test set with the </a:t>
+            </a:r>
+            <a:r>
+              <a:rPr lang="en-US" dirty="0" err="1">
+                <a:latin typeface="Courier New" panose="02070309020205020404" pitchFamily="49" charset="0"/>
+                <a:cs typeface="Courier New" panose="02070309020205020404" pitchFamily="49" charset="0"/>
+              </a:rPr>
+              <a:t>randomSplit</a:t>
+            </a:r>
+            <a:r>
+              <a:rPr lang="en-US" dirty="0"/>
+              <a:t> function</a:t>
+            </a:r>
+          </a:p>
+          <a:p>
+            <a:endParaRPr lang="en-US" dirty="0"/>
+          </a:p>
+          <a:p>
+            <a:endParaRPr lang="en-US" dirty="0"/>
+          </a:p>
+        </p:txBody>
+      </p:sp>
+      <p:sp>
+        <p:nvSpPr>
+          <p:cNvPr id="2" name="Title 1"/>
+          <p:cNvSpPr>
+            <a:spLocks noGrp="1"/>
+          </p:cNvSpPr>
+          <p:nvPr>
+            <p:ph type="title"/>
+          </p:nvPr>
+        </p:nvSpPr>
+        <p:spPr/>
+        <p:txBody>
+          <a:bodyPr/>
+          <a:lstStyle/>
+          <a:p>
+            <a:r>
+              <a:rPr lang="en-US" dirty="0"/>
+              <a:t>Prepare the Data</a:t>
+            </a:r>
+          </a:p>
+        </p:txBody>
+      </p:sp>
+      <p:sp>
+        <p:nvSpPr>
+          <p:cNvPr id="4" name="TextBox 3">
+            <a:extLst>
+              <a:ext uri="{FF2B5EF4-FFF2-40B4-BE49-F238E27FC236}">
+                <a16:creationId xmlns:a16="http://schemas.microsoft.com/office/drawing/2014/main" id="{B25BD5BC-E8B9-4540-A404-A5C6B4AFC25D}"/>
+              </a:ext>
+            </a:extLst>
+          </p:cNvPr>
+          <p:cNvSpPr txBox="1"/>
+          <p:nvPr/>
+        </p:nvSpPr>
+        <p:spPr>
+          <a:xfrm>
+            <a:off x="567850" y="3181242"/>
+            <a:ext cx="7968611" cy="3046988"/>
+          </a:xfrm>
+          <a:prstGeom prst="rect">
+            <a:avLst/>
+          </a:prstGeom>
+          <a:noFill/>
+          <a:ln w="28575" algn="ctr">
+            <a:solidFill>
+              <a:schemeClr val="accent2">
+                <a:lumMod val="20000"/>
+                <a:lumOff val="80000"/>
+              </a:schemeClr>
+            </a:solidFill>
+            <a:miter lim="800000"/>
+            <a:headEnd/>
+            <a:tailEnd/>
+          </a:ln>
+          <a:effectLst/>
+        </p:spPr>
+        <p:txBody>
+          <a:bodyPr wrap="square">
+            <a:spAutoFit/>
+          </a:bodyPr>
+          <a:lstStyle>
+            <a:defPPr>
+              <a:defRPr lang="en-US"/>
+            </a:defPPr>
+            <a:lvl1pPr marL="0" defTabSz="914400" eaLnBrk="1" latinLnBrk="0" hangingPunct="1">
+              <a:defRPr sz="1400">
+                <a:solidFill>
+                  <a:schemeClr val="tx1"/>
+                </a:solidFill>
+                <a:latin typeface="Courier New" pitchFamily="49" charset="0"/>
+                <a:cs typeface="+mn-cs"/>
+              </a:defRPr>
+            </a:lvl1pPr>
+            <a:lvl2pPr marL="742950" indent="-285750" defTabSz="914400" latinLnBrk="0">
+              <a:defRPr sz="1400">
+                <a:solidFill>
+                  <a:schemeClr val="tx1"/>
+                </a:solidFill>
+                <a:latin typeface="Arial" charset="0"/>
+                <a:cs typeface="+mn-cs"/>
+              </a:defRPr>
+            </a:lvl2pPr>
+            <a:lvl3pPr marL="1143000" indent="-228600" defTabSz="914400" latinLnBrk="0">
+              <a:defRPr sz="1400">
+                <a:solidFill>
+                  <a:schemeClr val="tx1"/>
+                </a:solidFill>
+                <a:latin typeface="Arial" charset="0"/>
+                <a:cs typeface="+mn-cs"/>
+              </a:defRPr>
+            </a:lvl3pPr>
+            <a:lvl4pPr marL="1600200" indent="-228600" defTabSz="914400" latinLnBrk="0">
+              <a:defRPr sz="1400">
+                <a:solidFill>
+                  <a:schemeClr val="tx1"/>
+                </a:solidFill>
+                <a:latin typeface="Arial" charset="0"/>
+                <a:cs typeface="+mn-cs"/>
+              </a:defRPr>
+            </a:lvl4pPr>
+            <a:lvl5pPr marL="2057400" indent="-228600" defTabSz="914400" latinLnBrk="0">
+              <a:defRPr sz="1400">
+                <a:solidFill>
+                  <a:schemeClr val="tx1"/>
+                </a:solidFill>
+                <a:latin typeface="Arial" charset="0"/>
+                <a:cs typeface="+mn-cs"/>
+              </a:defRPr>
+            </a:lvl5pPr>
+            <a:lvl6pPr marL="2514600" indent="-228600" eaLnBrk="0" fontAlgn="base" hangingPunct="0">
+              <a:spcBef>
+                <a:spcPct val="0"/>
+              </a:spcBef>
+              <a:spcAft>
+                <a:spcPct val="0"/>
+              </a:spcAft>
+              <a:defRPr sz="1400">
+                <a:solidFill>
+                  <a:schemeClr val="tx1"/>
+                </a:solidFill>
+                <a:latin typeface="Arial" charset="0"/>
+                <a:cs typeface="+mn-cs"/>
+              </a:defRPr>
+            </a:lvl6pPr>
+            <a:lvl7pPr marL="2971800" indent="-228600" eaLnBrk="0" fontAlgn="base" hangingPunct="0">
+              <a:spcBef>
+                <a:spcPct val="0"/>
+              </a:spcBef>
+              <a:spcAft>
+                <a:spcPct val="0"/>
+              </a:spcAft>
+              <a:defRPr sz="1400">
+                <a:solidFill>
+                  <a:schemeClr val="tx1"/>
+                </a:solidFill>
+                <a:latin typeface="Arial" charset="0"/>
+                <a:cs typeface="+mn-cs"/>
+              </a:defRPr>
+            </a:lvl7pPr>
+            <a:lvl8pPr marL="3429000" indent="-228600" eaLnBrk="0" fontAlgn="base" hangingPunct="0">
+              <a:spcBef>
+                <a:spcPct val="0"/>
+              </a:spcBef>
+              <a:spcAft>
+                <a:spcPct val="0"/>
+              </a:spcAft>
+              <a:defRPr sz="1400">
+                <a:solidFill>
+                  <a:schemeClr val="tx1"/>
+                </a:solidFill>
+                <a:latin typeface="Arial" charset="0"/>
+                <a:cs typeface="+mn-cs"/>
+              </a:defRPr>
+            </a:lvl8pPr>
+            <a:lvl9pPr marL="3886200" indent="-228600" eaLnBrk="0" fontAlgn="base" hangingPunct="0">
+              <a:spcBef>
+                <a:spcPct val="0"/>
+              </a:spcBef>
+              <a:spcAft>
+                <a:spcPct val="0"/>
+              </a:spcAft>
+              <a:defRPr sz="1400">
+                <a:solidFill>
+                  <a:schemeClr val="tx1"/>
+                </a:solidFill>
+                <a:latin typeface="Arial" charset="0"/>
+                <a:cs typeface="+mn-cs"/>
+              </a:defRPr>
+            </a:lvl9pPr>
+          </a:lstStyle>
+          <a:p>
+            <a:r>
+              <a:rPr lang="en-US" sz="1600" b="1" dirty="0"/>
+              <a:t>import </a:t>
+            </a:r>
+            <a:r>
+              <a:rPr lang="en-US" sz="1600" b="1" dirty="0" err="1"/>
+              <a:t>pyspark_helpers</a:t>
+            </a:r>
+            <a:r>
+              <a:rPr lang="en-US" sz="1600" b="1" dirty="0"/>
+              <a:t> as </a:t>
+            </a:r>
+            <a:r>
+              <a:rPr lang="en-US" sz="1600" b="1" dirty="0" err="1"/>
+              <a:t>pyh</a:t>
+            </a:r>
+            <a:endParaRPr lang="en-US" sz="1600" b="1" dirty="0"/>
+          </a:p>
+          <a:p>
+            <a:endParaRPr lang="en-US" sz="1600" b="1" dirty="0"/>
+          </a:p>
+          <a:p>
+            <a:r>
+              <a:rPr lang="en-US" sz="1600" b="1" dirty="0" err="1"/>
+              <a:t>numeric_features</a:t>
+            </a:r>
+            <a:r>
+              <a:rPr lang="en-US" sz="1600" b="1" dirty="0"/>
+              <a:t> = ['CRIM', 'ZN', 'INDUS', 'CHAS', 'NOX', \</a:t>
+            </a:r>
+            <a:br>
+              <a:rPr lang="en-US" sz="1600" b="1" dirty="0"/>
+            </a:br>
+            <a:r>
+              <a:rPr lang="en-US" sz="1600" b="1" dirty="0"/>
+              <a:t>             'RM', 'AGE', 'DIS', 'RAD', 'TAX', 'PTRATIO']</a:t>
+            </a:r>
+          </a:p>
+          <a:p>
+            <a:r>
+              <a:rPr lang="en-US" sz="1600" b="1" dirty="0" err="1"/>
+              <a:t>categorical_features</a:t>
+            </a:r>
+            <a:r>
+              <a:rPr lang="en-US" sz="1600" b="1" dirty="0"/>
+              <a:t> = ['TOWN', 'TRACT']</a:t>
+            </a:r>
+          </a:p>
+          <a:p>
+            <a:r>
+              <a:rPr lang="en-US" sz="1600" b="1" dirty="0" err="1"/>
+              <a:t>target_label</a:t>
+            </a:r>
+            <a:r>
+              <a:rPr lang="en-US" sz="1600" b="1" dirty="0"/>
+              <a:t> = 'MEDV'</a:t>
+            </a:r>
+          </a:p>
+          <a:p>
+            <a:r>
+              <a:rPr lang="en-US" sz="1600" b="1" dirty="0" err="1"/>
+              <a:t>df</a:t>
+            </a:r>
+            <a:r>
+              <a:rPr lang="en-US" sz="1600" b="1" dirty="0"/>
+              <a:t> = </a:t>
+            </a:r>
+            <a:r>
+              <a:rPr lang="en-US" sz="1600" b="1" dirty="0" err="1"/>
+              <a:t>dfRaw.select</a:t>
+            </a:r>
+            <a:r>
+              <a:rPr lang="en-US" sz="1600" b="1" dirty="0"/>
+              <a:t>(</a:t>
+            </a:r>
+            <a:r>
+              <a:rPr lang="en-US" sz="1600" b="1" dirty="0" err="1"/>
+              <a:t>categorical_features</a:t>
+            </a:r>
+            <a:r>
+              <a:rPr lang="en-US" sz="1600" b="1" dirty="0"/>
+              <a:t> + </a:t>
+            </a:r>
+            <a:r>
+              <a:rPr lang="en-US" sz="1600" b="1" dirty="0" err="1"/>
+              <a:t>numeric_features</a:t>
+            </a:r>
+            <a:r>
+              <a:rPr lang="en-US" sz="1600" b="1" dirty="0"/>
+              <a:t> + [</a:t>
+            </a:r>
+            <a:r>
+              <a:rPr lang="en-US" sz="1600" b="1" dirty="0" err="1"/>
+              <a:t>target_label</a:t>
+            </a:r>
+            <a:r>
+              <a:rPr lang="en-US" sz="1600" b="1" dirty="0"/>
+              <a:t>])</a:t>
+            </a:r>
+          </a:p>
+          <a:p>
+            <a:r>
+              <a:rPr lang="en-US" sz="1600" b="1" dirty="0" err="1"/>
+              <a:t>dfML</a:t>
+            </a:r>
+            <a:r>
+              <a:rPr lang="en-US" sz="1600" b="1" dirty="0"/>
+              <a:t> = </a:t>
+            </a:r>
+            <a:r>
+              <a:rPr lang="en-US" sz="1600" b="1" dirty="0" err="1"/>
+              <a:t>pyh.MakeMLDataFrame</a:t>
+            </a:r>
+            <a:r>
+              <a:rPr lang="en-US" sz="1600" b="1" dirty="0"/>
+              <a:t>(</a:t>
+            </a:r>
+            <a:r>
+              <a:rPr lang="en-US" sz="1600" b="1" dirty="0" err="1"/>
+              <a:t>df</a:t>
+            </a:r>
+            <a:r>
+              <a:rPr lang="en-US" sz="1600" b="1" dirty="0"/>
+              <a:t>, </a:t>
+            </a:r>
+            <a:r>
+              <a:rPr lang="en-US" sz="1600" b="1" dirty="0" err="1"/>
+              <a:t>categorical_features</a:t>
+            </a:r>
+            <a:r>
+              <a:rPr lang="en-US" sz="1600" b="1" dirty="0"/>
+              <a:t>, \</a:t>
+            </a:r>
+            <a:br>
+              <a:rPr lang="en-US" sz="1600" b="1" dirty="0"/>
+            </a:br>
+            <a:r>
+              <a:rPr lang="en-US" sz="1600" b="1" dirty="0"/>
+              <a:t>       </a:t>
+            </a:r>
+            <a:r>
+              <a:rPr lang="en-US" sz="1600" b="1" dirty="0" err="1"/>
+              <a:t>numeric_features</a:t>
+            </a:r>
+            <a:r>
+              <a:rPr lang="en-US" sz="1600" b="1" dirty="0"/>
+              <a:t>, </a:t>
+            </a:r>
+            <a:r>
+              <a:rPr lang="en-US" sz="1600" b="1" dirty="0" err="1"/>
+              <a:t>target_label</a:t>
+            </a:r>
+            <a:r>
+              <a:rPr lang="en-US" sz="1600" b="1" dirty="0"/>
+              <a:t>, False)</a:t>
+            </a:r>
+          </a:p>
+          <a:p>
+            <a:endParaRPr lang="en-US" sz="1600" b="1" dirty="0"/>
+          </a:p>
+          <a:p>
+            <a:r>
+              <a:rPr lang="en-US" sz="1600" b="1" dirty="0"/>
+              <a:t>train, test = </a:t>
+            </a:r>
+            <a:r>
+              <a:rPr lang="en-US" sz="1600" b="1" dirty="0" err="1"/>
+              <a:t>dfML.randomSplit</a:t>
+            </a:r>
+            <a:r>
+              <a:rPr lang="en-US" sz="1600" b="1" dirty="0"/>
+              <a:t>([.7,.3], seed = 1000)</a:t>
+            </a:r>
+          </a:p>
+        </p:txBody>
+      </p:sp>
+    </p:spTree>
+    <p:extLst>
+      <p:ext uri="{BB962C8B-B14F-4D97-AF65-F5344CB8AC3E}">
+        <p14:creationId xmlns:p14="http://schemas.microsoft.com/office/powerpoint/2010/main" val="1496132690"/>
+      </p:ext>
+    </p:extLst>
+  </p:cSld>
+  <p:clrMapOvr>
+    <a:masterClrMapping/>
+  </p:clrMapOvr>
+</p:sld>
+</file>
+
+<file path=ppt/slides/slide15.xml><?xml version="1.0" encoding="utf-8"?>
 <p:sld xmlns:a="http://schemas.openxmlformats.org/drawingml/2006/main" xmlns:r="http://schemas.openxmlformats.org/officeDocument/2006/relationships" xmlns:p="http://schemas.openxmlformats.org/presentationml/2006/main">
   <p:cSld>
     <p:spTree>
@@ -8096,10 +9485,10 @@
       </p:sp>
       <p:graphicFrame>
         <p:nvGraphicFramePr>
-          <p:cNvPr id="9" name="Table 8">
+          <p:cNvPr id="8" name="Table 7">
             <a:extLst>
               <a:ext uri="{FF2B5EF4-FFF2-40B4-BE49-F238E27FC236}">
-                <a16:creationId xmlns:a16="http://schemas.microsoft.com/office/drawing/2014/main" id="{11C54D53-907B-4645-A17B-829BB0975517}"/>
+                <a16:creationId xmlns:a16="http://schemas.microsoft.com/office/drawing/2014/main" id="{26EFAC43-4F5B-4E07-9D45-7CCB1713DC7C}"/>
               </a:ext>
             </a:extLst>
           </p:cNvPr>
@@ -8109,14 +9498,14 @@
           <p:nvPr>
             <p:extLst>
               <p:ext uri="{D42A27DB-BD31-4B8C-83A1-F6EECF244321}">
-                <p14:modId xmlns:p14="http://schemas.microsoft.com/office/powerpoint/2010/main" val="4153294197"/>
+                <p14:modId xmlns:p14="http://schemas.microsoft.com/office/powerpoint/2010/main" val="2063284822"/>
               </p:ext>
             </p:extLst>
           </p:nvPr>
         </p:nvGraphicFramePr>
         <p:xfrm>
           <a:off x="2880360" y="1447543"/>
-          <a:ext cx="3383280" cy="1645920"/>
+          <a:ext cx="3383280" cy="2194560"/>
         </p:xfrm>
         <a:graphic>
           <a:graphicData uri="http://schemas.openxmlformats.org/drawingml/2006/table">
@@ -8148,11 +9537,9 @@
                         </a:spcAft>
                       </a:pPr>
                       <a:r>
-                        <a:rPr lang="en-US" sz="2000" dirty="0">
+                        <a:rPr lang="en-US" sz="2000" b="0" dirty="0">
                           <a:solidFill>
-                            <a:schemeClr val="bg1">
-                              <a:lumMod val="65000"/>
-                            </a:schemeClr>
+                            <a:schemeClr val="bg2"/>
                           </a:solidFill>
                         </a:rPr>
                         <a:t>Regression Analysis</a:t>
@@ -8197,6 +9584,129 @@
                     <a:bodyPr/>
                     <a:lstStyle/>
                     <a:p>
+                      <a:pPr marL="0" marR="0" lvl="0" indent="0" algn="l" defTabSz="914400" rtl="0" eaLnBrk="1" fontAlgn="auto" latinLnBrk="0" hangingPunct="1">
+                        <a:lnSpc>
+                          <a:spcPct val="100000"/>
+                        </a:lnSpc>
+                        <a:spcBef>
+                          <a:spcPts val="0"/>
+                        </a:spcBef>
+                        <a:spcAft>
+                          <a:spcPts val="0"/>
+                        </a:spcAft>
+                        <a:buClrTx/>
+                        <a:buSzTx/>
+                        <a:buFontTx/>
+                        <a:buNone/>
+                        <a:tabLst/>
+                        <a:defRPr/>
+                      </a:pPr>
+                      <a:r>
+                        <a:rPr lang="en-US" sz="2000" dirty="0">
+                          <a:solidFill>
+                            <a:schemeClr val="bg1">
+                              <a:lumMod val="65000"/>
+                            </a:schemeClr>
+                          </a:solidFill>
+                        </a:rPr>
+                        <a:t>Data Preparation</a:t>
+                      </a:r>
+                    </a:p>
+                  </a:txBody>
+                  <a:tcPr anchor="ctr">
+                    <a:lnT w="12700" cap="flat" cmpd="sng" algn="ctr">
+                      <a:solidFill>
+                        <a:schemeClr val="bg1">
+                          <a:lumMod val="65000"/>
+                        </a:schemeClr>
+                      </a:solidFill>
+                      <a:prstDash val="solid"/>
+                      <a:round/>
+                      <a:headEnd type="none" w="med" len="med"/>
+                      <a:tailEnd type="none" w="med" len="med"/>
+                    </a:lnT>
+                    <a:lnB w="12700" cap="flat" cmpd="sng" algn="ctr">
+                      <a:solidFill>
+                        <a:schemeClr val="bg1">
+                          <a:lumMod val="65000"/>
+                        </a:schemeClr>
+                      </a:solidFill>
+                      <a:prstDash val="solid"/>
+                      <a:round/>
+                      <a:headEnd type="none" w="med" len="med"/>
+                      <a:tailEnd type="none" w="med" len="med"/>
+                    </a:lnB>
+                    <a:noFill/>
+                  </a:tcPr>
+                </a:tc>
+                <a:extLst>
+                  <a:ext uri="{0D108BD9-81ED-4DB2-BD59-A6C34878D82A}">
+                    <a16:rowId xmlns:a16="http://schemas.microsoft.com/office/drawing/2014/main" val="3686931139"/>
+                  </a:ext>
+                </a:extLst>
+              </a:tr>
+              <a:tr h="548640">
+                <a:tc>
+                  <a:txBody>
+                    <a:bodyPr/>
+                    <a:lstStyle/>
+                    <a:p>
+                      <a:pPr>
+                        <a:lnSpc>
+                          <a:spcPct val="100000"/>
+                        </a:lnSpc>
+                        <a:spcAft>
+                          <a:spcPts val="0"/>
+                        </a:spcAft>
+                      </a:pPr>
+                      <a:r>
+                        <a:rPr lang="en-US" sz="2000" b="1" dirty="0">
+                          <a:solidFill>
+                            <a:schemeClr val="tx1"/>
+                          </a:solidFill>
+                        </a:rPr>
+                        <a:t>Algorithms</a:t>
+                      </a:r>
+                    </a:p>
+                  </a:txBody>
+                  <a:tcPr anchor="ctr">
+                    <a:lnT w="12700" cap="flat" cmpd="sng" algn="ctr">
+                      <a:solidFill>
+                        <a:schemeClr val="bg1">
+                          <a:lumMod val="65000"/>
+                        </a:schemeClr>
+                      </a:solidFill>
+                      <a:prstDash val="solid"/>
+                      <a:round/>
+                      <a:headEnd type="none" w="med" len="med"/>
+                      <a:tailEnd type="none" w="med" len="med"/>
+                    </a:lnT>
+                    <a:lnB w="12700" cap="flat" cmpd="sng" algn="ctr">
+                      <a:solidFill>
+                        <a:schemeClr val="bg1">
+                          <a:lumMod val="65000"/>
+                        </a:schemeClr>
+                      </a:solidFill>
+                      <a:prstDash val="solid"/>
+                      <a:round/>
+                      <a:headEnd type="none" w="med" len="med"/>
+                      <a:tailEnd type="none" w="med" len="med"/>
+                    </a:lnB>
+                    <a:noFill/>
+                  </a:tcPr>
+                </a:tc>
+                <a:extLst>
+                  <a:ext uri="{0D108BD9-81ED-4DB2-BD59-A6C34878D82A}">
+                    <a16:rowId xmlns:a16="http://schemas.microsoft.com/office/drawing/2014/main" val="2634114360"/>
+                  </a:ext>
+                </a:extLst>
+              </a:tr>
+              <a:tr h="548640">
+                <a:tc>
+                  <a:txBody>
+                    <a:bodyPr/>
+                    <a:lstStyle/>
+                    <a:p>
                       <a:pPr>
                         <a:lnSpc>
                           <a:spcPct val="100000"/>
@@ -8211,6 +9721,1177 @@
                             <a:schemeClr val="bg1">
                               <a:lumMod val="65000"/>
                             </a:schemeClr>
+                          </a:solidFill>
+                        </a:rPr>
+                        <a:t>Chapter Summary</a:t>
+                      </a:r>
+                    </a:p>
+                  </a:txBody>
+                  <a:tcPr anchor="ctr">
+                    <a:lnT w="12700" cap="flat" cmpd="sng" algn="ctr">
+                      <a:solidFill>
+                        <a:schemeClr val="bg1">
+                          <a:lumMod val="65000"/>
+                        </a:schemeClr>
+                      </a:solidFill>
+                      <a:prstDash val="solid"/>
+                      <a:round/>
+                      <a:headEnd type="none" w="med" len="med"/>
+                      <a:tailEnd type="none" w="med" len="med"/>
+                    </a:lnT>
+                    <a:lnB w="12700" cap="flat" cmpd="sng" algn="ctr">
+                      <a:solidFill>
+                        <a:schemeClr val="bg1">
+                          <a:lumMod val="65000"/>
+                        </a:schemeClr>
+                      </a:solidFill>
+                      <a:prstDash val="solid"/>
+                      <a:round/>
+                      <a:headEnd type="none" w="med" len="med"/>
+                      <a:tailEnd type="none" w="med" len="med"/>
+                    </a:lnB>
+                    <a:noFill/>
+                  </a:tcPr>
+                </a:tc>
+                <a:extLst>
+                  <a:ext uri="{0D108BD9-81ED-4DB2-BD59-A6C34878D82A}">
+                    <a16:rowId xmlns:a16="http://schemas.microsoft.com/office/drawing/2014/main" val="376303497"/>
+                  </a:ext>
+                </a:extLst>
+              </a:tr>
+            </a:tbl>
+          </a:graphicData>
+        </a:graphic>
+      </p:graphicFrame>
+    </p:spTree>
+    <p:extLst>
+      <p:ext uri="{BB962C8B-B14F-4D97-AF65-F5344CB8AC3E}">
+        <p14:creationId xmlns:p14="http://schemas.microsoft.com/office/powerpoint/2010/main" val="1376096583"/>
+      </p:ext>
+    </p:extLst>
+  </p:cSld>
+  <p:clrMapOvr>
+    <a:masterClrMapping/>
+  </p:clrMapOvr>
+</p:sld>
+</file>
+
+<file path=ppt/slides/slide16.xml><?xml version="1.0" encoding="utf-8"?>
+<p:sld xmlns:a="http://schemas.openxmlformats.org/drawingml/2006/main" xmlns:r="http://schemas.openxmlformats.org/officeDocument/2006/relationships" xmlns:p="http://schemas.openxmlformats.org/presentationml/2006/main">
+  <p:cSld>
+    <p:spTree>
+      <p:nvGrpSpPr>
+        <p:cNvPr id="1" name=""/>
+        <p:cNvGrpSpPr/>
+        <p:nvPr/>
+      </p:nvGrpSpPr>
+      <p:grpSpPr>
+        <a:xfrm>
+          <a:off x="0" y="0"/>
+          <a:ext cx="0" cy="0"/>
+          <a:chOff x="0" y="0"/>
+          <a:chExt cx="0" cy="0"/>
+        </a:xfrm>
+      </p:grpSpPr>
+      <p:sp>
+        <p:nvSpPr>
+          <p:cNvPr id="3" name="Content Placeholder 2"/>
+          <p:cNvSpPr>
+            <a:spLocks noGrp="1"/>
+          </p:cNvSpPr>
+          <p:nvPr>
+            <p:ph idx="1"/>
+          </p:nvPr>
+        </p:nvSpPr>
+        <p:spPr/>
+        <p:txBody>
+          <a:bodyPr/>
+          <a:lstStyle/>
+          <a:p>
+            <a:r>
+              <a:rPr lang="en-US" dirty="0"/>
+              <a:t>Create and instance of the regression class</a:t>
+            </a:r>
+          </a:p>
+          <a:p>
+            <a:r>
+              <a:rPr lang="en-US" dirty="0"/>
+              <a:t>There are several to choose from</a:t>
+            </a:r>
+          </a:p>
+          <a:p>
+            <a:pPr lvl="1"/>
+            <a:r>
+              <a:rPr lang="en-US" dirty="0" err="1"/>
+              <a:t>LinearRegression</a:t>
+            </a:r>
+            <a:endParaRPr lang="en-US" dirty="0"/>
+          </a:p>
+          <a:p>
+            <a:pPr lvl="1"/>
+            <a:r>
+              <a:rPr lang="en-US" dirty="0" err="1"/>
+              <a:t>GeneralizedLinearRegression</a:t>
+            </a:r>
+            <a:endParaRPr lang="en-US" dirty="0"/>
+          </a:p>
+          <a:p>
+            <a:pPr lvl="1"/>
+            <a:r>
+              <a:rPr lang="en-US" dirty="0" err="1"/>
+              <a:t>DecisionTreeRegressor</a:t>
+            </a:r>
+            <a:endParaRPr lang="en-US" dirty="0"/>
+          </a:p>
+          <a:p>
+            <a:pPr lvl="1"/>
+            <a:r>
+              <a:rPr lang="en-US" dirty="0" err="1"/>
+              <a:t>RandomForestRegressor</a:t>
+            </a:r>
+            <a:endParaRPr lang="en-US" dirty="0"/>
+          </a:p>
+          <a:p>
+            <a:pPr lvl="1"/>
+            <a:r>
+              <a:rPr lang="en-US" dirty="0" err="1"/>
+              <a:t>GBTRegressor</a:t>
+            </a:r>
+            <a:endParaRPr lang="en-US" dirty="0"/>
+          </a:p>
+          <a:p>
+            <a:pPr lvl="1"/>
+            <a:r>
+              <a:rPr lang="en-US" dirty="0" err="1"/>
+              <a:t>AFTSurvivalRegression</a:t>
+            </a:r>
+            <a:endParaRPr lang="en-US" dirty="0"/>
+          </a:p>
+          <a:p>
+            <a:pPr lvl="1"/>
+            <a:r>
+              <a:rPr lang="en-US" dirty="0" err="1"/>
+              <a:t>IsotonicRegression</a:t>
+            </a:r>
+            <a:endParaRPr lang="en-US" dirty="0"/>
+          </a:p>
+        </p:txBody>
+      </p:sp>
+      <p:sp>
+        <p:nvSpPr>
+          <p:cNvPr id="2" name="Title 1"/>
+          <p:cNvSpPr>
+            <a:spLocks noGrp="1"/>
+          </p:cNvSpPr>
+          <p:nvPr>
+            <p:ph type="title"/>
+          </p:nvPr>
+        </p:nvSpPr>
+        <p:spPr/>
+        <p:txBody>
+          <a:bodyPr/>
+          <a:lstStyle/>
+          <a:p>
+            <a:r>
+              <a:rPr lang="en-US" dirty="0"/>
+              <a:t>Run the Model</a:t>
+            </a:r>
+          </a:p>
+        </p:txBody>
+      </p:sp>
+      <p:sp>
+        <p:nvSpPr>
+          <p:cNvPr id="4" name="TextBox 3">
+            <a:extLst>
+              <a:ext uri="{FF2B5EF4-FFF2-40B4-BE49-F238E27FC236}">
+                <a16:creationId xmlns:a16="http://schemas.microsoft.com/office/drawing/2014/main" id="{B25BD5BC-E8B9-4540-A404-A5C6B4AFC25D}"/>
+              </a:ext>
+            </a:extLst>
+          </p:cNvPr>
+          <p:cNvSpPr txBox="1"/>
+          <p:nvPr/>
+        </p:nvSpPr>
+        <p:spPr>
+          <a:xfrm>
+            <a:off x="331304" y="3992710"/>
+            <a:ext cx="8587409" cy="2308324"/>
+          </a:xfrm>
+          <a:prstGeom prst="rect">
+            <a:avLst/>
+          </a:prstGeom>
+          <a:noFill/>
+          <a:ln w="28575" algn="ctr">
+            <a:solidFill>
+              <a:schemeClr val="accent2">
+                <a:lumMod val="20000"/>
+                <a:lumOff val="80000"/>
+              </a:schemeClr>
+            </a:solidFill>
+            <a:miter lim="800000"/>
+            <a:headEnd/>
+            <a:tailEnd/>
+          </a:ln>
+          <a:effectLst/>
+        </p:spPr>
+        <p:txBody>
+          <a:bodyPr wrap="square">
+            <a:spAutoFit/>
+          </a:bodyPr>
+          <a:lstStyle>
+            <a:defPPr>
+              <a:defRPr lang="en-US"/>
+            </a:defPPr>
+            <a:lvl1pPr marL="0" defTabSz="914400" eaLnBrk="1" latinLnBrk="0" hangingPunct="1">
+              <a:defRPr sz="1400">
+                <a:solidFill>
+                  <a:schemeClr val="tx1"/>
+                </a:solidFill>
+                <a:latin typeface="Courier New" pitchFamily="49" charset="0"/>
+                <a:cs typeface="+mn-cs"/>
+              </a:defRPr>
+            </a:lvl1pPr>
+            <a:lvl2pPr marL="742950" indent="-285750" defTabSz="914400" latinLnBrk="0">
+              <a:defRPr sz="1400">
+                <a:solidFill>
+                  <a:schemeClr val="tx1"/>
+                </a:solidFill>
+                <a:latin typeface="Arial" charset="0"/>
+                <a:cs typeface="+mn-cs"/>
+              </a:defRPr>
+            </a:lvl2pPr>
+            <a:lvl3pPr marL="1143000" indent="-228600" defTabSz="914400" latinLnBrk="0">
+              <a:defRPr sz="1400">
+                <a:solidFill>
+                  <a:schemeClr val="tx1"/>
+                </a:solidFill>
+                <a:latin typeface="Arial" charset="0"/>
+                <a:cs typeface="+mn-cs"/>
+              </a:defRPr>
+            </a:lvl3pPr>
+            <a:lvl4pPr marL="1600200" indent="-228600" defTabSz="914400" latinLnBrk="0">
+              <a:defRPr sz="1400">
+                <a:solidFill>
+                  <a:schemeClr val="tx1"/>
+                </a:solidFill>
+                <a:latin typeface="Arial" charset="0"/>
+                <a:cs typeface="+mn-cs"/>
+              </a:defRPr>
+            </a:lvl4pPr>
+            <a:lvl5pPr marL="2057400" indent="-228600" defTabSz="914400" latinLnBrk="0">
+              <a:defRPr sz="1400">
+                <a:solidFill>
+                  <a:schemeClr val="tx1"/>
+                </a:solidFill>
+                <a:latin typeface="Arial" charset="0"/>
+                <a:cs typeface="+mn-cs"/>
+              </a:defRPr>
+            </a:lvl5pPr>
+            <a:lvl6pPr marL="2514600" indent="-228600" eaLnBrk="0" fontAlgn="base" hangingPunct="0">
+              <a:spcBef>
+                <a:spcPct val="0"/>
+              </a:spcBef>
+              <a:spcAft>
+                <a:spcPct val="0"/>
+              </a:spcAft>
+              <a:defRPr sz="1400">
+                <a:solidFill>
+                  <a:schemeClr val="tx1"/>
+                </a:solidFill>
+                <a:latin typeface="Arial" charset="0"/>
+                <a:cs typeface="+mn-cs"/>
+              </a:defRPr>
+            </a:lvl6pPr>
+            <a:lvl7pPr marL="2971800" indent="-228600" eaLnBrk="0" fontAlgn="base" hangingPunct="0">
+              <a:spcBef>
+                <a:spcPct val="0"/>
+              </a:spcBef>
+              <a:spcAft>
+                <a:spcPct val="0"/>
+              </a:spcAft>
+              <a:defRPr sz="1400">
+                <a:solidFill>
+                  <a:schemeClr val="tx1"/>
+                </a:solidFill>
+                <a:latin typeface="Arial" charset="0"/>
+                <a:cs typeface="+mn-cs"/>
+              </a:defRPr>
+            </a:lvl7pPr>
+            <a:lvl8pPr marL="3429000" indent="-228600" eaLnBrk="0" fontAlgn="base" hangingPunct="0">
+              <a:spcBef>
+                <a:spcPct val="0"/>
+              </a:spcBef>
+              <a:spcAft>
+                <a:spcPct val="0"/>
+              </a:spcAft>
+              <a:defRPr sz="1400">
+                <a:solidFill>
+                  <a:schemeClr val="tx1"/>
+                </a:solidFill>
+                <a:latin typeface="Arial" charset="0"/>
+                <a:cs typeface="+mn-cs"/>
+              </a:defRPr>
+            </a:lvl8pPr>
+            <a:lvl9pPr marL="3886200" indent="-228600" eaLnBrk="0" fontAlgn="base" hangingPunct="0">
+              <a:spcBef>
+                <a:spcPct val="0"/>
+              </a:spcBef>
+              <a:spcAft>
+                <a:spcPct val="0"/>
+              </a:spcAft>
+              <a:defRPr sz="1400">
+                <a:solidFill>
+                  <a:schemeClr val="tx1"/>
+                </a:solidFill>
+                <a:latin typeface="Arial" charset="0"/>
+                <a:cs typeface="+mn-cs"/>
+              </a:defRPr>
+            </a:lvl9pPr>
+          </a:lstStyle>
+          <a:p>
+            <a:r>
+              <a:rPr lang="en-US" sz="1600" b="1" dirty="0"/>
+              <a:t>from </a:t>
+            </a:r>
+            <a:r>
+              <a:rPr lang="en-US" sz="1600" b="1" dirty="0" err="1"/>
+              <a:t>pyspark.ml.regression</a:t>
+            </a:r>
+            <a:r>
+              <a:rPr lang="en-US" sz="1600" b="1" dirty="0"/>
+              <a:t> import </a:t>
+            </a:r>
+            <a:r>
+              <a:rPr lang="en-US" sz="1600" b="1" dirty="0" err="1"/>
+              <a:t>LinearRegression</a:t>
+            </a:r>
+            <a:endParaRPr lang="en-US" sz="1600" b="1" dirty="0"/>
+          </a:p>
+          <a:p>
+            <a:r>
+              <a:rPr lang="en-US" sz="1600" b="1" dirty="0" err="1"/>
+              <a:t>lr</a:t>
+            </a:r>
+            <a:r>
+              <a:rPr lang="en-US" sz="1600" b="1" dirty="0"/>
+              <a:t> = </a:t>
+            </a:r>
+            <a:r>
+              <a:rPr lang="en-US" sz="1600" b="1" dirty="0" err="1"/>
+              <a:t>LinearRegression</a:t>
+            </a:r>
+            <a:r>
+              <a:rPr lang="en-US" sz="1600" b="1" dirty="0"/>
+              <a:t>(</a:t>
+            </a:r>
+            <a:r>
+              <a:rPr lang="en-US" sz="1600" b="1" dirty="0" err="1"/>
+              <a:t>featuresCol</a:t>
+            </a:r>
+            <a:r>
+              <a:rPr lang="en-US" sz="1600" b="1" dirty="0"/>
+              <a:t> = 'features', </a:t>
+            </a:r>
+            <a:r>
+              <a:rPr lang="en-US" sz="1600" b="1" dirty="0" err="1"/>
+              <a:t>labelCol</a:t>
+            </a:r>
+            <a:r>
+              <a:rPr lang="en-US" sz="1600" b="1" dirty="0"/>
+              <a:t>='target', \</a:t>
+            </a:r>
+            <a:br>
+              <a:rPr lang="en-US" sz="1600" b="1" dirty="0"/>
+            </a:br>
+            <a:r>
+              <a:rPr lang="en-US" sz="1600" b="1" dirty="0"/>
+              <a:t>     </a:t>
+            </a:r>
+            <a:r>
+              <a:rPr lang="en-US" sz="1600" b="1" dirty="0" err="1"/>
+              <a:t>maxIter</a:t>
+            </a:r>
+            <a:r>
+              <a:rPr lang="en-US" sz="1600" b="1" dirty="0"/>
+              <a:t>=10, </a:t>
+            </a:r>
+            <a:r>
+              <a:rPr lang="en-US" sz="1600" b="1" dirty="0" err="1"/>
+              <a:t>regParam</a:t>
+            </a:r>
+            <a:r>
+              <a:rPr lang="en-US" sz="1600" b="1" dirty="0"/>
+              <a:t>=0.3, </a:t>
+            </a:r>
+            <a:r>
+              <a:rPr lang="en-US" sz="1600" b="1" dirty="0" err="1"/>
+              <a:t>elasticNetParam</a:t>
+            </a:r>
+            <a:r>
+              <a:rPr lang="en-US" sz="1600" b="1" dirty="0"/>
+              <a:t>=0.8)</a:t>
+            </a:r>
+          </a:p>
+          <a:p>
+            <a:r>
+              <a:rPr lang="en-US" sz="1600" b="1" dirty="0" err="1"/>
+              <a:t>lrModel</a:t>
+            </a:r>
+            <a:r>
+              <a:rPr lang="en-US" sz="1600" b="1" dirty="0"/>
+              <a:t> = </a:t>
+            </a:r>
+            <a:r>
+              <a:rPr lang="en-US" sz="1600" b="1" dirty="0" err="1"/>
+              <a:t>lr.fit</a:t>
+            </a:r>
+            <a:r>
+              <a:rPr lang="en-US" sz="1600" b="1" dirty="0"/>
+              <a:t>(train)</a:t>
+            </a:r>
+          </a:p>
+          <a:p>
+            <a:r>
+              <a:rPr lang="en-US" sz="1600" b="1" dirty="0"/>
+              <a:t>print("Coefficients: " + </a:t>
+            </a:r>
+            <a:r>
+              <a:rPr lang="en-US" sz="1600" b="1" dirty="0" err="1"/>
+              <a:t>str</a:t>
+            </a:r>
+            <a:r>
+              <a:rPr lang="en-US" sz="1600" b="1" dirty="0"/>
+              <a:t>(</a:t>
+            </a:r>
+            <a:r>
+              <a:rPr lang="en-US" sz="1600" b="1" dirty="0" err="1"/>
+              <a:t>lrModel.coefficients</a:t>
+            </a:r>
+            <a:r>
+              <a:rPr lang="en-US" sz="1600" b="1" dirty="0"/>
+              <a:t>))</a:t>
+            </a:r>
+          </a:p>
+          <a:p>
+            <a:r>
+              <a:rPr lang="en-US" sz="1600" b="1" dirty="0"/>
+              <a:t>print("Intercept: " + </a:t>
+            </a:r>
+            <a:r>
+              <a:rPr lang="en-US" sz="1600" b="1" dirty="0" err="1"/>
+              <a:t>str</a:t>
+            </a:r>
+            <a:r>
+              <a:rPr lang="en-US" sz="1600" b="1" dirty="0"/>
+              <a:t>(</a:t>
+            </a:r>
+            <a:r>
+              <a:rPr lang="en-US" sz="1600" b="1" dirty="0" err="1"/>
+              <a:t>lrModel.intercept</a:t>
+            </a:r>
+            <a:r>
+              <a:rPr lang="en-US" sz="1600" b="1" dirty="0"/>
+              <a:t>))</a:t>
+            </a:r>
+          </a:p>
+          <a:p>
+            <a:r>
+              <a:rPr lang="en-US" sz="1600" b="1" dirty="0"/>
+              <a:t>print("Root Mean Squared Error: {}\</a:t>
+            </a:r>
+            <a:r>
+              <a:rPr lang="en-US" sz="1600" b="1" dirty="0" err="1"/>
+              <a:t>nR</a:t>
+            </a:r>
+            <a:r>
+              <a:rPr lang="en-US" sz="1600" b="1" dirty="0"/>
+              <a:t> Squared (R2) {}" \</a:t>
+            </a:r>
+            <a:br>
+              <a:rPr lang="en-US" sz="1600" b="1" dirty="0"/>
+            </a:br>
+            <a:r>
+              <a:rPr lang="en-US" sz="1600" b="1" dirty="0"/>
+              <a:t>  .format(</a:t>
+            </a:r>
+            <a:r>
+              <a:rPr lang="en-US" sz="1600" b="1" dirty="0" err="1"/>
+              <a:t>lrModel.summary.rootMeanSquaredError</a:t>
+            </a:r>
+            <a:r>
+              <a:rPr lang="en-US" sz="1600" b="1" dirty="0"/>
+              <a:t>, lrModel.summary.r2))</a:t>
+            </a:r>
+          </a:p>
+          <a:p>
+            <a:endParaRPr lang="en-US" sz="1600" b="1" dirty="0"/>
+          </a:p>
+        </p:txBody>
+      </p:sp>
+    </p:spTree>
+    <p:extLst>
+      <p:ext uri="{BB962C8B-B14F-4D97-AF65-F5344CB8AC3E}">
+        <p14:creationId xmlns:p14="http://schemas.microsoft.com/office/powerpoint/2010/main" val="1451383096"/>
+      </p:ext>
+    </p:extLst>
+  </p:cSld>
+  <p:clrMapOvr>
+    <a:masterClrMapping/>
+  </p:clrMapOvr>
+</p:sld>
+</file>
+
+<file path=ppt/slides/slide17.xml><?xml version="1.0" encoding="utf-8"?>
+<p:sld xmlns:a="http://schemas.openxmlformats.org/drawingml/2006/main" xmlns:r="http://schemas.openxmlformats.org/officeDocument/2006/relationships" xmlns:p="http://schemas.openxmlformats.org/presentationml/2006/main">
+  <p:cSld>
+    <p:spTree>
+      <p:nvGrpSpPr>
+        <p:cNvPr id="1" name=""/>
+        <p:cNvGrpSpPr/>
+        <p:nvPr/>
+      </p:nvGrpSpPr>
+      <p:grpSpPr>
+        <a:xfrm>
+          <a:off x="0" y="0"/>
+          <a:ext cx="0" cy="0"/>
+          <a:chOff x="0" y="0"/>
+          <a:chExt cx="0" cy="0"/>
+        </a:xfrm>
+      </p:grpSpPr>
+      <p:sp>
+        <p:nvSpPr>
+          <p:cNvPr id="3" name="Content Placeholder 2"/>
+          <p:cNvSpPr>
+            <a:spLocks noGrp="1"/>
+          </p:cNvSpPr>
+          <p:nvPr>
+            <p:ph idx="1"/>
+          </p:nvPr>
+        </p:nvSpPr>
+        <p:spPr/>
+        <p:txBody>
+          <a:bodyPr/>
+          <a:lstStyle/>
+          <a:p>
+            <a:r>
+              <a:rPr lang="en-US" dirty="0"/>
+              <a:t>Create and instance of the regression class</a:t>
+            </a:r>
+          </a:p>
+          <a:p>
+            <a:r>
+              <a:rPr lang="en-US" dirty="0"/>
+              <a:t>There are several to choose from</a:t>
+            </a:r>
+          </a:p>
+          <a:p>
+            <a:pPr lvl="1"/>
+            <a:r>
+              <a:rPr lang="en-US" dirty="0" err="1"/>
+              <a:t>LinearRegression</a:t>
+            </a:r>
+            <a:endParaRPr lang="en-US" dirty="0"/>
+          </a:p>
+          <a:p>
+            <a:pPr lvl="1"/>
+            <a:r>
+              <a:rPr lang="en-US" dirty="0" err="1"/>
+              <a:t>GeneralizedLinearRegression</a:t>
+            </a:r>
+            <a:endParaRPr lang="en-US" dirty="0"/>
+          </a:p>
+          <a:p>
+            <a:pPr lvl="1"/>
+            <a:r>
+              <a:rPr lang="en-US" dirty="0" err="1"/>
+              <a:t>DecisionTreeRegressor</a:t>
+            </a:r>
+            <a:endParaRPr lang="en-US" dirty="0"/>
+          </a:p>
+          <a:p>
+            <a:pPr lvl="1"/>
+            <a:r>
+              <a:rPr lang="en-US" dirty="0" err="1"/>
+              <a:t>RandomForestRegressor</a:t>
+            </a:r>
+            <a:endParaRPr lang="en-US" dirty="0"/>
+          </a:p>
+          <a:p>
+            <a:pPr lvl="1"/>
+            <a:r>
+              <a:rPr lang="en-US" dirty="0" err="1"/>
+              <a:t>GBTRegressor</a:t>
+            </a:r>
+            <a:endParaRPr lang="en-US" dirty="0"/>
+          </a:p>
+          <a:p>
+            <a:pPr lvl="1"/>
+            <a:r>
+              <a:rPr lang="en-US" dirty="0" err="1"/>
+              <a:t>AFTSurvivalRegression</a:t>
+            </a:r>
+            <a:endParaRPr lang="en-US" dirty="0"/>
+          </a:p>
+          <a:p>
+            <a:pPr lvl="1"/>
+            <a:r>
+              <a:rPr lang="en-US" dirty="0" err="1"/>
+              <a:t>IsotonicRegression</a:t>
+            </a:r>
+            <a:endParaRPr lang="en-US" dirty="0"/>
+          </a:p>
+        </p:txBody>
+      </p:sp>
+      <p:sp>
+        <p:nvSpPr>
+          <p:cNvPr id="2" name="Title 1"/>
+          <p:cNvSpPr>
+            <a:spLocks noGrp="1"/>
+          </p:cNvSpPr>
+          <p:nvPr>
+            <p:ph type="title"/>
+          </p:nvPr>
+        </p:nvSpPr>
+        <p:spPr/>
+        <p:txBody>
+          <a:bodyPr/>
+          <a:lstStyle/>
+          <a:p>
+            <a:r>
+              <a:rPr lang="en-US" dirty="0"/>
+              <a:t>Run the Test</a:t>
+            </a:r>
+          </a:p>
+        </p:txBody>
+      </p:sp>
+      <p:sp>
+        <p:nvSpPr>
+          <p:cNvPr id="4" name="TextBox 3">
+            <a:extLst>
+              <a:ext uri="{FF2B5EF4-FFF2-40B4-BE49-F238E27FC236}">
+                <a16:creationId xmlns:a16="http://schemas.microsoft.com/office/drawing/2014/main" id="{B25BD5BC-E8B9-4540-A404-A5C6B4AFC25D}"/>
+              </a:ext>
+            </a:extLst>
+          </p:cNvPr>
+          <p:cNvSpPr txBox="1"/>
+          <p:nvPr/>
+        </p:nvSpPr>
+        <p:spPr>
+          <a:xfrm>
+            <a:off x="331304" y="3992710"/>
+            <a:ext cx="8587409" cy="2062103"/>
+          </a:xfrm>
+          <a:prstGeom prst="rect">
+            <a:avLst/>
+          </a:prstGeom>
+          <a:noFill/>
+          <a:ln w="28575" algn="ctr">
+            <a:solidFill>
+              <a:schemeClr val="accent2">
+                <a:lumMod val="20000"/>
+                <a:lumOff val="80000"/>
+              </a:schemeClr>
+            </a:solidFill>
+            <a:miter lim="800000"/>
+            <a:headEnd/>
+            <a:tailEnd/>
+          </a:ln>
+          <a:effectLst/>
+        </p:spPr>
+        <p:txBody>
+          <a:bodyPr wrap="square">
+            <a:spAutoFit/>
+          </a:bodyPr>
+          <a:lstStyle>
+            <a:defPPr>
+              <a:defRPr lang="en-US"/>
+            </a:defPPr>
+            <a:lvl1pPr marL="0" defTabSz="914400" eaLnBrk="1" latinLnBrk="0" hangingPunct="1">
+              <a:defRPr sz="1400">
+                <a:solidFill>
+                  <a:schemeClr val="tx1"/>
+                </a:solidFill>
+                <a:latin typeface="Courier New" pitchFamily="49" charset="0"/>
+                <a:cs typeface="+mn-cs"/>
+              </a:defRPr>
+            </a:lvl1pPr>
+            <a:lvl2pPr marL="742950" indent="-285750" defTabSz="914400" latinLnBrk="0">
+              <a:defRPr sz="1400">
+                <a:solidFill>
+                  <a:schemeClr val="tx1"/>
+                </a:solidFill>
+                <a:latin typeface="Arial" charset="0"/>
+                <a:cs typeface="+mn-cs"/>
+              </a:defRPr>
+            </a:lvl2pPr>
+            <a:lvl3pPr marL="1143000" indent="-228600" defTabSz="914400" latinLnBrk="0">
+              <a:defRPr sz="1400">
+                <a:solidFill>
+                  <a:schemeClr val="tx1"/>
+                </a:solidFill>
+                <a:latin typeface="Arial" charset="0"/>
+                <a:cs typeface="+mn-cs"/>
+              </a:defRPr>
+            </a:lvl3pPr>
+            <a:lvl4pPr marL="1600200" indent="-228600" defTabSz="914400" latinLnBrk="0">
+              <a:defRPr sz="1400">
+                <a:solidFill>
+                  <a:schemeClr val="tx1"/>
+                </a:solidFill>
+                <a:latin typeface="Arial" charset="0"/>
+                <a:cs typeface="+mn-cs"/>
+              </a:defRPr>
+            </a:lvl4pPr>
+            <a:lvl5pPr marL="2057400" indent="-228600" defTabSz="914400" latinLnBrk="0">
+              <a:defRPr sz="1400">
+                <a:solidFill>
+                  <a:schemeClr val="tx1"/>
+                </a:solidFill>
+                <a:latin typeface="Arial" charset="0"/>
+                <a:cs typeface="+mn-cs"/>
+              </a:defRPr>
+            </a:lvl5pPr>
+            <a:lvl6pPr marL="2514600" indent="-228600" eaLnBrk="0" fontAlgn="base" hangingPunct="0">
+              <a:spcBef>
+                <a:spcPct val="0"/>
+              </a:spcBef>
+              <a:spcAft>
+                <a:spcPct val="0"/>
+              </a:spcAft>
+              <a:defRPr sz="1400">
+                <a:solidFill>
+                  <a:schemeClr val="tx1"/>
+                </a:solidFill>
+                <a:latin typeface="Arial" charset="0"/>
+                <a:cs typeface="+mn-cs"/>
+              </a:defRPr>
+            </a:lvl6pPr>
+            <a:lvl7pPr marL="2971800" indent="-228600" eaLnBrk="0" fontAlgn="base" hangingPunct="0">
+              <a:spcBef>
+                <a:spcPct val="0"/>
+              </a:spcBef>
+              <a:spcAft>
+                <a:spcPct val="0"/>
+              </a:spcAft>
+              <a:defRPr sz="1400">
+                <a:solidFill>
+                  <a:schemeClr val="tx1"/>
+                </a:solidFill>
+                <a:latin typeface="Arial" charset="0"/>
+                <a:cs typeface="+mn-cs"/>
+              </a:defRPr>
+            </a:lvl7pPr>
+            <a:lvl8pPr marL="3429000" indent="-228600" eaLnBrk="0" fontAlgn="base" hangingPunct="0">
+              <a:spcBef>
+                <a:spcPct val="0"/>
+              </a:spcBef>
+              <a:spcAft>
+                <a:spcPct val="0"/>
+              </a:spcAft>
+              <a:defRPr sz="1400">
+                <a:solidFill>
+                  <a:schemeClr val="tx1"/>
+                </a:solidFill>
+                <a:latin typeface="Arial" charset="0"/>
+                <a:cs typeface="+mn-cs"/>
+              </a:defRPr>
+            </a:lvl8pPr>
+            <a:lvl9pPr marL="3886200" indent="-228600" eaLnBrk="0" fontAlgn="base" hangingPunct="0">
+              <a:spcBef>
+                <a:spcPct val="0"/>
+              </a:spcBef>
+              <a:spcAft>
+                <a:spcPct val="0"/>
+              </a:spcAft>
+              <a:defRPr sz="1400">
+                <a:solidFill>
+                  <a:schemeClr val="tx1"/>
+                </a:solidFill>
+                <a:latin typeface="Arial" charset="0"/>
+                <a:cs typeface="+mn-cs"/>
+              </a:defRPr>
+            </a:lvl9pPr>
+          </a:lstStyle>
+          <a:p>
+            <a:r>
+              <a:rPr lang="en-US" sz="1600" b="1" dirty="0" err="1"/>
+              <a:t>lrPredictions</a:t>
+            </a:r>
+            <a:r>
+              <a:rPr lang="en-US" sz="1600" b="1" dirty="0"/>
+              <a:t> = </a:t>
+            </a:r>
+            <a:r>
+              <a:rPr lang="en-US" sz="1600" b="1" dirty="0" err="1"/>
+              <a:t>lrModel.transform</a:t>
+            </a:r>
+            <a:r>
+              <a:rPr lang="en-US" sz="1600" b="1" dirty="0"/>
+              <a:t>(test)</a:t>
+            </a:r>
+          </a:p>
+          <a:p>
+            <a:r>
+              <a:rPr lang="en-US" sz="1600" b="1" dirty="0"/>
+              <a:t>display(</a:t>
+            </a:r>
+            <a:r>
+              <a:rPr lang="en-US" sz="1600" b="1" dirty="0" err="1"/>
+              <a:t>lrPredictions.select</a:t>
+            </a:r>
+            <a:r>
+              <a:rPr lang="en-US" sz="1600" b="1" dirty="0"/>
+              <a:t>("</a:t>
+            </a:r>
+            <a:r>
+              <a:rPr lang="en-US" sz="1600" b="1" dirty="0" err="1"/>
+              <a:t>prediction","target","features</a:t>
+            </a:r>
+            <a:r>
+              <a:rPr lang="en-US" sz="1600" b="1" dirty="0"/>
+              <a:t>"), 30)</a:t>
+            </a:r>
+          </a:p>
+          <a:p>
+            <a:r>
+              <a:rPr lang="en-US" sz="1600" b="1" dirty="0"/>
+              <a:t>from </a:t>
+            </a:r>
+            <a:r>
+              <a:rPr lang="en-US" sz="1600" b="1" dirty="0" err="1"/>
+              <a:t>pyspark.ml.evaluation</a:t>
+            </a:r>
+            <a:r>
+              <a:rPr lang="en-US" sz="1600" b="1" dirty="0"/>
+              <a:t> import </a:t>
+            </a:r>
+            <a:r>
+              <a:rPr lang="en-US" sz="1600" b="1" dirty="0" err="1"/>
+              <a:t>RegressionEvaluator</a:t>
+            </a:r>
+            <a:endParaRPr lang="en-US" sz="1600" b="1" dirty="0"/>
+          </a:p>
+          <a:p>
+            <a:r>
+              <a:rPr lang="en-US" sz="1600" b="1" dirty="0" err="1"/>
+              <a:t>lrEvaluator</a:t>
+            </a:r>
+            <a:r>
+              <a:rPr lang="en-US" sz="1600" b="1" dirty="0"/>
+              <a:t> = </a:t>
+            </a:r>
+            <a:r>
+              <a:rPr lang="en-US" sz="1600" b="1" dirty="0" err="1"/>
+              <a:t>RegressionEvaluator</a:t>
+            </a:r>
+            <a:r>
+              <a:rPr lang="en-US" sz="1600" b="1" dirty="0"/>
+              <a:t>(</a:t>
+            </a:r>
+            <a:r>
+              <a:rPr lang="en-US" sz="1600" b="1" dirty="0" err="1"/>
+              <a:t>predictionCol</a:t>
+            </a:r>
+            <a:r>
+              <a:rPr lang="en-US" sz="1600" b="1" dirty="0"/>
+              <a:t>="prediction", \</a:t>
+            </a:r>
+            <a:br>
+              <a:rPr lang="en-US" sz="1600" b="1" dirty="0"/>
+            </a:br>
+            <a:r>
+              <a:rPr lang="en-US" sz="1600" b="1" dirty="0"/>
+              <a:t>            </a:t>
+            </a:r>
+            <a:r>
+              <a:rPr lang="en-US" sz="1600" b="1" dirty="0" err="1"/>
+              <a:t>labelCol</a:t>
+            </a:r>
+            <a:r>
+              <a:rPr lang="en-US" sz="1600" b="1" dirty="0"/>
+              <a:t>="target",</a:t>
+            </a:r>
+            <a:r>
+              <a:rPr lang="en-US" sz="1600" b="1" dirty="0" err="1"/>
+              <a:t>metricName</a:t>
+            </a:r>
+            <a:r>
+              <a:rPr lang="en-US" sz="1600" b="1" dirty="0"/>
+              <a:t>="r2")</a:t>
+            </a:r>
+          </a:p>
+          <a:p>
+            <a:r>
+              <a:rPr lang="en-US" sz="1600" b="1" dirty="0" err="1"/>
+              <a:t>testResult</a:t>
+            </a:r>
+            <a:r>
+              <a:rPr lang="en-US" sz="1600" b="1" dirty="0"/>
+              <a:t> = </a:t>
+            </a:r>
+            <a:r>
+              <a:rPr lang="en-US" sz="1600" b="1" dirty="0" err="1"/>
+              <a:t>lrModel.evaluate</a:t>
+            </a:r>
+            <a:r>
+              <a:rPr lang="en-US" sz="1600" b="1" dirty="0"/>
+              <a:t>(test)</a:t>
+            </a:r>
+          </a:p>
+          <a:p>
+            <a:r>
+              <a:rPr lang="en-US" sz="1600" b="1" dirty="0"/>
+              <a:t>print("Root Mean Squared Error on Test set: {}" \</a:t>
+            </a:r>
+            <a:br>
+              <a:rPr lang="en-US" sz="1600" b="1" dirty="0"/>
+            </a:br>
+            <a:r>
+              <a:rPr lang="en-US" sz="1600" b="1" dirty="0"/>
+              <a:t>            .format(</a:t>
+            </a:r>
+            <a:r>
+              <a:rPr lang="en-US" sz="1600" b="1" dirty="0" err="1"/>
+              <a:t>testResult.rootMeanSquaredError</a:t>
+            </a:r>
+            <a:r>
+              <a:rPr lang="en-US" sz="1600" b="1" dirty="0"/>
+              <a:t>))</a:t>
+            </a:r>
+          </a:p>
+        </p:txBody>
+      </p:sp>
+    </p:spTree>
+    <p:extLst>
+      <p:ext uri="{BB962C8B-B14F-4D97-AF65-F5344CB8AC3E}">
+        <p14:creationId xmlns:p14="http://schemas.microsoft.com/office/powerpoint/2010/main" val="745644741"/>
+      </p:ext>
+    </p:extLst>
+  </p:cSld>
+  <p:clrMapOvr>
+    <a:masterClrMapping/>
+  </p:clrMapOvr>
+</p:sld>
+</file>
+
+<file path=ppt/slides/slide18.xml><?xml version="1.0" encoding="utf-8"?>
+<p:sld xmlns:a="http://schemas.openxmlformats.org/drawingml/2006/main" xmlns:r="http://schemas.openxmlformats.org/officeDocument/2006/relationships" xmlns:p="http://schemas.openxmlformats.org/presentationml/2006/main">
+  <p:cSld>
+    <p:spTree>
+      <p:nvGrpSpPr>
+        <p:cNvPr id="1" name=""/>
+        <p:cNvGrpSpPr/>
+        <p:nvPr/>
+      </p:nvGrpSpPr>
+      <p:grpSpPr>
+        <a:xfrm>
+          <a:off x="0" y="0"/>
+          <a:ext cx="0" cy="0"/>
+          <a:chOff x="0" y="0"/>
+          <a:chExt cx="0" cy="0"/>
+        </a:xfrm>
+      </p:grpSpPr>
+      <p:sp>
+        <p:nvSpPr>
+          <p:cNvPr id="2" name="Title 1"/>
+          <p:cNvSpPr>
+            <a:spLocks noGrp="1"/>
+          </p:cNvSpPr>
+          <p:nvPr>
+            <p:ph type="title"/>
+          </p:nvPr>
+        </p:nvSpPr>
+        <p:spPr/>
+        <p:txBody>
+          <a:bodyPr/>
+          <a:lstStyle/>
+          <a:p>
+            <a:r>
+              <a:rPr lang="en-US" dirty="0"/>
+              <a:t>Chapter Concepts</a:t>
+            </a:r>
+          </a:p>
+        </p:txBody>
+      </p:sp>
+      <p:graphicFrame>
+        <p:nvGraphicFramePr>
+          <p:cNvPr id="8" name="Table 7">
+            <a:extLst>
+              <a:ext uri="{FF2B5EF4-FFF2-40B4-BE49-F238E27FC236}">
+                <a16:creationId xmlns:a16="http://schemas.microsoft.com/office/drawing/2014/main" id="{26EFAC43-4F5B-4E07-9D45-7CCB1713DC7C}"/>
+              </a:ext>
+            </a:extLst>
+          </p:cNvPr>
+          <p:cNvGraphicFramePr>
+            <a:graphicFrameLocks noGrp="1"/>
+          </p:cNvGraphicFramePr>
+          <p:nvPr>
+            <p:extLst>
+              <p:ext uri="{D42A27DB-BD31-4B8C-83A1-F6EECF244321}">
+                <p14:modId xmlns:p14="http://schemas.microsoft.com/office/powerpoint/2010/main" val="394618915"/>
+              </p:ext>
+            </p:extLst>
+          </p:nvPr>
+        </p:nvGraphicFramePr>
+        <p:xfrm>
+          <a:off x="2880360" y="1447543"/>
+          <a:ext cx="3383280" cy="2194560"/>
+        </p:xfrm>
+        <a:graphic>
+          <a:graphicData uri="http://schemas.openxmlformats.org/drawingml/2006/table">
+            <a:tbl>
+              <a:tblPr>
+                <a:tableStyleId>{00A15C55-8517-42AA-B614-E9B94910E393}</a:tableStyleId>
+              </a:tblPr>
+              <a:tblGrid>
+                <a:gridCol w="3383280">
+                  <a:extLst>
+                    <a:ext uri="{9D8B030D-6E8A-4147-A177-3AD203B41FA5}">
+                      <a16:colId xmlns:a16="http://schemas.microsoft.com/office/drawing/2014/main" val="1695728431"/>
+                    </a:ext>
+                  </a:extLst>
+                </a:gridCol>
+              </a:tblGrid>
+              <a:tr h="548640">
+                <a:tc>
+                  <a:txBody>
+                    <a:bodyPr/>
+                    <a:lstStyle/>
+                    <a:p>
+                      <a:pPr>
+                        <a:lnSpc>
+                          <a:spcPct val="100000"/>
+                        </a:lnSpc>
+                        <a:spcAft>
+                          <a:spcPts val="0"/>
+                        </a:spcAft>
+                      </a:pPr>
+                      <a:r>
+                        <a:rPr lang="en-US" sz="2000" b="0" dirty="0">
+                          <a:solidFill>
+                            <a:schemeClr val="bg2"/>
+                          </a:solidFill>
+                        </a:rPr>
+                        <a:t>Regression Analysis</a:t>
+                      </a:r>
+                    </a:p>
+                  </a:txBody>
+                  <a:tcPr anchor="ctr">
+                    <a:lnT w="12700" cap="flat" cmpd="sng" algn="ctr">
+                      <a:solidFill>
+                        <a:schemeClr val="bg1">
+                          <a:lumMod val="65000"/>
+                        </a:schemeClr>
+                      </a:solidFill>
+                      <a:prstDash val="solid"/>
+                      <a:round/>
+                      <a:headEnd type="none" w="med" len="med"/>
+                      <a:tailEnd type="none" w="med" len="med"/>
+                    </a:lnT>
+                    <a:lnB w="12700" cap="flat" cmpd="sng" algn="ctr">
+                      <a:solidFill>
+                        <a:schemeClr val="bg1">
+                          <a:lumMod val="65000"/>
+                        </a:schemeClr>
+                      </a:solidFill>
+                      <a:prstDash val="solid"/>
+                      <a:round/>
+                      <a:headEnd type="none" w="med" len="med"/>
+                      <a:tailEnd type="none" w="med" len="med"/>
+                    </a:lnB>
+                    <a:noFill/>
+                  </a:tcPr>
+                </a:tc>
+                <a:extLst>
+                  <a:ext uri="{0D108BD9-81ED-4DB2-BD59-A6C34878D82A}">
+                    <a16:rowId xmlns:a16="http://schemas.microsoft.com/office/drawing/2014/main" val="1924402624"/>
+                  </a:ext>
+                </a:extLst>
+              </a:tr>
+              <a:tr h="548640">
+                <a:tc>
+                  <a:txBody>
+                    <a:bodyPr/>
+                    <a:lstStyle/>
+                    <a:p>
+                      <a:pPr marL="0" marR="0" lvl="0" indent="0" algn="l" defTabSz="914400" rtl="0" eaLnBrk="1" fontAlgn="auto" latinLnBrk="0" hangingPunct="1">
+                        <a:lnSpc>
+                          <a:spcPct val="100000"/>
+                        </a:lnSpc>
+                        <a:spcBef>
+                          <a:spcPts val="0"/>
+                        </a:spcBef>
+                        <a:spcAft>
+                          <a:spcPts val="0"/>
+                        </a:spcAft>
+                        <a:buClrTx/>
+                        <a:buSzTx/>
+                        <a:buFontTx/>
+                        <a:buNone/>
+                        <a:tabLst/>
+                        <a:defRPr/>
+                      </a:pPr>
+                      <a:r>
+                        <a:rPr lang="en-US" sz="2000" dirty="0">
+                          <a:solidFill>
+                            <a:schemeClr val="bg1">
+                              <a:lumMod val="65000"/>
+                            </a:schemeClr>
+                          </a:solidFill>
+                        </a:rPr>
+                        <a:t>Data Preparation</a:t>
+                      </a:r>
+                    </a:p>
+                  </a:txBody>
+                  <a:tcPr anchor="ctr">
+                    <a:lnT w="12700" cap="flat" cmpd="sng" algn="ctr">
+                      <a:solidFill>
+                        <a:schemeClr val="bg1">
+                          <a:lumMod val="65000"/>
+                        </a:schemeClr>
+                      </a:solidFill>
+                      <a:prstDash val="solid"/>
+                      <a:round/>
+                      <a:headEnd type="none" w="med" len="med"/>
+                      <a:tailEnd type="none" w="med" len="med"/>
+                    </a:lnT>
+                    <a:lnB w="12700" cap="flat" cmpd="sng" algn="ctr">
+                      <a:solidFill>
+                        <a:schemeClr val="bg1">
+                          <a:lumMod val="65000"/>
+                        </a:schemeClr>
+                      </a:solidFill>
+                      <a:prstDash val="solid"/>
+                      <a:round/>
+                      <a:headEnd type="none" w="med" len="med"/>
+                      <a:tailEnd type="none" w="med" len="med"/>
+                    </a:lnB>
+                    <a:noFill/>
+                  </a:tcPr>
+                </a:tc>
+                <a:extLst>
+                  <a:ext uri="{0D108BD9-81ED-4DB2-BD59-A6C34878D82A}">
+                    <a16:rowId xmlns:a16="http://schemas.microsoft.com/office/drawing/2014/main" val="3686931139"/>
+                  </a:ext>
+                </a:extLst>
+              </a:tr>
+              <a:tr h="548640">
+                <a:tc>
+                  <a:txBody>
+                    <a:bodyPr/>
+                    <a:lstStyle/>
+                    <a:p>
+                      <a:pPr>
+                        <a:lnSpc>
+                          <a:spcPct val="100000"/>
+                        </a:lnSpc>
+                        <a:spcAft>
+                          <a:spcPts val="0"/>
+                        </a:spcAft>
+                      </a:pPr>
+                      <a:r>
+                        <a:rPr lang="en-US" sz="2000" b="0" dirty="0">
+                          <a:solidFill>
+                            <a:schemeClr val="bg2"/>
                           </a:solidFill>
                         </a:rPr>
                         <a:t>Algorithms</a:t>
@@ -8312,7 +10993,7 @@
     </p:spTree>
     <p:extLst>
       <p:ext uri="{BB962C8B-B14F-4D97-AF65-F5344CB8AC3E}">
-        <p14:creationId xmlns:p14="http://schemas.microsoft.com/office/powerpoint/2010/main" val="460865425"/>
+        <p14:creationId xmlns:p14="http://schemas.microsoft.com/office/powerpoint/2010/main" val="399290490"/>
       </p:ext>
     </p:extLst>
   </p:cSld>
@@ -8322,7 +11003,7 @@
 </p:sld>
 </file>
 
-<file path=ppt/slides/slide14.xml><?xml version="1.0" encoding="utf-8"?>
+<file path=ppt/slides/slide19.xml><?xml version="1.0" encoding="utf-8"?>
 <p:sld xmlns:a="http://schemas.openxmlformats.org/drawingml/2006/main" xmlns:r="http://schemas.openxmlformats.org/officeDocument/2006/relationships" xmlns:p="http://schemas.openxmlformats.org/presentationml/2006/main">
   <p:cSld>
     <p:spTree>
@@ -8386,13 +11067,9 @@
             </a:r>
           </a:p>
           <a:p>
-            <a:pPr lvl="1"/>
-            <a:r>
-              <a:rPr lang="en-US" dirty="0"/>
-              <a:t>Non-linear regression</a:t>
-            </a:r>
-          </a:p>
-          <a:p>
+            <a:pPr marL="0" indent="0">
+              <a:buNone/>
+            </a:pPr>
             <a:endParaRPr lang="en-US" dirty="0"/>
           </a:p>
         </p:txBody>
@@ -8423,124 +11100,6 @@
     <p:extLst>
       <p:ext uri="{BB962C8B-B14F-4D97-AF65-F5344CB8AC3E}">
         <p14:creationId xmlns:p14="http://schemas.microsoft.com/office/powerpoint/2010/main" val="672070925"/>
-      </p:ext>
-    </p:extLst>
-  </p:cSld>
-  <p:clrMapOvr>
-    <a:masterClrMapping/>
-  </p:clrMapOvr>
-</p:sld>
-</file>
-
-<file path=ppt/slides/slide15.xml><?xml version="1.0" encoding="utf-8"?>
-<p:sld xmlns:a="http://schemas.openxmlformats.org/drawingml/2006/main" xmlns:r="http://schemas.openxmlformats.org/officeDocument/2006/relationships" xmlns:p="http://schemas.openxmlformats.org/presentationml/2006/main">
-  <p:cSld>
-    <p:spTree>
-      <p:nvGrpSpPr>
-        <p:cNvPr id="1" name=""/>
-        <p:cNvGrpSpPr/>
-        <p:nvPr/>
-      </p:nvGrpSpPr>
-      <p:grpSpPr>
-        <a:xfrm>
-          <a:off x="0" y="0"/>
-          <a:ext cx="0" cy="0"/>
-          <a:chOff x="0" y="0"/>
-          <a:chExt cx="0" cy="0"/>
-        </a:xfrm>
-      </p:grpSpPr>
-      <p:sp>
-        <p:nvSpPr>
-          <p:cNvPr id="5" name="Content Placeholder 4"/>
-          <p:cNvSpPr>
-            <a:spLocks noGrp="1"/>
-          </p:cNvSpPr>
-          <p:nvPr>
-            <p:ph idx="1"/>
-          </p:nvPr>
-        </p:nvSpPr>
-        <p:spPr/>
-        <p:txBody>
-          <a:bodyPr/>
-          <a:lstStyle/>
-          <a:p>
-            <a:pPr marL="0" indent="0">
-              <a:buNone/>
-            </a:pPr>
-            <a:r>
-              <a:rPr lang="en-US" dirty="0"/>
-              <a:t>In this chapter, we have:</a:t>
-            </a:r>
-          </a:p>
-          <a:p>
-            <a:r>
-              <a:rPr lang="en-US" dirty="0"/>
-              <a:t>Introduced Linear Regression</a:t>
-            </a:r>
-          </a:p>
-          <a:p>
-            <a:r>
-              <a:rPr lang="en-US" dirty="0"/>
-              <a:t>Compared two algorithms</a:t>
-            </a:r>
-          </a:p>
-          <a:p>
-            <a:pPr lvl="1"/>
-            <a:r>
-              <a:rPr lang="en-US" dirty="0"/>
-              <a:t>Scikit-learn</a:t>
-            </a:r>
-          </a:p>
-          <a:p>
-            <a:pPr lvl="1"/>
-            <a:r>
-              <a:rPr lang="en-US" dirty="0"/>
-              <a:t>Statsmodel</a:t>
-            </a:r>
-          </a:p>
-          <a:p>
-            <a:pPr marL="0" indent="0">
-              <a:buNone/>
-            </a:pPr>
-            <a:endParaRPr lang="en-US" dirty="0"/>
-          </a:p>
-          <a:p>
-            <a:endParaRPr lang="en-US" dirty="0"/>
-          </a:p>
-          <a:p>
-            <a:pPr marL="0" indent="0">
-              <a:buNone/>
-            </a:pPr>
-            <a:endParaRPr lang="en-US" dirty="0"/>
-          </a:p>
-        </p:txBody>
-      </p:sp>
-      <p:sp>
-        <p:nvSpPr>
-          <p:cNvPr id="4" name="Title 3"/>
-          <p:cNvSpPr>
-            <a:spLocks noGrp="1"/>
-          </p:cNvSpPr>
-          <p:nvPr>
-            <p:ph type="title"/>
-          </p:nvPr>
-        </p:nvSpPr>
-        <p:spPr/>
-        <p:txBody>
-          <a:bodyPr/>
-          <a:lstStyle/>
-          <a:p>
-            <a:r>
-              <a:rPr lang="en-US" dirty="0"/>
-              <a:t>Chapter Objectives</a:t>
-            </a:r>
-          </a:p>
-        </p:txBody>
-      </p:sp>
-    </p:spTree>
-    <p:extLst>
-      <p:ext uri="{BB962C8B-B14F-4D97-AF65-F5344CB8AC3E}">
-        <p14:creationId xmlns:p14="http://schemas.microsoft.com/office/powerpoint/2010/main" val="264703681"/>
       </p:ext>
     </p:extLst>
   </p:cSld>
@@ -8599,21 +11158,13 @@
           <a:p>
             <a:r>
               <a:rPr lang="en-US" dirty="0"/>
-              <a:t>Compare two algorithms</a:t>
-            </a:r>
-          </a:p>
-          <a:p>
-            <a:pPr lvl="1"/>
+              <a:t>Data preparation</a:t>
+            </a:r>
+          </a:p>
+          <a:p>
             <a:r>
               <a:rPr lang="en-US" dirty="0"/>
-              <a:t>Scikit-learn</a:t>
-            </a:r>
-          </a:p>
-          <a:p>
-            <a:pPr lvl="1"/>
-            <a:r>
-              <a:rPr lang="en-US" dirty="0"/>
-              <a:t>Statsmodel</a:t>
+              <a:t>Train and test regression model</a:t>
             </a:r>
           </a:p>
           <a:p>
@@ -8659,6 +11210,124 @@
     <p:extLst>
       <p:ext uri="{BB962C8B-B14F-4D97-AF65-F5344CB8AC3E}">
         <p14:creationId xmlns:p14="http://schemas.microsoft.com/office/powerpoint/2010/main" val="1685483045"/>
+      </p:ext>
+    </p:extLst>
+  </p:cSld>
+  <p:clrMapOvr>
+    <a:masterClrMapping/>
+  </p:clrMapOvr>
+</p:sld>
+</file>
+
+<file path=ppt/slides/slide20.xml><?xml version="1.0" encoding="utf-8"?>
+<p:sld xmlns:a="http://schemas.openxmlformats.org/drawingml/2006/main" xmlns:r="http://schemas.openxmlformats.org/officeDocument/2006/relationships" xmlns:p="http://schemas.openxmlformats.org/presentationml/2006/main">
+  <p:cSld>
+    <p:spTree>
+      <p:nvGrpSpPr>
+        <p:cNvPr id="1" name=""/>
+        <p:cNvGrpSpPr/>
+        <p:nvPr/>
+      </p:nvGrpSpPr>
+      <p:grpSpPr>
+        <a:xfrm>
+          <a:off x="0" y="0"/>
+          <a:ext cx="0" cy="0"/>
+          <a:chOff x="0" y="0"/>
+          <a:chExt cx="0" cy="0"/>
+        </a:xfrm>
+      </p:grpSpPr>
+      <p:sp>
+        <p:nvSpPr>
+          <p:cNvPr id="5" name="Content Placeholder 4"/>
+          <p:cNvSpPr>
+            <a:spLocks noGrp="1"/>
+          </p:cNvSpPr>
+          <p:nvPr>
+            <p:ph idx="1"/>
+          </p:nvPr>
+        </p:nvSpPr>
+        <p:spPr/>
+        <p:txBody>
+          <a:bodyPr/>
+          <a:lstStyle/>
+          <a:p>
+            <a:pPr marL="0" indent="0">
+              <a:buNone/>
+            </a:pPr>
+            <a:r>
+              <a:rPr lang="en-US" dirty="0"/>
+              <a:t>In this chapter, we have:</a:t>
+            </a:r>
+          </a:p>
+          <a:p>
+            <a:r>
+              <a:rPr lang="en-US" dirty="0"/>
+              <a:t>Introduced Linear Regression</a:t>
+            </a:r>
+          </a:p>
+          <a:p>
+            <a:r>
+              <a:rPr lang="en-US" dirty="0"/>
+              <a:t>Compared two algorithms</a:t>
+            </a:r>
+          </a:p>
+          <a:p>
+            <a:pPr lvl="1"/>
+            <a:r>
+              <a:rPr lang="en-US" dirty="0"/>
+              <a:t>Scikit-learn</a:t>
+            </a:r>
+          </a:p>
+          <a:p>
+            <a:pPr lvl="1"/>
+            <a:r>
+              <a:rPr lang="en-US" dirty="0"/>
+              <a:t>Statsmodel</a:t>
+            </a:r>
+          </a:p>
+          <a:p>
+            <a:pPr marL="0" indent="0">
+              <a:buNone/>
+            </a:pPr>
+            <a:endParaRPr lang="en-US" dirty="0"/>
+          </a:p>
+          <a:p>
+            <a:endParaRPr lang="en-US" dirty="0"/>
+          </a:p>
+          <a:p>
+            <a:pPr marL="0" indent="0">
+              <a:buNone/>
+            </a:pPr>
+            <a:endParaRPr lang="en-US" dirty="0"/>
+          </a:p>
+        </p:txBody>
+      </p:sp>
+      <p:sp>
+        <p:nvSpPr>
+          <p:cNvPr id="4" name="Title 3"/>
+          <p:cNvSpPr>
+            <a:spLocks noGrp="1"/>
+          </p:cNvSpPr>
+          <p:nvPr>
+            <p:ph type="title"/>
+          </p:nvPr>
+        </p:nvSpPr>
+        <p:spPr/>
+        <p:txBody>
+          <a:bodyPr/>
+          <a:lstStyle/>
+          <a:p>
+            <a:r>
+              <a:rPr lang="en-US" dirty="0"/>
+              <a:t>Chapter Objectives</a:t>
+            </a:r>
+          </a:p>
+        </p:txBody>
+      </p:sp>
+    </p:spTree>
+    <p:extLst>
+      <p:ext uri="{BB962C8B-B14F-4D97-AF65-F5344CB8AC3E}">
+        <p14:creationId xmlns:p14="http://schemas.microsoft.com/office/powerpoint/2010/main" val="264703681"/>
       </p:ext>
     </p:extLst>
   </p:cSld>
@@ -8722,14 +11391,14 @@
           <p:nvPr>
             <p:extLst>
               <p:ext uri="{D42A27DB-BD31-4B8C-83A1-F6EECF244321}">
-                <p14:modId xmlns:p14="http://schemas.microsoft.com/office/powerpoint/2010/main" val="1382443471"/>
+                <p14:modId xmlns:p14="http://schemas.microsoft.com/office/powerpoint/2010/main" val="2732783578"/>
               </p:ext>
             </p:extLst>
           </p:nvPr>
         </p:nvGraphicFramePr>
         <p:xfrm>
           <a:off x="2880360" y="1447543"/>
-          <a:ext cx="3383280" cy="1645920"/>
+          <a:ext cx="3383280" cy="2194560"/>
         </p:xfrm>
         <a:graphic>
           <a:graphicData uri="http://schemas.openxmlformats.org/drawingml/2006/table">
@@ -8799,6 +11468,73 @@
                 <a:extLst>
                   <a:ext uri="{0D108BD9-81ED-4DB2-BD59-A6C34878D82A}">
                     <a16:rowId xmlns:a16="http://schemas.microsoft.com/office/drawing/2014/main" val="1924402624"/>
+                  </a:ext>
+                </a:extLst>
+              </a:tr>
+              <a:tr h="548640">
+                <a:tc>
+                  <a:txBody>
+                    <a:bodyPr/>
+                    <a:lstStyle/>
+                    <a:p>
+                      <a:pPr marL="0" marR="0" lvl="0" indent="0" algn="l" defTabSz="914400" rtl="0" eaLnBrk="1" fontAlgn="auto" latinLnBrk="0" hangingPunct="1">
+                        <a:lnSpc>
+                          <a:spcPct val="100000"/>
+                        </a:lnSpc>
+                        <a:spcBef>
+                          <a:spcPts val="0"/>
+                        </a:spcBef>
+                        <a:spcAft>
+                          <a:spcPts val="0"/>
+                        </a:spcAft>
+                        <a:buClrTx/>
+                        <a:buSzTx/>
+                        <a:buFontTx/>
+                        <a:buNone/>
+                        <a:tabLst/>
+                        <a:defRPr/>
+                      </a:pPr>
+                      <a:r>
+                        <a:rPr lang="en-US" sz="2000" dirty="0">
+                          <a:solidFill>
+                            <a:schemeClr val="bg1">
+                              <a:lumMod val="65000"/>
+                            </a:schemeClr>
+                          </a:solidFill>
+                        </a:rPr>
+                        <a:t>Data Preparation</a:t>
+                      </a:r>
+                    </a:p>
+                  </a:txBody>
+                  <a:tcPr anchor="ctr">
+                    <a:lnT w="12700" cap="flat" cmpd="sng" algn="ctr">
+                      <a:solidFill>
+                        <a:schemeClr val="bg1">
+                          <a:lumMod val="65000"/>
+                        </a:schemeClr>
+                      </a:solidFill>
+                      <a:prstDash val="solid"/>
+                      <a:round/>
+                      <a:headEnd type="none" w="med" len="med"/>
+                      <a:tailEnd type="none" w="med" len="med"/>
+                    </a:lnT>
+                    <a:lnB w="12700" cap="flat" cmpd="sng" algn="ctr">
+                      <a:solidFill>
+                        <a:schemeClr val="bg1">
+                          <a:lumMod val="65000"/>
+                        </a:schemeClr>
+                      </a:solidFill>
+                      <a:prstDash val="solid"/>
+                      <a:round/>
+                      <a:headEnd type="none" w="med" len="med"/>
+                      <a:tailEnd type="none" w="med" len="med"/>
+                    </a:lnB>
+                    <a:noFill/>
+                  </a:tcPr>
+                </a:tc>
+                <a:extLst>
+                  <a:ext uri="{0D108BD9-81ED-4DB2-BD59-A6C34878D82A}">
+                    <a16:rowId xmlns:a16="http://schemas.microsoft.com/office/drawing/2014/main" val="3686931139"/>
                   </a:ext>
                 </a:extLst>
               </a:tr>
@@ -8925,7 +11661,7 @@
     </p:spTree>
     <p:extLst>
       <p:ext uri="{BB962C8B-B14F-4D97-AF65-F5344CB8AC3E}">
-        <p14:creationId xmlns:p14="http://schemas.microsoft.com/office/powerpoint/2010/main" val="207521694"/>
+        <p14:creationId xmlns:p14="http://schemas.microsoft.com/office/powerpoint/2010/main" val="2601871858"/>
       </p:ext>
     </p:extLst>
   </p:cSld>
@@ -9334,86 +12070,6 @@
       </p:grpSpPr>
       <p:sp>
         <p:nvSpPr>
-          <p:cNvPr id="3" name="Content Placeholder 2"/>
-          <p:cNvSpPr>
-            <a:spLocks noGrp="1"/>
-          </p:cNvSpPr>
-          <p:nvPr>
-            <p:ph idx="1"/>
-          </p:nvPr>
-        </p:nvSpPr>
-        <p:spPr/>
-        <p:txBody>
-          <a:bodyPr/>
-          <a:lstStyle/>
-          <a:p>
-            <a:r>
-              <a:rPr lang="en-US" dirty="0"/>
-              <a:t>For our examples, let’s use a public data set of housing data</a:t>
-            </a:r>
-          </a:p>
-          <a:p>
-            <a:endParaRPr lang="en-US" dirty="0"/>
-          </a:p>
-          <a:p>
-            <a:endParaRPr lang="en-US" dirty="0"/>
-          </a:p>
-          <a:p>
-            <a:endParaRPr lang="en-US" dirty="0"/>
-          </a:p>
-          <a:p>
-            <a:endParaRPr lang="en-US" dirty="0"/>
-          </a:p>
-          <a:p>
-            <a:endParaRPr lang="en-US" dirty="0"/>
-          </a:p>
-          <a:p>
-            <a:r>
-              <a:rPr lang="en-US" dirty="0"/>
-              <a:t>The data has no categorical </a:t>
-            </a:r>
-            <a:br>
-              <a:rPr lang="en-US" dirty="0"/>
-            </a:br>
-            <a:r>
-              <a:rPr lang="en-US" dirty="0"/>
-              <a:t>columns but does have an </a:t>
-            </a:r>
-            <a:br>
-              <a:rPr lang="en-US" dirty="0"/>
-            </a:br>
-            <a:r>
-              <a:rPr lang="en-US" dirty="0"/>
-              <a:t>address we will ignore</a:t>
-            </a:r>
-          </a:p>
-          <a:p>
-            <a:r>
-              <a:rPr lang="en-US" dirty="0"/>
-              <a:t>Plotting the distribution of </a:t>
-            </a:r>
-            <a:br>
-              <a:rPr lang="en-US" dirty="0"/>
-            </a:br>
-            <a:r>
-              <a:rPr lang="en-US" dirty="0"/>
-              <a:t>Prices shows that they are </a:t>
-            </a:r>
-            <a:br>
-              <a:rPr lang="en-US" dirty="0"/>
-            </a:br>
-            <a:r>
-              <a:rPr lang="en-US" dirty="0"/>
-              <a:t>normally distributed</a:t>
-            </a:r>
-          </a:p>
-          <a:p>
-            <a:endParaRPr lang="en-US" dirty="0"/>
-          </a:p>
-        </p:txBody>
-      </p:sp>
-      <p:sp>
-        <p:nvSpPr>
           <p:cNvPr id="2" name="Title 1"/>
           <p:cNvSpPr>
             <a:spLocks noGrp="1"/>
@@ -9429,285 +12085,6 @@
           <a:p>
             <a:r>
               <a:rPr lang="en-US" dirty="0"/>
-              <a:t>Dataset</a:t>
-            </a:r>
-          </a:p>
-        </p:txBody>
-      </p:sp>
-      <p:sp>
-        <p:nvSpPr>
-          <p:cNvPr id="4" name="TextBox 3">
-            <a:extLst>
-              <a:ext uri="{FF2B5EF4-FFF2-40B4-BE49-F238E27FC236}">
-                <a16:creationId xmlns:a16="http://schemas.microsoft.com/office/drawing/2014/main" id="{B25BD5BC-E8B9-4540-A404-A5C6B4AFC25D}"/>
-              </a:ext>
-            </a:extLst>
-          </p:cNvPr>
-          <p:cNvSpPr txBox="1"/>
-          <p:nvPr/>
-        </p:nvSpPr>
-        <p:spPr>
-          <a:xfrm>
-            <a:off x="1741537" y="1580326"/>
-            <a:ext cx="5660926" cy="1815882"/>
-          </a:xfrm>
-          <a:prstGeom prst="rect">
-            <a:avLst/>
-          </a:prstGeom>
-          <a:noFill/>
-          <a:ln w="28575" algn="ctr">
-            <a:solidFill>
-              <a:schemeClr val="accent2">
-                <a:lumMod val="20000"/>
-                <a:lumOff val="80000"/>
-              </a:schemeClr>
-            </a:solidFill>
-            <a:miter lim="800000"/>
-            <a:headEnd/>
-            <a:tailEnd/>
-          </a:ln>
-          <a:effectLst/>
-        </p:spPr>
-        <p:txBody>
-          <a:bodyPr wrap="square">
-            <a:spAutoFit/>
-          </a:bodyPr>
-          <a:lstStyle>
-            <a:defPPr>
-              <a:defRPr lang="en-US"/>
-            </a:defPPr>
-            <a:lvl1pPr marL="0" defTabSz="914400" eaLnBrk="1" latinLnBrk="0" hangingPunct="1">
-              <a:defRPr sz="1400">
-                <a:solidFill>
-                  <a:schemeClr val="tx1"/>
-                </a:solidFill>
-                <a:latin typeface="Courier New" pitchFamily="49" charset="0"/>
-                <a:cs typeface="+mn-cs"/>
-              </a:defRPr>
-            </a:lvl1pPr>
-            <a:lvl2pPr marL="742950" indent="-285750" defTabSz="914400" latinLnBrk="0">
-              <a:defRPr sz="1400">
-                <a:solidFill>
-                  <a:schemeClr val="tx1"/>
-                </a:solidFill>
-                <a:latin typeface="Arial" charset="0"/>
-                <a:cs typeface="+mn-cs"/>
-              </a:defRPr>
-            </a:lvl2pPr>
-            <a:lvl3pPr marL="1143000" indent="-228600" defTabSz="914400" latinLnBrk="0">
-              <a:defRPr sz="1400">
-                <a:solidFill>
-                  <a:schemeClr val="tx1"/>
-                </a:solidFill>
-                <a:latin typeface="Arial" charset="0"/>
-                <a:cs typeface="+mn-cs"/>
-              </a:defRPr>
-            </a:lvl3pPr>
-            <a:lvl4pPr marL="1600200" indent="-228600" defTabSz="914400" latinLnBrk="0">
-              <a:defRPr sz="1400">
-                <a:solidFill>
-                  <a:schemeClr val="tx1"/>
-                </a:solidFill>
-                <a:latin typeface="Arial" charset="0"/>
-                <a:cs typeface="+mn-cs"/>
-              </a:defRPr>
-            </a:lvl4pPr>
-            <a:lvl5pPr marL="2057400" indent="-228600" defTabSz="914400" latinLnBrk="0">
-              <a:defRPr sz="1400">
-                <a:solidFill>
-                  <a:schemeClr val="tx1"/>
-                </a:solidFill>
-                <a:latin typeface="Arial" charset="0"/>
-                <a:cs typeface="+mn-cs"/>
-              </a:defRPr>
-            </a:lvl5pPr>
-            <a:lvl6pPr marL="2514600" indent="-228600" eaLnBrk="0" fontAlgn="base" hangingPunct="0">
-              <a:spcBef>
-                <a:spcPct val="0"/>
-              </a:spcBef>
-              <a:spcAft>
-                <a:spcPct val="0"/>
-              </a:spcAft>
-              <a:defRPr sz="1400">
-                <a:solidFill>
-                  <a:schemeClr val="tx1"/>
-                </a:solidFill>
-                <a:latin typeface="Arial" charset="0"/>
-                <a:cs typeface="+mn-cs"/>
-              </a:defRPr>
-            </a:lvl6pPr>
-            <a:lvl7pPr marL="2971800" indent="-228600" eaLnBrk="0" fontAlgn="base" hangingPunct="0">
-              <a:spcBef>
-                <a:spcPct val="0"/>
-              </a:spcBef>
-              <a:spcAft>
-                <a:spcPct val="0"/>
-              </a:spcAft>
-              <a:defRPr sz="1400">
-                <a:solidFill>
-                  <a:schemeClr val="tx1"/>
-                </a:solidFill>
-                <a:latin typeface="Arial" charset="0"/>
-                <a:cs typeface="+mn-cs"/>
-              </a:defRPr>
-            </a:lvl7pPr>
-            <a:lvl8pPr marL="3429000" indent="-228600" eaLnBrk="0" fontAlgn="base" hangingPunct="0">
-              <a:spcBef>
-                <a:spcPct val="0"/>
-              </a:spcBef>
-              <a:spcAft>
-                <a:spcPct val="0"/>
-              </a:spcAft>
-              <a:defRPr sz="1400">
-                <a:solidFill>
-                  <a:schemeClr val="tx1"/>
-                </a:solidFill>
-                <a:latin typeface="Arial" charset="0"/>
-                <a:cs typeface="+mn-cs"/>
-              </a:defRPr>
-            </a:lvl8pPr>
-            <a:lvl9pPr marL="3886200" indent="-228600" eaLnBrk="0" fontAlgn="base" hangingPunct="0">
-              <a:spcBef>
-                <a:spcPct val="0"/>
-              </a:spcBef>
-              <a:spcAft>
-                <a:spcPct val="0"/>
-              </a:spcAft>
-              <a:defRPr sz="1400">
-                <a:solidFill>
-                  <a:schemeClr val="tx1"/>
-                </a:solidFill>
-                <a:latin typeface="Arial" charset="0"/>
-                <a:cs typeface="+mn-cs"/>
-              </a:defRPr>
-            </a:lvl9pPr>
-          </a:lstStyle>
-          <a:p>
-            <a:r>
-              <a:rPr lang="en-US" sz="1600" b="1" dirty="0"/>
-              <a:t>import pandas as pd</a:t>
-            </a:r>
-          </a:p>
-          <a:p>
-            <a:r>
-              <a:rPr lang="en-US" sz="1600" b="1" dirty="0"/>
-              <a:t>import matplotlib.pyplot as plt</a:t>
-            </a:r>
-          </a:p>
-          <a:p>
-            <a:r>
-              <a:rPr lang="en-US" sz="1600" b="1" dirty="0"/>
-              <a:t>import seaborn as sns</a:t>
-            </a:r>
-          </a:p>
-          <a:p>
-            <a:r>
-              <a:rPr lang="en-US" sz="1600" b="1" dirty="0"/>
-              <a:t>USAhousing = pd.read_csv('USA_Housing.csv')</a:t>
-            </a:r>
-          </a:p>
-          <a:p>
-            <a:r>
-              <a:rPr lang="en-US" sz="1600" b="1" dirty="0"/>
-              <a:t>print (USAhousing.columns)</a:t>
-            </a:r>
-          </a:p>
-          <a:p>
-            <a:r>
-              <a:rPr lang="en-US" sz="1600" b="1" dirty="0"/>
-              <a:t>print (USAhousing.head())</a:t>
-            </a:r>
-          </a:p>
-          <a:p>
-            <a:r>
-              <a:rPr lang="en-US" sz="1600" b="1" dirty="0"/>
-              <a:t>sns.distplot(USAhousing['Price'])</a:t>
-            </a:r>
-            <a:endParaRPr lang="en-US" sz="1600" dirty="0">
-              <a:latin typeface="Courier New" charset="0"/>
-              <a:ea typeface="Courier New" charset="0"/>
-              <a:cs typeface="Courier New" charset="0"/>
-            </a:endParaRPr>
-          </a:p>
-        </p:txBody>
-      </p:sp>
-      <p:pic>
-        <p:nvPicPr>
-          <p:cNvPr id="5" name="Picture 4"/>
-          <p:cNvPicPr>
-            <a:picLocks noChangeAspect="1"/>
-          </p:cNvPicPr>
-          <p:nvPr/>
-        </p:nvPicPr>
-        <p:blipFill>
-          <a:blip r:embed="rId3">
-            <a:extLst>
-              <a:ext uri="{28A0092B-C50C-407E-A947-70E740481C1C}">
-                <a14:useLocalDpi xmlns:a14="http://schemas.microsoft.com/office/drawing/2010/main" val="0"/>
-              </a:ext>
-            </a:extLst>
-          </a:blip>
-          <a:stretch>
-            <a:fillRect/>
-          </a:stretch>
-        </p:blipFill>
-        <p:spPr>
-          <a:xfrm>
-            <a:off x="4210431" y="3461793"/>
-            <a:ext cx="4352544" cy="2829924"/>
-          </a:xfrm>
-          <a:prstGeom prst="rect">
-            <a:avLst/>
-          </a:prstGeom>
-        </p:spPr>
-      </p:pic>
-    </p:spTree>
-    <p:extLst>
-      <p:ext uri="{BB962C8B-B14F-4D97-AF65-F5344CB8AC3E}">
-        <p14:creationId xmlns:p14="http://schemas.microsoft.com/office/powerpoint/2010/main" val="1938783940"/>
-      </p:ext>
-    </p:extLst>
-  </p:cSld>
-  <p:clrMapOvr>
-    <a:masterClrMapping/>
-  </p:clrMapOvr>
-</p:sld>
-</file>
-
-<file path=ppt/slides/slide8.xml><?xml version="1.0" encoding="utf-8"?>
-<p:sld xmlns:a="http://schemas.openxmlformats.org/drawingml/2006/main" xmlns:r="http://schemas.openxmlformats.org/officeDocument/2006/relationships" xmlns:p="http://schemas.openxmlformats.org/presentationml/2006/main">
-  <p:cSld>
-    <p:spTree>
-      <p:nvGrpSpPr>
-        <p:cNvPr id="1" name=""/>
-        <p:cNvGrpSpPr/>
-        <p:nvPr/>
-      </p:nvGrpSpPr>
-      <p:grpSpPr>
-        <a:xfrm>
-          <a:off x="0" y="0"/>
-          <a:ext cx="0" cy="0"/>
-          <a:chOff x="0" y="0"/>
-          <a:chExt cx="0" cy="0"/>
-        </a:xfrm>
-      </p:grpSpPr>
-      <p:sp>
-        <p:nvSpPr>
-          <p:cNvPr id="2" name="Title 1"/>
-          <p:cNvSpPr>
-            <a:spLocks noGrp="1"/>
-          </p:cNvSpPr>
-          <p:nvPr>
-            <p:ph type="title"/>
-          </p:nvPr>
-        </p:nvSpPr>
-        <p:spPr/>
-        <p:txBody>
-          <a:bodyPr/>
-          <a:lstStyle/>
-          <a:p>
-            <a:r>
-              <a:rPr lang="en-US" dirty="0"/>
               <a:t>Chapter Concepts</a:t>
             </a:r>
           </a:p>
@@ -9715,10 +12092,10 @@
       </p:sp>
       <p:graphicFrame>
         <p:nvGraphicFramePr>
-          <p:cNvPr id="9" name="Table 8">
+          <p:cNvPr id="8" name="Table 7">
             <a:extLst>
               <a:ext uri="{FF2B5EF4-FFF2-40B4-BE49-F238E27FC236}">
-                <a16:creationId xmlns:a16="http://schemas.microsoft.com/office/drawing/2014/main" id="{25B6989E-669C-48E1-AAA3-A5006C563655}"/>
+                <a16:creationId xmlns:a16="http://schemas.microsoft.com/office/drawing/2014/main" id="{26EFAC43-4F5B-4E07-9D45-7CCB1713DC7C}"/>
               </a:ext>
             </a:extLst>
           </p:cNvPr>
@@ -9728,14 +12105,14 @@
           <p:nvPr>
             <p:extLst>
               <p:ext uri="{D42A27DB-BD31-4B8C-83A1-F6EECF244321}">
-                <p14:modId xmlns:p14="http://schemas.microsoft.com/office/powerpoint/2010/main" val="2307674323"/>
+                <p14:modId xmlns:p14="http://schemas.microsoft.com/office/powerpoint/2010/main" val="2828179775"/>
               </p:ext>
             </p:extLst>
           </p:nvPr>
         </p:nvGraphicFramePr>
         <p:xfrm>
           <a:off x="2880360" y="1447543"/>
-          <a:ext cx="3383280" cy="1645920"/>
+          <a:ext cx="3383280" cy="2194560"/>
         </p:xfrm>
         <a:graphic>
           <a:graphicData uri="http://schemas.openxmlformats.org/drawingml/2006/table">
@@ -9767,11 +12144,9 @@
                         </a:spcAft>
                       </a:pPr>
                       <a:r>
-                        <a:rPr lang="en-US" sz="2000" dirty="0">
+                        <a:rPr lang="en-US" sz="2000" b="0" dirty="0">
                           <a:solidFill>
-                            <a:schemeClr val="bg1">
-                              <a:lumMod val="65000"/>
-                            </a:schemeClr>
+                            <a:schemeClr val="bg2"/>
                           </a:solidFill>
                         </a:rPr>
                         <a:t>Regression Analysis</a:t>
@@ -9816,6 +12191,71 @@
                     <a:bodyPr/>
                     <a:lstStyle/>
                     <a:p>
+                      <a:pPr marL="0" marR="0" lvl="0" indent="0" algn="l" defTabSz="914400" rtl="0" eaLnBrk="1" fontAlgn="auto" latinLnBrk="0" hangingPunct="1">
+                        <a:lnSpc>
+                          <a:spcPct val="100000"/>
+                        </a:lnSpc>
+                        <a:spcBef>
+                          <a:spcPts val="0"/>
+                        </a:spcBef>
+                        <a:spcAft>
+                          <a:spcPts val="0"/>
+                        </a:spcAft>
+                        <a:buClrTx/>
+                        <a:buSzTx/>
+                        <a:buFontTx/>
+                        <a:buNone/>
+                        <a:tabLst/>
+                        <a:defRPr/>
+                      </a:pPr>
+                      <a:r>
+                        <a:rPr lang="en-US" sz="2000" b="1" dirty="0">
+                          <a:solidFill>
+                            <a:schemeClr val="tx1"/>
+                          </a:solidFill>
+                        </a:rPr>
+                        <a:t>Data Preparation</a:t>
+                      </a:r>
+                    </a:p>
+                  </a:txBody>
+                  <a:tcPr anchor="ctr">
+                    <a:lnT w="12700" cap="flat" cmpd="sng" algn="ctr">
+                      <a:solidFill>
+                        <a:schemeClr val="bg1">
+                          <a:lumMod val="65000"/>
+                        </a:schemeClr>
+                      </a:solidFill>
+                      <a:prstDash val="solid"/>
+                      <a:round/>
+                      <a:headEnd type="none" w="med" len="med"/>
+                      <a:tailEnd type="none" w="med" len="med"/>
+                    </a:lnT>
+                    <a:lnB w="12700" cap="flat" cmpd="sng" algn="ctr">
+                      <a:solidFill>
+                        <a:schemeClr val="bg1">
+                          <a:lumMod val="65000"/>
+                        </a:schemeClr>
+                      </a:solidFill>
+                      <a:prstDash val="solid"/>
+                      <a:round/>
+                      <a:headEnd type="none" w="med" len="med"/>
+                      <a:tailEnd type="none" w="med" len="med"/>
+                    </a:lnB>
+                    <a:noFill/>
+                  </a:tcPr>
+                </a:tc>
+                <a:extLst>
+                  <a:ext uri="{0D108BD9-81ED-4DB2-BD59-A6C34878D82A}">
+                    <a16:rowId xmlns:a16="http://schemas.microsoft.com/office/drawing/2014/main" val="3686931139"/>
+                  </a:ext>
+                </a:extLst>
+              </a:tr>
+              <a:tr h="548640">
+                <a:tc>
+                  <a:txBody>
+                    <a:bodyPr/>
+                    <a:lstStyle/>
+                    <a:p>
                       <a:pPr>
                         <a:lnSpc>
                           <a:spcPct val="100000"/>
@@ -9825,9 +12265,11 @@
                         </a:spcAft>
                       </a:pPr>
                       <a:r>
-                        <a:rPr lang="en-US" sz="2000" b="1" dirty="0">
+                        <a:rPr lang="en-US" sz="2000" dirty="0">
                           <a:solidFill>
-                            <a:schemeClr val="tx1"/>
+                            <a:schemeClr val="bg1">
+                              <a:lumMod val="65000"/>
+                            </a:schemeClr>
                           </a:solidFill>
                         </a:rPr>
                         <a:t>Algorithms</a:t>
@@ -9931,7 +12373,536 @@
     </p:spTree>
     <p:extLst>
       <p:ext uri="{BB962C8B-B14F-4D97-AF65-F5344CB8AC3E}">
-        <p14:creationId xmlns:p14="http://schemas.microsoft.com/office/powerpoint/2010/main" val="1997819279"/>
+        <p14:creationId xmlns:p14="http://schemas.microsoft.com/office/powerpoint/2010/main" val="2949355586"/>
+      </p:ext>
+    </p:extLst>
+  </p:cSld>
+  <p:clrMapOvr>
+    <a:masterClrMapping/>
+  </p:clrMapOvr>
+</p:sld>
+</file>
+
+<file path=ppt/slides/slide8.xml><?xml version="1.0" encoding="utf-8"?>
+<p:sld xmlns:a="http://schemas.openxmlformats.org/drawingml/2006/main" xmlns:r="http://schemas.openxmlformats.org/officeDocument/2006/relationships" xmlns:p="http://schemas.openxmlformats.org/presentationml/2006/main">
+  <p:cSld>
+    <p:spTree>
+      <p:nvGrpSpPr>
+        <p:cNvPr id="1" name=""/>
+        <p:cNvGrpSpPr/>
+        <p:nvPr/>
+      </p:nvGrpSpPr>
+      <p:grpSpPr>
+        <a:xfrm>
+          <a:off x="0" y="0"/>
+          <a:ext cx="0" cy="0"/>
+          <a:chOff x="0" y="0"/>
+          <a:chExt cx="0" cy="0"/>
+        </a:xfrm>
+      </p:grpSpPr>
+      <p:sp>
+        <p:nvSpPr>
+          <p:cNvPr id="3" name="Content Placeholder 2"/>
+          <p:cNvSpPr>
+            <a:spLocks noGrp="1"/>
+          </p:cNvSpPr>
+          <p:nvPr>
+            <p:ph idx="1"/>
+          </p:nvPr>
+        </p:nvSpPr>
+        <p:spPr>
+          <a:xfrm>
+            <a:off x="581025" y="1155614"/>
+            <a:ext cx="8020050" cy="5072616"/>
+          </a:xfrm>
+        </p:spPr>
+        <p:txBody>
+          <a:bodyPr/>
+          <a:lstStyle/>
+          <a:p>
+            <a:r>
+              <a:rPr lang="en-US" dirty="0"/>
+              <a:t>For our examples, let’s use a public data set of housing data</a:t>
+            </a:r>
+          </a:p>
+          <a:p>
+            <a:endParaRPr lang="en-US" dirty="0"/>
+          </a:p>
+          <a:p>
+            <a:endParaRPr lang="en-US" dirty="0"/>
+          </a:p>
+          <a:p>
+            <a:endParaRPr lang="en-US" dirty="0"/>
+          </a:p>
+          <a:p>
+            <a:r>
+              <a:rPr lang="en-US" dirty="0"/>
+              <a:t>Plotting the distribution of </a:t>
+            </a:r>
+            <a:br>
+              <a:rPr lang="en-US" dirty="0"/>
+            </a:br>
+            <a:r>
+              <a:rPr lang="en-US" dirty="0"/>
+              <a:t>Prices shows that they are </a:t>
+            </a:r>
+            <a:br>
+              <a:rPr lang="en-US" dirty="0"/>
+            </a:br>
+            <a:r>
+              <a:rPr lang="en-US" dirty="0"/>
+              <a:t>normally distributed except for</a:t>
+            </a:r>
+            <a:br>
+              <a:rPr lang="en-US" dirty="0"/>
+            </a:br>
+            <a:r>
+              <a:rPr lang="en-US" dirty="0"/>
+              <a:t>some outliers so let’s trying </a:t>
+            </a:r>
+            <a:br>
+              <a:rPr lang="en-US" dirty="0"/>
+            </a:br>
+            <a:r>
+              <a:rPr lang="en-US" dirty="0"/>
+              <a:t>comparing the model with</a:t>
+            </a:r>
+            <a:br>
+              <a:rPr lang="en-US" dirty="0"/>
+            </a:br>
+            <a:r>
+              <a:rPr lang="en-US" dirty="0"/>
+              <a:t>them and then later filtered out</a:t>
+            </a:r>
+          </a:p>
+          <a:p>
+            <a:endParaRPr lang="en-US" dirty="0"/>
+          </a:p>
+        </p:txBody>
+      </p:sp>
+      <p:sp>
+        <p:nvSpPr>
+          <p:cNvPr id="2" name="Title 1"/>
+          <p:cNvSpPr>
+            <a:spLocks noGrp="1"/>
+          </p:cNvSpPr>
+          <p:nvPr>
+            <p:ph type="title"/>
+          </p:nvPr>
+        </p:nvSpPr>
+        <p:spPr/>
+        <p:txBody>
+          <a:bodyPr/>
+          <a:lstStyle/>
+          <a:p>
+            <a:r>
+              <a:rPr lang="en-US" dirty="0"/>
+              <a:t>Dataset</a:t>
+            </a:r>
+          </a:p>
+        </p:txBody>
+      </p:sp>
+      <p:sp>
+        <p:nvSpPr>
+          <p:cNvPr id="4" name="TextBox 3">
+            <a:extLst>
+              <a:ext uri="{FF2B5EF4-FFF2-40B4-BE49-F238E27FC236}">
+                <a16:creationId xmlns:a16="http://schemas.microsoft.com/office/drawing/2014/main" id="{B25BD5BC-E8B9-4540-A404-A5C6B4AFC25D}"/>
+              </a:ext>
+            </a:extLst>
+          </p:cNvPr>
+          <p:cNvSpPr txBox="1"/>
+          <p:nvPr/>
+        </p:nvSpPr>
+        <p:spPr>
+          <a:xfrm>
+            <a:off x="1741537" y="1580326"/>
+            <a:ext cx="5660926" cy="1077218"/>
+          </a:xfrm>
+          <a:prstGeom prst="rect">
+            <a:avLst/>
+          </a:prstGeom>
+          <a:noFill/>
+          <a:ln w="28575" algn="ctr">
+            <a:solidFill>
+              <a:schemeClr val="accent2">
+                <a:lumMod val="20000"/>
+                <a:lumOff val="80000"/>
+              </a:schemeClr>
+            </a:solidFill>
+            <a:miter lim="800000"/>
+            <a:headEnd/>
+            <a:tailEnd/>
+          </a:ln>
+          <a:effectLst/>
+        </p:spPr>
+        <p:txBody>
+          <a:bodyPr wrap="square">
+            <a:spAutoFit/>
+          </a:bodyPr>
+          <a:lstStyle>
+            <a:defPPr>
+              <a:defRPr lang="en-US"/>
+            </a:defPPr>
+            <a:lvl1pPr marL="0" defTabSz="914400" eaLnBrk="1" latinLnBrk="0" hangingPunct="1">
+              <a:defRPr sz="1400">
+                <a:solidFill>
+                  <a:schemeClr val="tx1"/>
+                </a:solidFill>
+                <a:latin typeface="Courier New" pitchFamily="49" charset="0"/>
+                <a:cs typeface="+mn-cs"/>
+              </a:defRPr>
+            </a:lvl1pPr>
+            <a:lvl2pPr marL="742950" indent="-285750" defTabSz="914400" latinLnBrk="0">
+              <a:defRPr sz="1400">
+                <a:solidFill>
+                  <a:schemeClr val="tx1"/>
+                </a:solidFill>
+                <a:latin typeface="Arial" charset="0"/>
+                <a:cs typeface="+mn-cs"/>
+              </a:defRPr>
+            </a:lvl2pPr>
+            <a:lvl3pPr marL="1143000" indent="-228600" defTabSz="914400" latinLnBrk="0">
+              <a:defRPr sz="1400">
+                <a:solidFill>
+                  <a:schemeClr val="tx1"/>
+                </a:solidFill>
+                <a:latin typeface="Arial" charset="0"/>
+                <a:cs typeface="+mn-cs"/>
+              </a:defRPr>
+            </a:lvl3pPr>
+            <a:lvl4pPr marL="1600200" indent="-228600" defTabSz="914400" latinLnBrk="0">
+              <a:defRPr sz="1400">
+                <a:solidFill>
+                  <a:schemeClr val="tx1"/>
+                </a:solidFill>
+                <a:latin typeface="Arial" charset="0"/>
+                <a:cs typeface="+mn-cs"/>
+              </a:defRPr>
+            </a:lvl4pPr>
+            <a:lvl5pPr marL="2057400" indent="-228600" defTabSz="914400" latinLnBrk="0">
+              <a:defRPr sz="1400">
+                <a:solidFill>
+                  <a:schemeClr val="tx1"/>
+                </a:solidFill>
+                <a:latin typeface="Arial" charset="0"/>
+                <a:cs typeface="+mn-cs"/>
+              </a:defRPr>
+            </a:lvl5pPr>
+            <a:lvl6pPr marL="2514600" indent="-228600" eaLnBrk="0" fontAlgn="base" hangingPunct="0">
+              <a:spcBef>
+                <a:spcPct val="0"/>
+              </a:spcBef>
+              <a:spcAft>
+                <a:spcPct val="0"/>
+              </a:spcAft>
+              <a:defRPr sz="1400">
+                <a:solidFill>
+                  <a:schemeClr val="tx1"/>
+                </a:solidFill>
+                <a:latin typeface="Arial" charset="0"/>
+                <a:cs typeface="+mn-cs"/>
+              </a:defRPr>
+            </a:lvl6pPr>
+            <a:lvl7pPr marL="2971800" indent="-228600" eaLnBrk="0" fontAlgn="base" hangingPunct="0">
+              <a:spcBef>
+                <a:spcPct val="0"/>
+              </a:spcBef>
+              <a:spcAft>
+                <a:spcPct val="0"/>
+              </a:spcAft>
+              <a:defRPr sz="1400">
+                <a:solidFill>
+                  <a:schemeClr val="tx1"/>
+                </a:solidFill>
+                <a:latin typeface="Arial" charset="0"/>
+                <a:cs typeface="+mn-cs"/>
+              </a:defRPr>
+            </a:lvl7pPr>
+            <a:lvl8pPr marL="3429000" indent="-228600" eaLnBrk="0" fontAlgn="base" hangingPunct="0">
+              <a:spcBef>
+                <a:spcPct val="0"/>
+              </a:spcBef>
+              <a:spcAft>
+                <a:spcPct val="0"/>
+              </a:spcAft>
+              <a:defRPr sz="1400">
+                <a:solidFill>
+                  <a:schemeClr val="tx1"/>
+                </a:solidFill>
+                <a:latin typeface="Arial" charset="0"/>
+                <a:cs typeface="+mn-cs"/>
+              </a:defRPr>
+            </a:lvl8pPr>
+            <a:lvl9pPr marL="3886200" indent="-228600" eaLnBrk="0" fontAlgn="base" hangingPunct="0">
+              <a:spcBef>
+                <a:spcPct val="0"/>
+              </a:spcBef>
+              <a:spcAft>
+                <a:spcPct val="0"/>
+              </a:spcAft>
+              <a:defRPr sz="1400">
+                <a:solidFill>
+                  <a:schemeClr val="tx1"/>
+                </a:solidFill>
+                <a:latin typeface="Arial" charset="0"/>
+                <a:cs typeface="+mn-cs"/>
+              </a:defRPr>
+            </a:lvl9pPr>
+          </a:lstStyle>
+          <a:p>
+            <a:r>
+              <a:rPr lang="en-US" sz="1600" b="1" dirty="0"/>
+              <a:t>import pandas as </a:t>
+            </a:r>
+            <a:r>
+              <a:rPr lang="en-US" sz="1600" b="1" dirty="0" err="1"/>
+              <a:t>pd</a:t>
+            </a:r>
+            <a:endParaRPr lang="en-US" sz="1600" b="1" dirty="0"/>
+          </a:p>
+          <a:p>
+            <a:r>
+              <a:rPr lang="en-US" sz="1600" b="1" dirty="0"/>
+              <a:t>import seaborn as </a:t>
+            </a:r>
+            <a:r>
+              <a:rPr lang="en-US" sz="1600" b="1" dirty="0" err="1"/>
+              <a:t>sns</a:t>
+            </a:r>
+            <a:endParaRPr lang="en-US" sz="1600" b="1" dirty="0"/>
+          </a:p>
+          <a:p>
+            <a:r>
+              <a:rPr lang="en-US" sz="1600" b="1" dirty="0" err="1"/>
+              <a:t>sns.distplot</a:t>
+            </a:r>
+            <a:r>
+              <a:rPr lang="en-US" sz="1600" b="1" dirty="0"/>
+              <a:t>(</a:t>
+            </a:r>
+            <a:r>
+              <a:rPr lang="en-US" sz="1600" b="1" dirty="0" err="1"/>
+              <a:t>df.toPandas</a:t>
+            </a:r>
+            <a:r>
+              <a:rPr lang="en-US" sz="1600" b="1" dirty="0"/>
+              <a:t>()['MEDV'])</a:t>
+            </a:r>
+          </a:p>
+          <a:p>
+            <a:endParaRPr lang="en-US" sz="1600" b="1" dirty="0"/>
+          </a:p>
+        </p:txBody>
+      </p:sp>
+      <p:pic>
+        <p:nvPicPr>
+          <p:cNvPr id="7" name="Picture 6">
+            <a:extLst>
+              <a:ext uri="{FF2B5EF4-FFF2-40B4-BE49-F238E27FC236}">
+                <a16:creationId xmlns:a16="http://schemas.microsoft.com/office/drawing/2014/main" id="{370ACC50-CACE-BB49-B401-828716DBEB7D}"/>
+              </a:ext>
+            </a:extLst>
+          </p:cNvPr>
+          <p:cNvPicPr>
+            <a:picLocks noChangeAspect="1"/>
+          </p:cNvPicPr>
+          <p:nvPr/>
+        </p:nvPicPr>
+        <p:blipFill>
+          <a:blip r:embed="rId3">
+            <a:extLst>
+              <a:ext uri="{28A0092B-C50C-407E-A947-70E740481C1C}">
+                <a14:useLocalDpi xmlns:a14="http://schemas.microsoft.com/office/drawing/2010/main" val="0"/>
+              </a:ext>
+            </a:extLst>
+          </a:blip>
+          <a:stretch>
+            <a:fillRect/>
+          </a:stretch>
+        </p:blipFill>
+        <p:spPr>
+          <a:xfrm>
+            <a:off x="4541631" y="3082256"/>
+            <a:ext cx="4059443" cy="2867970"/>
+          </a:xfrm>
+          <a:prstGeom prst="rect">
+            <a:avLst/>
+          </a:prstGeom>
+        </p:spPr>
+      </p:pic>
+      <p:sp>
+        <p:nvSpPr>
+          <p:cNvPr id="8" name="TextBox 7">
+            <a:extLst>
+              <a:ext uri="{FF2B5EF4-FFF2-40B4-BE49-F238E27FC236}">
+                <a16:creationId xmlns:a16="http://schemas.microsoft.com/office/drawing/2014/main" id="{CF63C264-9E30-3E41-A082-B3B46009FD87}"/>
+              </a:ext>
+            </a:extLst>
+          </p:cNvPr>
+          <p:cNvSpPr txBox="1"/>
+          <p:nvPr/>
+        </p:nvSpPr>
+        <p:spPr>
+          <a:xfrm>
+            <a:off x="397565" y="5098778"/>
+            <a:ext cx="4144065" cy="338554"/>
+          </a:xfrm>
+          <a:prstGeom prst="rect">
+            <a:avLst/>
+          </a:prstGeom>
+          <a:noFill/>
+          <a:ln w="28575" algn="ctr">
+            <a:solidFill>
+              <a:schemeClr val="accent2">
+                <a:lumMod val="20000"/>
+                <a:lumOff val="80000"/>
+              </a:schemeClr>
+            </a:solidFill>
+            <a:miter lim="800000"/>
+            <a:headEnd/>
+            <a:tailEnd/>
+          </a:ln>
+          <a:effectLst/>
+        </p:spPr>
+        <p:txBody>
+          <a:bodyPr wrap="square">
+            <a:spAutoFit/>
+          </a:bodyPr>
+          <a:lstStyle>
+            <a:defPPr>
+              <a:defRPr lang="en-US"/>
+            </a:defPPr>
+            <a:lvl1pPr marL="0" defTabSz="914400" eaLnBrk="1" latinLnBrk="0" hangingPunct="1">
+              <a:defRPr sz="1400">
+                <a:solidFill>
+                  <a:schemeClr val="tx1"/>
+                </a:solidFill>
+                <a:latin typeface="Courier New" pitchFamily="49" charset="0"/>
+                <a:cs typeface="+mn-cs"/>
+              </a:defRPr>
+            </a:lvl1pPr>
+            <a:lvl2pPr marL="742950" indent="-285750" defTabSz="914400" latinLnBrk="0">
+              <a:defRPr sz="1400">
+                <a:solidFill>
+                  <a:schemeClr val="tx1"/>
+                </a:solidFill>
+                <a:latin typeface="Arial" charset="0"/>
+                <a:cs typeface="+mn-cs"/>
+              </a:defRPr>
+            </a:lvl2pPr>
+            <a:lvl3pPr marL="1143000" indent="-228600" defTabSz="914400" latinLnBrk="0">
+              <a:defRPr sz="1400">
+                <a:solidFill>
+                  <a:schemeClr val="tx1"/>
+                </a:solidFill>
+                <a:latin typeface="Arial" charset="0"/>
+                <a:cs typeface="+mn-cs"/>
+              </a:defRPr>
+            </a:lvl3pPr>
+            <a:lvl4pPr marL="1600200" indent="-228600" defTabSz="914400" latinLnBrk="0">
+              <a:defRPr sz="1400">
+                <a:solidFill>
+                  <a:schemeClr val="tx1"/>
+                </a:solidFill>
+                <a:latin typeface="Arial" charset="0"/>
+                <a:cs typeface="+mn-cs"/>
+              </a:defRPr>
+            </a:lvl4pPr>
+            <a:lvl5pPr marL="2057400" indent="-228600" defTabSz="914400" latinLnBrk="0">
+              <a:defRPr sz="1400">
+                <a:solidFill>
+                  <a:schemeClr val="tx1"/>
+                </a:solidFill>
+                <a:latin typeface="Arial" charset="0"/>
+                <a:cs typeface="+mn-cs"/>
+              </a:defRPr>
+            </a:lvl5pPr>
+            <a:lvl6pPr marL="2514600" indent="-228600" eaLnBrk="0" fontAlgn="base" hangingPunct="0">
+              <a:spcBef>
+                <a:spcPct val="0"/>
+              </a:spcBef>
+              <a:spcAft>
+                <a:spcPct val="0"/>
+              </a:spcAft>
+              <a:defRPr sz="1400">
+                <a:solidFill>
+                  <a:schemeClr val="tx1"/>
+                </a:solidFill>
+                <a:latin typeface="Arial" charset="0"/>
+                <a:cs typeface="+mn-cs"/>
+              </a:defRPr>
+            </a:lvl6pPr>
+            <a:lvl7pPr marL="2971800" indent="-228600" eaLnBrk="0" fontAlgn="base" hangingPunct="0">
+              <a:spcBef>
+                <a:spcPct val="0"/>
+              </a:spcBef>
+              <a:spcAft>
+                <a:spcPct val="0"/>
+              </a:spcAft>
+              <a:defRPr sz="1400">
+                <a:solidFill>
+                  <a:schemeClr val="tx1"/>
+                </a:solidFill>
+                <a:latin typeface="Arial" charset="0"/>
+                <a:cs typeface="+mn-cs"/>
+              </a:defRPr>
+            </a:lvl7pPr>
+            <a:lvl8pPr marL="3429000" indent="-228600" eaLnBrk="0" fontAlgn="base" hangingPunct="0">
+              <a:spcBef>
+                <a:spcPct val="0"/>
+              </a:spcBef>
+              <a:spcAft>
+                <a:spcPct val="0"/>
+              </a:spcAft>
+              <a:defRPr sz="1400">
+                <a:solidFill>
+                  <a:schemeClr val="tx1"/>
+                </a:solidFill>
+                <a:latin typeface="Arial" charset="0"/>
+                <a:cs typeface="+mn-cs"/>
+              </a:defRPr>
+            </a:lvl8pPr>
+            <a:lvl9pPr marL="3886200" indent="-228600" eaLnBrk="0" fontAlgn="base" hangingPunct="0">
+              <a:spcBef>
+                <a:spcPct val="0"/>
+              </a:spcBef>
+              <a:spcAft>
+                <a:spcPct val="0"/>
+              </a:spcAft>
+              <a:defRPr sz="1400">
+                <a:solidFill>
+                  <a:schemeClr val="tx1"/>
+                </a:solidFill>
+                <a:latin typeface="Arial" charset="0"/>
+                <a:cs typeface="+mn-cs"/>
+              </a:defRPr>
+            </a:lvl9pPr>
+          </a:lstStyle>
+          <a:p>
+            <a:r>
+              <a:rPr lang="en-US" sz="1600" b="1" dirty="0" err="1"/>
+              <a:t>dfRaw</a:t>
+            </a:r>
+            <a:r>
+              <a:rPr lang="en-US" sz="1600" b="1" dirty="0"/>
+              <a:t> = </a:t>
+            </a:r>
+            <a:r>
+              <a:rPr lang="en-US" sz="1600" b="1" dirty="0" err="1"/>
+              <a:t>dfRaw.where</a:t>
+            </a:r>
+            <a:r>
+              <a:rPr lang="en-US" sz="1600" b="1" dirty="0"/>
+              <a:t>('MEDV &lt; 48')</a:t>
+            </a:r>
+          </a:p>
+        </p:txBody>
+      </p:sp>
+    </p:spTree>
+    <p:extLst>
+      <p:ext uri="{BB962C8B-B14F-4D97-AF65-F5344CB8AC3E}">
+        <p14:creationId xmlns:p14="http://schemas.microsoft.com/office/powerpoint/2010/main" val="1938783940"/>
       </p:ext>
     </p:extLst>
   </p:cSld>
@@ -9975,12 +12946,87 @@
           <a:p>
             <a:r>
               <a:rPr lang="en-US" dirty="0"/>
-              <a:t>Prep the data and fit the model on the training set</a:t>
-            </a:r>
-          </a:p>
-          <a:p>
-            <a:pPr lvl="1"/>
+              <a:t>Categorical data cannot stay as string, so it must be converted to a numeric format and then into a vector format</a:t>
+            </a:r>
+          </a:p>
+          <a:p>
+            <a:r>
+              <a:rPr lang="en-US" dirty="0" err="1"/>
+              <a:t>Pyspark</a:t>
+            </a:r>
+            <a:r>
+              <a:rPr lang="en-US" dirty="0"/>
+              <a:t> has a class which will transform a column into indexed numbers for each unique string value</a:t>
+            </a:r>
+          </a:p>
+          <a:p>
             <a:endParaRPr lang="en-US" dirty="0"/>
+          </a:p>
+          <a:p>
+            <a:endParaRPr lang="en-US" dirty="0"/>
+          </a:p>
+          <a:p>
+            <a:endParaRPr lang="en-US" dirty="0"/>
+          </a:p>
+          <a:p>
+            <a:endParaRPr lang="en-US" dirty="0"/>
+          </a:p>
+          <a:p>
+            <a:r>
+              <a:rPr lang="en-US" dirty="0"/>
+              <a:t>For convenience use this helper function</a:t>
+            </a:r>
+            <a:br>
+              <a:rPr lang="en-US" dirty="0"/>
+            </a:br>
+            <a:r>
+              <a:rPr lang="en-US" dirty="0"/>
+              <a:t>we made:</a:t>
+            </a:r>
+            <a:br>
+              <a:rPr lang="en-US" dirty="0"/>
+            </a:br>
+            <a:r>
+              <a:rPr lang="en-US" dirty="0">
+                <a:latin typeface="Courier New" panose="02070309020205020404" pitchFamily="49" charset="0"/>
+                <a:cs typeface="Courier New" panose="02070309020205020404" pitchFamily="49" charset="0"/>
+              </a:rPr>
+              <a:t>display(</a:t>
+            </a:r>
+            <a:r>
+              <a:rPr lang="en-US" dirty="0" err="1">
+                <a:latin typeface="Courier New" panose="02070309020205020404" pitchFamily="49" charset="0"/>
+                <a:cs typeface="Courier New" panose="02070309020205020404" pitchFamily="49" charset="0"/>
+              </a:rPr>
+              <a:t>pyh.StringIndexEncode</a:t>
+            </a:r>
+            <a:r>
+              <a:rPr lang="en-US" dirty="0">
+                <a:latin typeface="Courier New" panose="02070309020205020404" pitchFamily="49" charset="0"/>
+                <a:cs typeface="Courier New" panose="02070309020205020404" pitchFamily="49" charset="0"/>
+              </a:rPr>
+              <a:t>(</a:t>
+            </a:r>
+            <a:br>
+              <a:rPr lang="en-US" dirty="0">
+                <a:latin typeface="Courier New" panose="02070309020205020404" pitchFamily="49" charset="0"/>
+                <a:cs typeface="Courier New" panose="02070309020205020404" pitchFamily="49" charset="0"/>
+              </a:rPr>
+            </a:br>
+            <a:r>
+              <a:rPr lang="en-US" dirty="0" err="1">
+                <a:latin typeface="Courier New" panose="02070309020205020404" pitchFamily="49" charset="0"/>
+                <a:cs typeface="Courier New" panose="02070309020205020404" pitchFamily="49" charset="0"/>
+              </a:rPr>
+              <a:t>df</a:t>
+            </a:r>
+            <a:r>
+              <a:rPr lang="en-US" dirty="0">
+                <a:latin typeface="Courier New" panose="02070309020205020404" pitchFamily="49" charset="0"/>
+                <a:cs typeface="Courier New" panose="02070309020205020404" pitchFamily="49" charset="0"/>
+              </a:rPr>
+              <a:t>, ['TOWN', 'TRACT'])) </a:t>
+            </a:r>
           </a:p>
           <a:p>
             <a:endParaRPr lang="en-US" dirty="0"/>
@@ -10004,7 +13050,7 @@
           <a:p>
             <a:r>
               <a:rPr lang="en-US" dirty="0"/>
-              <a:t>Create a Scikit Model</a:t>
+              <a:t>Convert Categorical Features</a:t>
             </a:r>
           </a:p>
         </p:txBody>
@@ -10023,8 +13069,8 @@
         </p:nvSpPr>
         <p:spPr>
           <a:xfrm>
-            <a:off x="587695" y="1636963"/>
-            <a:ext cx="7968611" cy="3046988"/>
+            <a:off x="165165" y="2585838"/>
+            <a:ext cx="8851769" cy="1323439"/>
           </a:xfrm>
           <a:prstGeom prst="rect">
             <a:avLst/>
@@ -10160,60 +13206,212 @@
           <a:p>
             <a:r>
               <a:rPr lang="en-US" sz="1600" b="1" dirty="0"/>
-              <a:t>from sklearn.model_selection import train_test_split</a:t>
-            </a:r>
-          </a:p>
-          <a:p>
+              <a:t>from </a:t>
+            </a:r>
+            <a:r>
+              <a:rPr lang="en-US" sz="1600" b="1" dirty="0" err="1"/>
+              <a:t>pyspark.ml.feature</a:t>
+            </a:r>
             <a:r>
               <a:rPr lang="en-US" sz="1600" b="1" dirty="0"/>
-              <a:t>from sklearn.metrics import mean_squared_error, r2_score</a:t>
-            </a:r>
+              <a:t> import </a:t>
+            </a:r>
+            <a:r>
+              <a:rPr lang="en-US" sz="1600" b="1" dirty="0" err="1"/>
+              <a:t>StringIndexer</a:t>
+            </a:r>
+            <a:endParaRPr lang="en-US" sz="1600" b="1" dirty="0"/>
           </a:p>
           <a:p>
             <a:r>
               <a:rPr lang="en-US" sz="1600" b="1" dirty="0"/>
-              <a:t>x = USAhousing[['Avg. Area Income', 'Avg. Area House Age', 'Avg. Area Number of Rooms', 'Avg. Area Number of Bedrooms', 'Area Population']]</a:t>
-            </a:r>
-          </a:p>
-          <a:p>
+              <a:t>indexer = </a:t>
+            </a:r>
+            <a:r>
+              <a:rPr lang="en-US" sz="1600" b="1" dirty="0" err="1"/>
+              <a:t>StringIndexer</a:t>
+            </a:r>
             <a:r>
               <a:rPr lang="en-US" sz="1600" b="1" dirty="0"/>
-              <a:t>y = USAhousing['Price']</a:t>
-            </a:r>
-          </a:p>
-          <a:p>
+              <a:t>(</a:t>
+            </a:r>
+            <a:r>
+              <a:rPr lang="en-US" sz="1600" b="1" dirty="0" err="1"/>
+              <a:t>inputCol</a:t>
+            </a:r>
             <a:r>
               <a:rPr lang="en-US" sz="1600" b="1" dirty="0"/>
-              <a:t>trainX, testX, trainY, testY = train_test_split(x, y, test_size = 0.4, random_state = 101)</a:t>
-            </a:r>
-          </a:p>
-          <a:p>
-            <a:endParaRPr lang="en-US" sz="1600" b="1" dirty="0"/>
-          </a:p>
-          <a:p>
+              <a:t> = col, </a:t>
+            </a:r>
+            <a:r>
+              <a:rPr lang="en-US" sz="1600" b="1" dirty="0" err="1"/>
+              <a:t>outputCol</a:t>
+            </a:r>
             <a:r>
               <a:rPr lang="en-US" sz="1600" b="1" dirty="0"/>
-              <a:t>from sklearn.linear_model import LinearRegression</a:t>
-            </a:r>
-          </a:p>
-          <a:p>
+              <a:t> = </a:t>
+            </a:r>
+            <a:r>
+              <a:rPr lang="en-US" sz="1600" b="1" dirty="0" err="1"/>
+              <a:t>col+'_Index</a:t>
+            </a:r>
             <a:r>
               <a:rPr lang="en-US" sz="1600" b="1" dirty="0"/>
-              <a:t>lm = LinearRegression()</a:t>
+              <a:t>')</a:t>
             </a:r>
           </a:p>
           <a:p>
             <a:r>
               <a:rPr lang="en-US" sz="1600" b="1" dirty="0"/>
-              <a:t>lm.fit(trainX, trainY)</a:t>
+              <a:t>x = </a:t>
+            </a:r>
+            <a:r>
+              <a:rPr lang="en-US" sz="1600" b="1" dirty="0" err="1"/>
+              <a:t>indexer.fit</a:t>
+            </a:r>
+            <a:r>
+              <a:rPr lang="en-US" sz="1600" b="1" dirty="0"/>
+              <a:t>(</a:t>
+            </a:r>
+            <a:r>
+              <a:rPr lang="en-US" sz="1600" b="1" dirty="0" err="1"/>
+              <a:t>df</a:t>
+            </a:r>
+            <a:r>
+              <a:rPr lang="en-US" sz="1600" b="1" dirty="0"/>
+              <a:t>).transform(</a:t>
+            </a:r>
+            <a:r>
+              <a:rPr lang="en-US" sz="1600" b="1" dirty="0" err="1"/>
+              <a:t>df</a:t>
+            </a:r>
+            <a:r>
+              <a:rPr lang="en-US" sz="1600" b="1" dirty="0"/>
+              <a:t>).select(col, </a:t>
+            </a:r>
+            <a:r>
+              <a:rPr lang="en-US" sz="1600" b="1" dirty="0" err="1"/>
+              <a:t>col+'_Index</a:t>
+            </a:r>
+            <a:r>
+              <a:rPr lang="en-US" sz="1600" b="1" dirty="0"/>
+              <a:t>').distinct()</a:t>
+            </a:r>
+          </a:p>
+          <a:p>
+            <a:r>
+              <a:rPr lang="en-US" sz="1600" b="1" dirty="0"/>
+              <a:t>display(</a:t>
+            </a:r>
+            <a:r>
+              <a:rPr lang="en-US" sz="1600" b="1" dirty="0" err="1"/>
+              <a:t>x.orderBy</a:t>
+            </a:r>
+            <a:r>
+              <a:rPr lang="en-US" sz="1600" b="1" dirty="0"/>
+              <a:t>(col))</a:t>
+            </a:r>
+          </a:p>
+          <a:p>
+            <a:r>
+              <a:rPr lang="en-US" sz="1600" b="1" dirty="0"/>
+              <a:t>display(</a:t>
+            </a:r>
+            <a:r>
+              <a:rPr lang="en-US" sz="1600" b="1" dirty="0" err="1"/>
+              <a:t>x.orderBy</a:t>
+            </a:r>
+            <a:r>
+              <a:rPr lang="en-US" sz="1600" b="1" dirty="0"/>
+              <a:t>(</a:t>
+            </a:r>
+            <a:r>
+              <a:rPr lang="en-US" sz="1600" b="1" dirty="0" err="1"/>
+              <a:t>col+'_Index</a:t>
+            </a:r>
+            <a:r>
+              <a:rPr lang="en-US" sz="1600" b="1" dirty="0"/>
+              <a:t>'))</a:t>
             </a:r>
           </a:p>
         </p:txBody>
       </p:sp>
+      <p:pic>
+        <p:nvPicPr>
+          <p:cNvPr id="13" name="Picture 12">
+            <a:extLst>
+              <a:ext uri="{FF2B5EF4-FFF2-40B4-BE49-F238E27FC236}">
+                <a16:creationId xmlns:a16="http://schemas.microsoft.com/office/drawing/2014/main" id="{0938C606-13E3-DB4B-84AC-AB5D8EAE192D}"/>
+              </a:ext>
+            </a:extLst>
+          </p:cNvPr>
+          <p:cNvPicPr>
+            <a:picLocks noChangeAspect="1"/>
+          </p:cNvPicPr>
+          <p:nvPr/>
+        </p:nvPicPr>
+        <p:blipFill>
+          <a:blip r:embed="rId3">
+            <a:extLst>
+              <a:ext uri="{28A0092B-C50C-407E-A947-70E740481C1C}">
+                <a14:useLocalDpi xmlns:a14="http://schemas.microsoft.com/office/drawing/2010/main" val="0"/>
+              </a:ext>
+            </a:extLst>
+          </a:blip>
+          <a:stretch>
+            <a:fillRect/>
+          </a:stretch>
+        </p:blipFill>
+        <p:spPr>
+          <a:xfrm>
+            <a:off x="5303426" y="3983462"/>
+            <a:ext cx="1885887" cy="2244768"/>
+          </a:xfrm>
+          <a:prstGeom prst="rect">
+            <a:avLst/>
+          </a:prstGeom>
+        </p:spPr>
+      </p:pic>
+      <p:pic>
+        <p:nvPicPr>
+          <p:cNvPr id="15" name="Picture 14">
+            <a:extLst>
+              <a:ext uri="{FF2B5EF4-FFF2-40B4-BE49-F238E27FC236}">
+                <a16:creationId xmlns:a16="http://schemas.microsoft.com/office/drawing/2014/main" id="{1AA5BF25-B13C-2948-8AA5-879CB46E3FA0}"/>
+              </a:ext>
+            </a:extLst>
+          </p:cNvPr>
+          <p:cNvPicPr>
+            <a:picLocks noChangeAspect="1"/>
+          </p:cNvPicPr>
+          <p:nvPr/>
+        </p:nvPicPr>
+        <p:blipFill>
+          <a:blip r:embed="rId4">
+            <a:extLst>
+              <a:ext uri="{28A0092B-C50C-407E-A947-70E740481C1C}">
+                <a14:useLocalDpi xmlns:a14="http://schemas.microsoft.com/office/drawing/2010/main" val="0"/>
+              </a:ext>
+            </a:extLst>
+          </a:blip>
+          <a:stretch>
+            <a:fillRect/>
+          </a:stretch>
+        </p:blipFill>
+        <p:spPr>
+          <a:xfrm>
+            <a:off x="7324200" y="3977068"/>
+            <a:ext cx="1692734" cy="2251161"/>
+          </a:xfrm>
+          <a:prstGeom prst="rect">
+            <a:avLst/>
+          </a:prstGeom>
+        </p:spPr>
+      </p:pic>
     </p:spTree>
     <p:extLst>
       <p:ext uri="{BB962C8B-B14F-4D97-AF65-F5344CB8AC3E}">
-        <p14:creationId xmlns:p14="http://schemas.microsoft.com/office/powerpoint/2010/main" val="1496132690"/>
+        <p14:creationId xmlns:p14="http://schemas.microsoft.com/office/powerpoint/2010/main" val="435732685"/>
       </p:ext>
     </p:extLst>
   </p:cSld>
@@ -11432,6 +14630,15 @@
 </file>
 
 <file path=customXml/item2.xml><?xml version="1.0" encoding="utf-8"?>
+<?mso-contentType ?>
+<FormTemplates xmlns="http://schemas.microsoft.com/sharepoint/v3/contenttype/forms">
+  <Display>DocumentLibraryForm</Display>
+  <Edit>DocumentLibraryForm</Edit>
+  <New>DocumentLibraryForm</New>
+</FormTemplates>
+</file>
+
+<file path=customXml/item3.xml><?xml version="1.0" encoding="utf-8"?>
 <ct:contentTypeSchema xmlns:ct="http://schemas.microsoft.com/office/2006/metadata/contentType" xmlns:ma="http://schemas.microsoft.com/office/2006/metadata/properties/metaAttributes" ct:_="" ma:_="" ma:contentTypeName="Document" ma:contentTypeID="0x0101004C58D7A746750E48B9E257CBBD401C71" ma:contentTypeVersion="5" ma:contentTypeDescription="Create a new document." ma:contentTypeScope="" ma:versionID="9b104746e7bcdc89d5c9d8909bc79033">
   <xsd:schema xmlns:xsd="http://www.w3.org/2001/XMLSchema" xmlns:xs="http://www.w3.org/2001/XMLSchema" xmlns:p="http://schemas.microsoft.com/office/2006/metadata/properties" xmlns:ns2="3f1ded34-099e-46dd-b0de-95a90e7e1e5f" targetNamespace="http://schemas.microsoft.com/office/2006/metadata/properties" ma:root="true" ma:fieldsID="39039af933a2d9dca5a96354c4c2b0ed" ns2:_="">
     <xsd:import namespace="3f1ded34-099e-46dd-b0de-95a90e7e1e5f"/>
@@ -11583,15 +14790,6 @@
 </ct:contentTypeSchema>
 </file>
 
-<file path=customXml/item3.xml><?xml version="1.0" encoding="utf-8"?>
-<?mso-contentType ?>
-<FormTemplates xmlns="http://schemas.microsoft.com/sharepoint/v3/contenttype/forms">
-  <Display>DocumentLibraryForm</Display>
-  <Edit>DocumentLibraryForm</Edit>
-  <New>DocumentLibraryForm</New>
-</FormTemplates>
-</file>
-
 <file path=customXml/itemProps1.xml><?xml version="1.0" encoding="utf-8"?>
 <ds:datastoreItem xmlns:ds="http://schemas.openxmlformats.org/officeDocument/2006/customXml" ds:itemID="{F47B9207-CE5C-49AD-B414-15CBFA246D65}">
   <ds:schemaRefs>
@@ -11602,6 +14800,14 @@
 </file>
 
 <file path=customXml/itemProps2.xml><?xml version="1.0" encoding="utf-8"?>
+<ds:datastoreItem xmlns:ds="http://schemas.openxmlformats.org/officeDocument/2006/customXml" ds:itemID="{2DA015F3-603C-4688-A5F3-81D587DAB8C9}">
+  <ds:schemaRefs>
+    <ds:schemaRef ds:uri="http://schemas.microsoft.com/sharepoint/v3/contenttype/forms"/>
+  </ds:schemaRefs>
+</ds:datastoreItem>
+</file>
+
+<file path=customXml/itemProps3.xml><?xml version="1.0" encoding="utf-8"?>
 <ds:datastoreItem xmlns:ds="http://schemas.openxmlformats.org/officeDocument/2006/customXml" ds:itemID="{6751EBC6-C433-43E6-8F46-C6D6D677BF51}">
   <ds:schemaRefs>
     <ds:schemaRef ds:uri="http://schemas.microsoft.com/office/2006/metadata/contentType"/>
@@ -11617,12 +14823,4 @@
     <ds:schemaRef ds:uri="http://schemas.microsoft.com/internal/obd"/>
   </ds:schemaRefs>
 </ds:datastoreItem>
-</file>
-
-<file path=customXml/itemProps3.xml><?xml version="1.0" encoding="utf-8"?>
-<ds:datastoreItem xmlns:ds="http://schemas.openxmlformats.org/officeDocument/2006/customXml" ds:itemID="{2DA015F3-603C-4688-A5F3-81D587DAB8C9}">
-  <ds:schemaRefs>
-    <ds:schemaRef ds:uri="http://schemas.microsoft.com/sharepoint/v3/contenttype/forms"/>
-  </ds:schemaRefs>
-</ds:datastoreItem>
 </file>
--- a/Ch05_RegressionAnalysis.pptx
+++ b/Ch05_RegressionAnalysis.pptx
@@ -10259,90 +10259,6 @@
       </p:grpSpPr>
       <p:sp>
         <p:nvSpPr>
-          <p:cNvPr id="3" name="Content Placeholder 2"/>
-          <p:cNvSpPr>
-            <a:spLocks noGrp="1"/>
-          </p:cNvSpPr>
-          <p:nvPr>
-            <p:ph idx="1"/>
-          </p:nvPr>
-        </p:nvSpPr>
-        <p:spPr/>
-        <p:txBody>
-          <a:bodyPr/>
-          <a:lstStyle/>
-          <a:p>
-            <a:r>
-              <a:rPr lang="en-US" dirty="0"/>
-              <a:t>Create and instance of the regression class</a:t>
-            </a:r>
-          </a:p>
-          <a:p>
-            <a:r>
-              <a:rPr lang="en-US" dirty="0"/>
-              <a:t>There are several to choose from</a:t>
-            </a:r>
-          </a:p>
-          <a:p>
-            <a:pPr lvl="1"/>
-            <a:r>
-              <a:rPr lang="en-US" dirty="0" err="1"/>
-              <a:t>LinearRegression</a:t>
-            </a:r>
-            <a:endParaRPr lang="en-US" dirty="0"/>
-          </a:p>
-          <a:p>
-            <a:pPr lvl="1"/>
-            <a:r>
-              <a:rPr lang="en-US" dirty="0" err="1"/>
-              <a:t>GeneralizedLinearRegression</a:t>
-            </a:r>
-            <a:endParaRPr lang="en-US" dirty="0"/>
-          </a:p>
-          <a:p>
-            <a:pPr lvl="1"/>
-            <a:r>
-              <a:rPr lang="en-US" dirty="0" err="1"/>
-              <a:t>DecisionTreeRegressor</a:t>
-            </a:r>
-            <a:endParaRPr lang="en-US" dirty="0"/>
-          </a:p>
-          <a:p>
-            <a:pPr lvl="1"/>
-            <a:r>
-              <a:rPr lang="en-US" dirty="0" err="1"/>
-              <a:t>RandomForestRegressor</a:t>
-            </a:r>
-            <a:endParaRPr lang="en-US" dirty="0"/>
-          </a:p>
-          <a:p>
-            <a:pPr lvl="1"/>
-            <a:r>
-              <a:rPr lang="en-US" dirty="0" err="1"/>
-              <a:t>GBTRegressor</a:t>
-            </a:r>
-            <a:endParaRPr lang="en-US" dirty="0"/>
-          </a:p>
-          <a:p>
-            <a:pPr lvl="1"/>
-            <a:r>
-              <a:rPr lang="en-US" dirty="0" err="1"/>
-              <a:t>AFTSurvivalRegression</a:t>
-            </a:r>
-            <a:endParaRPr lang="en-US" dirty="0"/>
-          </a:p>
-          <a:p>
-            <a:pPr lvl="1"/>
-            <a:r>
-              <a:rPr lang="en-US" dirty="0" err="1"/>
-              <a:t>IsotonicRegression</a:t>
-            </a:r>
-            <a:endParaRPr lang="en-US" dirty="0"/>
-          </a:p>
-        </p:txBody>
-      </p:sp>
-      <p:sp>
-        <p:nvSpPr>
           <p:cNvPr id="2" name="Title 1"/>
           <p:cNvSpPr>
             <a:spLocks noGrp="1"/>
@@ -10377,7 +10293,7 @@
         </p:nvSpPr>
         <p:spPr>
           <a:xfrm>
-            <a:off x="331304" y="3992710"/>
+            <a:off x="258451" y="917557"/>
             <a:ext cx="8587409" cy="2062103"/>
           </a:xfrm>
           <a:prstGeom prst="rect">
@@ -10660,6 +10576,78 @@
           </a:p>
         </p:txBody>
       </p:sp>
+      <p:pic>
+        <p:nvPicPr>
+          <p:cNvPr id="6" name="Picture 5">
+            <a:extLst>
+              <a:ext uri="{FF2B5EF4-FFF2-40B4-BE49-F238E27FC236}">
+                <a16:creationId xmlns:a16="http://schemas.microsoft.com/office/drawing/2014/main" id="{93933CE3-8D8D-0240-A17C-3C2D911BBCCA}"/>
+              </a:ext>
+            </a:extLst>
+          </p:cNvPr>
+          <p:cNvPicPr>
+            <a:picLocks noChangeAspect="1"/>
+          </p:cNvPicPr>
+          <p:nvPr/>
+        </p:nvPicPr>
+        <p:blipFill>
+          <a:blip r:embed="rId3">
+            <a:extLst>
+              <a:ext uri="{28A0092B-C50C-407E-A947-70E740481C1C}">
+                <a14:useLocalDpi xmlns:a14="http://schemas.microsoft.com/office/drawing/2010/main" val="0"/>
+              </a:ext>
+            </a:extLst>
+          </a:blip>
+          <a:stretch>
+            <a:fillRect/>
+          </a:stretch>
+        </p:blipFill>
+        <p:spPr>
+          <a:xfrm>
+            <a:off x="258451" y="3176860"/>
+            <a:ext cx="7447722" cy="859724"/>
+          </a:xfrm>
+          <a:prstGeom prst="rect">
+            <a:avLst/>
+          </a:prstGeom>
+        </p:spPr>
+      </p:pic>
+      <p:pic>
+        <p:nvPicPr>
+          <p:cNvPr id="8" name="Picture 7">
+            <a:extLst>
+              <a:ext uri="{FF2B5EF4-FFF2-40B4-BE49-F238E27FC236}">
+                <a16:creationId xmlns:a16="http://schemas.microsoft.com/office/drawing/2014/main" id="{3CFD443A-CB15-114D-86ED-BC91109E0599}"/>
+              </a:ext>
+            </a:extLst>
+          </p:cNvPr>
+          <p:cNvPicPr>
+            <a:picLocks noChangeAspect="1"/>
+          </p:cNvPicPr>
+          <p:nvPr/>
+        </p:nvPicPr>
+        <p:blipFill>
+          <a:blip r:embed="rId4">
+            <a:extLst>
+              <a:ext uri="{28A0092B-C50C-407E-A947-70E740481C1C}">
+                <a14:useLocalDpi xmlns:a14="http://schemas.microsoft.com/office/drawing/2010/main" val="0"/>
+              </a:ext>
+            </a:extLst>
+          </a:blip>
+          <a:stretch>
+            <a:fillRect/>
+          </a:stretch>
+        </p:blipFill>
+        <p:spPr>
+          <a:xfrm>
+            <a:off x="258451" y="4233784"/>
+            <a:ext cx="6146800" cy="2057400"/>
+          </a:xfrm>
+          <a:prstGeom prst="rect">
+            <a:avLst/>
+          </a:prstGeom>
+        </p:spPr>
+      </p:pic>
     </p:spTree>
     <p:extLst>
       <p:ext uri="{BB962C8B-B14F-4D97-AF65-F5344CB8AC3E}">
@@ -14624,18 +14612,18 @@
 </file>
 
 <file path=customXml/item1.xml><?xml version="1.0" encoding="utf-8"?>
-<p:properties xmlns:p="http://schemas.microsoft.com/office/2006/metadata/properties" xmlns:xsi="http://www.w3.org/2001/XMLSchema-instance" xmlns:pc="http://schemas.microsoft.com/office/infopath/2007/PartnerControls">
-  <documentManagement/>
-</p:properties>
-</file>
-
-<file path=customXml/item2.xml><?xml version="1.0" encoding="utf-8"?>
 <?mso-contentType ?>
 <FormTemplates xmlns="http://schemas.microsoft.com/sharepoint/v3/contenttype/forms">
   <Display>DocumentLibraryForm</Display>
   <Edit>DocumentLibraryForm</Edit>
   <New>DocumentLibraryForm</New>
 </FormTemplates>
+</file>
+
+<file path=customXml/item2.xml><?xml version="1.0" encoding="utf-8"?>
+<p:properties xmlns:p="http://schemas.microsoft.com/office/2006/metadata/properties" xmlns:xsi="http://www.w3.org/2001/XMLSchema-instance" xmlns:pc="http://schemas.microsoft.com/office/infopath/2007/PartnerControls">
+  <documentManagement/>
+</p:properties>
 </file>
 
 <file path=customXml/item3.xml><?xml version="1.0" encoding="utf-8"?>
@@ -14791,18 +14779,18 @@
 </file>
 
 <file path=customXml/itemProps1.xml><?xml version="1.0" encoding="utf-8"?>
-<ds:datastoreItem xmlns:ds="http://schemas.openxmlformats.org/officeDocument/2006/customXml" ds:itemID="{F47B9207-CE5C-49AD-B414-15CBFA246D65}">
+<ds:datastoreItem xmlns:ds="http://schemas.openxmlformats.org/officeDocument/2006/customXml" ds:itemID="{2DA015F3-603C-4688-A5F3-81D587DAB8C9}">
   <ds:schemaRefs>
-    <ds:schemaRef ds:uri="http://schemas.microsoft.com/office/2006/metadata/properties"/>
-    <ds:schemaRef ds:uri="http://schemas.microsoft.com/office/infopath/2007/PartnerControls"/>
+    <ds:schemaRef ds:uri="http://schemas.microsoft.com/sharepoint/v3/contenttype/forms"/>
   </ds:schemaRefs>
 </ds:datastoreItem>
 </file>
 
 <file path=customXml/itemProps2.xml><?xml version="1.0" encoding="utf-8"?>
-<ds:datastoreItem xmlns:ds="http://schemas.openxmlformats.org/officeDocument/2006/customXml" ds:itemID="{2DA015F3-603C-4688-A5F3-81D587DAB8C9}">
+<ds:datastoreItem xmlns:ds="http://schemas.openxmlformats.org/officeDocument/2006/customXml" ds:itemID="{F47B9207-CE5C-49AD-B414-15CBFA246D65}">
   <ds:schemaRefs>
-    <ds:schemaRef ds:uri="http://schemas.microsoft.com/sharepoint/v3/contenttype/forms"/>
+    <ds:schemaRef ds:uri="http://schemas.microsoft.com/office/2006/metadata/properties"/>
+    <ds:schemaRef ds:uri="http://schemas.microsoft.com/office/infopath/2007/PartnerControls"/>
   </ds:schemaRefs>
 </ds:datastoreItem>
 </file>
